--- a/Docs/Soutenance Projet.pptx
+++ b/Docs/Soutenance Projet.pptx
@@ -1,8 +1,8 @@
 
 <file path=ppt/presentation.xml><?xml version="1.0" encoding="utf-8"?>
-<p:presentation xmlns:a="http://schemas.openxmlformats.org/drawingml/2006/main" xmlns:r="http://schemas.openxmlformats.org/officeDocument/2006/relationships" xmlns:p="http://schemas.openxmlformats.org/presentationml/2006/main" saveSubsetFonts="1">
+<p:presentation xmlns:a="http://schemas.openxmlformats.org/drawingml/2006/main" xmlns:r="http://schemas.openxmlformats.org/officeDocument/2006/relationships" xmlns:p="http://schemas.openxmlformats.org/presentationml/2006/main" showSpecialPlsOnTitleSld="0" saveSubsetFonts="1">
   <p:sldMasterIdLst>
-    <p:sldMasterId id="2147483732" r:id="rId1"/>
+    <p:sldMasterId id="2147483756" r:id="rId1"/>
   </p:sldMasterIdLst>
   <p:notesMasterIdLst>
     <p:notesMasterId r:id="rId9"/>
@@ -115,7 +115,7 @@
   </p:defaultTextStyle>
   <p:extLst>
     <p:ext uri="{EFAFB233-063F-42B5-8137-9DF3F51BA10A}">
-      <p15:sldGuideLst xmlns="" xmlns:p15="http://schemas.microsoft.com/office/powerpoint/2012/main">
+      <p15:sldGuideLst xmlns:p15="http://schemas.microsoft.com/office/powerpoint/2012/main" xmlns="">
         <p15:guide id="1" orient="horz" pos="2160">
           <p15:clr>
             <a:srgbClr val="A4A3A4"/>
@@ -2291,7 +2291,7 @@
             <a:alphaOff val="0"/>
           </a:schemeClr>
         </a:solidFill>
-        <a:ln w="28575" cap="flat" cmpd="sng" algn="ctr">
+        <a:ln w="12700" cap="flat" cmpd="sng" algn="ctr">
           <a:solidFill>
             <a:schemeClr val="lt1">
               <a:hueOff val="0"/>
@@ -2319,12 +2319,12 @@
         </a:fontRef>
       </dsp:style>
       <dsp:txBody>
-        <a:bodyPr spcFirstLastPara="0" vert="horz" wrap="square" lIns="9525" tIns="9525" rIns="9525" bIns="9525" numCol="1" spcCol="1270" anchor="ctr" anchorCtr="0">
+        <a:bodyPr spcFirstLastPara="0" vert="horz" wrap="square" lIns="12065" tIns="12065" rIns="12065" bIns="12065" numCol="1" spcCol="1270" anchor="ctr" anchorCtr="0">
           <a:noAutofit/>
         </a:bodyPr>
         <a:lstStyle/>
         <a:p>
-          <a:pPr lvl="0" algn="ctr" defTabSz="666750">
+          <a:pPr lvl="0" algn="ctr" defTabSz="844550">
             <a:lnSpc>
               <a:spcPct val="90000"/>
             </a:lnSpc>
@@ -2336,7 +2336,7 @@
             </a:spcAft>
           </a:pPr>
           <a:r>
-            <a:rPr lang="fr-FR" sz="1500" kern="1200" dirty="0"/>
+            <a:rPr lang="fr-FR" sz="1900" kern="1200" dirty="0"/>
             <a:t>site</a:t>
           </a:r>
         </a:p>
@@ -2374,7 +2374,7 @@
           </a:pathLst>
         </a:custGeom>
         <a:noFill/>
-        <a:ln w="28575" cap="flat" cmpd="sng" algn="ctr">
+        <a:ln w="12700" cap="flat" cmpd="sng" algn="ctr">
           <a:solidFill>
             <a:schemeClr val="accent1">
               <a:shade val="60000"/>
@@ -2406,7 +2406,7 @@
         </a:bodyPr>
         <a:lstStyle/>
         <a:p>
-          <a:pPr lvl="0" algn="ctr" defTabSz="266700">
+          <a:pPr lvl="0" algn="ctr" defTabSz="311150">
             <a:lnSpc>
               <a:spcPct val="90000"/>
             </a:lnSpc>
@@ -2417,7 +2417,7 @@
               <a:spcPct val="35000"/>
             </a:spcAft>
           </a:pPr>
-          <a:endParaRPr lang="fr-FR" sz="600" kern="1200"/>
+          <a:endParaRPr lang="fr-FR" sz="700" kern="1200"/>
         </a:p>
       </dsp:txBody>
       <dsp:txXfrm>
@@ -2448,7 +2448,7 @@
             <a:alphaOff val="0"/>
           </a:schemeClr>
         </a:solidFill>
-        <a:ln w="28575" cap="flat" cmpd="sng" algn="ctr">
+        <a:ln w="12700" cap="flat" cmpd="sng" algn="ctr">
           <a:solidFill>
             <a:schemeClr val="lt1">
               <a:hueOff val="0"/>
@@ -2476,12 +2476,12 @@
         </a:fontRef>
       </dsp:style>
       <dsp:txBody>
-        <a:bodyPr spcFirstLastPara="0" vert="horz" wrap="square" lIns="9525" tIns="9525" rIns="9525" bIns="9525" numCol="1" spcCol="1270" anchor="ctr" anchorCtr="0">
+        <a:bodyPr spcFirstLastPara="0" vert="horz" wrap="square" lIns="12065" tIns="12065" rIns="12065" bIns="12065" numCol="1" spcCol="1270" anchor="ctr" anchorCtr="0">
           <a:noAutofit/>
         </a:bodyPr>
         <a:lstStyle/>
         <a:p>
-          <a:pPr lvl="0" algn="ctr" defTabSz="666750">
+          <a:pPr lvl="0" algn="ctr" defTabSz="844550">
             <a:lnSpc>
               <a:spcPct val="90000"/>
             </a:lnSpc>
@@ -2493,10 +2493,10 @@
             </a:spcAft>
           </a:pPr>
           <a:r>
-            <a:rPr lang="fr-FR" sz="1500" kern="1200" dirty="0" smtClean="0"/>
+            <a:rPr lang="fr-FR" sz="1900" kern="1200" dirty="0" smtClean="0"/>
             <a:t>config</a:t>
           </a:r>
-          <a:endParaRPr lang="fr-FR" sz="1500" kern="1200" dirty="0"/>
+          <a:endParaRPr lang="fr-FR" sz="1900" kern="1200" dirty="0"/>
         </a:p>
       </dsp:txBody>
       <dsp:txXfrm>
@@ -2532,7 +2532,7 @@
           </a:pathLst>
         </a:custGeom>
         <a:noFill/>
-        <a:ln w="28575" cap="flat" cmpd="sng" algn="ctr">
+        <a:ln w="12700" cap="flat" cmpd="sng" algn="ctr">
           <a:solidFill>
             <a:schemeClr val="accent1">
               <a:shade val="60000"/>
@@ -2606,7 +2606,7 @@
             <a:alphaOff val="0"/>
           </a:schemeClr>
         </a:solidFill>
-        <a:ln w="28575" cap="flat" cmpd="sng" algn="ctr">
+        <a:ln w="12700" cap="flat" cmpd="sng" algn="ctr">
           <a:solidFill>
             <a:schemeClr val="lt1">
               <a:hueOff val="0"/>
@@ -2634,12 +2634,12 @@
         </a:fontRef>
       </dsp:style>
       <dsp:txBody>
-        <a:bodyPr spcFirstLastPara="0" vert="horz" wrap="square" lIns="9525" tIns="9525" rIns="9525" bIns="9525" numCol="1" spcCol="1270" anchor="ctr" anchorCtr="0">
+        <a:bodyPr spcFirstLastPara="0" vert="horz" wrap="square" lIns="12065" tIns="12065" rIns="12065" bIns="12065" numCol="1" spcCol="1270" anchor="ctr" anchorCtr="0">
           <a:noAutofit/>
         </a:bodyPr>
         <a:lstStyle/>
         <a:p>
-          <a:pPr lvl="0" algn="ctr" defTabSz="666750">
+          <a:pPr lvl="0" algn="ctr" defTabSz="844550">
             <a:lnSpc>
               <a:spcPct val="90000"/>
             </a:lnSpc>
@@ -2651,10 +2651,10 @@
             </a:spcAft>
           </a:pPr>
           <a:r>
-            <a:rPr lang="fr-FR" sz="1500" kern="1200" dirty="0" err="1"/>
+            <a:rPr lang="fr-FR" sz="1900" kern="1200" dirty="0" err="1"/>
             <a:t>css</a:t>
           </a:r>
-          <a:endParaRPr lang="fr-FR" sz="1500" kern="1200" dirty="0"/>
+          <a:endParaRPr lang="fr-FR" sz="1900" kern="1200" dirty="0"/>
         </a:p>
       </dsp:txBody>
       <dsp:txXfrm>
@@ -2690,7 +2690,7 @@
           </a:pathLst>
         </a:custGeom>
         <a:noFill/>
-        <a:ln w="28575" cap="flat" cmpd="sng" algn="ctr">
+        <a:ln w="12700" cap="flat" cmpd="sng" algn="ctr">
           <a:solidFill>
             <a:schemeClr val="accent1">
               <a:shade val="60000"/>
@@ -2764,7 +2764,7 @@
             <a:alphaOff val="0"/>
           </a:schemeClr>
         </a:solidFill>
-        <a:ln w="28575" cap="flat" cmpd="sng" algn="ctr">
+        <a:ln w="12700" cap="flat" cmpd="sng" algn="ctr">
           <a:solidFill>
             <a:schemeClr val="lt1">
               <a:hueOff val="0"/>
@@ -2792,12 +2792,12 @@
         </a:fontRef>
       </dsp:style>
       <dsp:txBody>
-        <a:bodyPr spcFirstLastPara="0" vert="horz" wrap="square" lIns="9525" tIns="9525" rIns="9525" bIns="9525" numCol="1" spcCol="1270" anchor="ctr" anchorCtr="0">
+        <a:bodyPr spcFirstLastPara="0" vert="horz" wrap="square" lIns="12065" tIns="12065" rIns="12065" bIns="12065" numCol="1" spcCol="1270" anchor="ctr" anchorCtr="0">
           <a:noAutofit/>
         </a:bodyPr>
         <a:lstStyle/>
         <a:p>
-          <a:pPr lvl="0" algn="ctr" defTabSz="666750">
+          <a:pPr lvl="0" algn="ctr" defTabSz="844550">
             <a:lnSpc>
               <a:spcPct val="90000"/>
             </a:lnSpc>
@@ -2809,7 +2809,7 @@
             </a:spcAft>
           </a:pPr>
           <a:r>
-            <a:rPr lang="fr-FR" sz="1500" kern="1200"/>
+            <a:rPr lang="fr-FR" sz="1900" kern="1200"/>
             <a:t>img</a:t>
           </a:r>
         </a:p>
@@ -2847,7 +2847,7 @@
           </a:pathLst>
         </a:custGeom>
         <a:noFill/>
-        <a:ln w="28575" cap="flat" cmpd="sng" algn="ctr">
+        <a:ln w="12700" cap="flat" cmpd="sng" algn="ctr">
           <a:solidFill>
             <a:schemeClr val="accent1">
               <a:shade val="60000"/>
@@ -2921,7 +2921,7 @@
             <a:alphaOff val="0"/>
           </a:schemeClr>
         </a:solidFill>
-        <a:ln w="28575" cap="flat" cmpd="sng" algn="ctr">
+        <a:ln w="12700" cap="flat" cmpd="sng" algn="ctr">
           <a:solidFill>
             <a:schemeClr val="lt1">
               <a:hueOff val="0"/>
@@ -2949,12 +2949,12 @@
         </a:fontRef>
       </dsp:style>
       <dsp:txBody>
-        <a:bodyPr spcFirstLastPara="0" vert="horz" wrap="square" lIns="9525" tIns="9525" rIns="9525" bIns="9525" numCol="1" spcCol="1270" anchor="ctr" anchorCtr="0">
+        <a:bodyPr spcFirstLastPara="0" vert="horz" wrap="square" lIns="12065" tIns="12065" rIns="12065" bIns="12065" numCol="1" spcCol="1270" anchor="ctr" anchorCtr="0">
           <a:noAutofit/>
         </a:bodyPr>
         <a:lstStyle/>
         <a:p>
-          <a:pPr lvl="0" algn="ctr" defTabSz="666750">
+          <a:pPr lvl="0" algn="ctr" defTabSz="844550">
             <a:lnSpc>
               <a:spcPct val="90000"/>
             </a:lnSpc>
@@ -2966,7 +2966,7 @@
             </a:spcAft>
           </a:pPr>
           <a:r>
-            <a:rPr lang="fr-FR" sz="1500" kern="1200"/>
+            <a:rPr lang="fr-FR" sz="1900" kern="1200"/>
             <a:t>js</a:t>
           </a:r>
         </a:p>
@@ -3004,7 +3004,7 @@
           </a:pathLst>
         </a:custGeom>
         <a:noFill/>
-        <a:ln w="28575" cap="flat" cmpd="sng" algn="ctr">
+        <a:ln w="12700" cap="flat" cmpd="sng" algn="ctr">
           <a:solidFill>
             <a:schemeClr val="accent1">
               <a:shade val="60000"/>
@@ -3078,7 +3078,7 @@
             <a:alphaOff val="0"/>
           </a:schemeClr>
         </a:solidFill>
-        <a:ln w="28575" cap="flat" cmpd="sng" algn="ctr">
+        <a:ln w="12700" cap="flat" cmpd="sng" algn="ctr">
           <a:solidFill>
             <a:schemeClr val="lt1">
               <a:hueOff val="0"/>
@@ -3106,12 +3106,12 @@
         </a:fontRef>
       </dsp:style>
       <dsp:txBody>
-        <a:bodyPr spcFirstLastPara="0" vert="horz" wrap="square" lIns="9525" tIns="9525" rIns="9525" bIns="9525" numCol="1" spcCol="1270" anchor="ctr" anchorCtr="0">
+        <a:bodyPr spcFirstLastPara="0" vert="horz" wrap="square" lIns="12065" tIns="12065" rIns="12065" bIns="12065" numCol="1" spcCol="1270" anchor="ctr" anchorCtr="0">
           <a:noAutofit/>
         </a:bodyPr>
         <a:lstStyle/>
         <a:p>
-          <a:pPr lvl="0" algn="ctr" defTabSz="666750">
+          <a:pPr lvl="0" algn="ctr" defTabSz="844550">
             <a:lnSpc>
               <a:spcPct val="90000"/>
             </a:lnSpc>
@@ -3123,7 +3123,7 @@
             </a:spcAft>
           </a:pPr>
           <a:r>
-            <a:rPr lang="fr-FR" sz="1500" kern="1200" dirty="0"/>
+            <a:rPr lang="fr-FR" sz="1900" kern="1200" dirty="0"/>
             <a:t>script</a:t>
           </a:r>
         </a:p>
@@ -3161,7 +3161,7 @@
           </a:pathLst>
         </a:custGeom>
         <a:noFill/>
-        <a:ln w="28575" cap="flat" cmpd="sng" algn="ctr">
+        <a:ln w="12700" cap="flat" cmpd="sng" algn="ctr">
           <a:solidFill>
             <a:schemeClr val="accent1">
               <a:shade val="60000"/>
@@ -3235,7 +3235,7 @@
             <a:alphaOff val="0"/>
           </a:schemeClr>
         </a:solidFill>
-        <a:ln w="28575" cap="flat" cmpd="sng" algn="ctr">
+        <a:ln w="12700" cap="flat" cmpd="sng" algn="ctr">
           <a:solidFill>
             <a:schemeClr val="lt1">
               <a:hueOff val="0"/>
@@ -3263,12 +3263,12 @@
         </a:fontRef>
       </dsp:style>
       <dsp:txBody>
-        <a:bodyPr spcFirstLastPara="0" vert="horz" wrap="square" lIns="9525" tIns="9525" rIns="9525" bIns="9525" numCol="1" spcCol="1270" anchor="ctr" anchorCtr="0">
+        <a:bodyPr spcFirstLastPara="0" vert="horz" wrap="square" lIns="12065" tIns="12065" rIns="12065" bIns="12065" numCol="1" spcCol="1270" anchor="ctr" anchorCtr="0">
           <a:noAutofit/>
         </a:bodyPr>
         <a:lstStyle/>
         <a:p>
-          <a:pPr lvl="0" algn="ctr" defTabSz="666750">
+          <a:pPr lvl="0" algn="ctr" defTabSz="844550">
             <a:lnSpc>
               <a:spcPct val="90000"/>
             </a:lnSpc>
@@ -3280,10 +3280,10 @@
             </a:spcAft>
           </a:pPr>
           <a:r>
-            <a:rPr lang="fr-FR" sz="1500" kern="1200" dirty="0" err="1"/>
+            <a:rPr lang="fr-FR" sz="1900" kern="1200" dirty="0" err="1"/>
             <a:t>template</a:t>
           </a:r>
-          <a:endParaRPr lang="fr-FR" sz="1500" kern="1200" dirty="0"/>
+          <a:endParaRPr lang="fr-FR" sz="1900" kern="1200" dirty="0"/>
         </a:p>
       </dsp:txBody>
       <dsp:txXfrm>
@@ -3319,7 +3319,7 @@
           </a:pathLst>
         </a:custGeom>
         <a:noFill/>
-        <a:ln w="28575" cap="flat" cmpd="sng" algn="ctr">
+        <a:ln w="12700" cap="flat" cmpd="sng" algn="ctr">
           <a:solidFill>
             <a:schemeClr val="accent1">
               <a:shade val="80000"/>
@@ -3393,7 +3393,7 @@
             <a:alphaOff val="0"/>
           </a:schemeClr>
         </a:solidFill>
-        <a:ln w="28575" cap="flat" cmpd="sng" algn="ctr">
+        <a:ln w="12700" cap="flat" cmpd="sng" algn="ctr">
           <a:solidFill>
             <a:schemeClr val="lt1">
               <a:hueOff val="0"/>
@@ -3421,12 +3421,12 @@
         </a:fontRef>
       </dsp:style>
       <dsp:txBody>
-        <a:bodyPr spcFirstLastPara="0" vert="horz" wrap="square" lIns="9525" tIns="9525" rIns="9525" bIns="9525" numCol="1" spcCol="1270" anchor="ctr" anchorCtr="0">
+        <a:bodyPr spcFirstLastPara="0" vert="horz" wrap="square" lIns="12065" tIns="12065" rIns="12065" bIns="12065" numCol="1" spcCol="1270" anchor="ctr" anchorCtr="0">
           <a:noAutofit/>
         </a:bodyPr>
         <a:lstStyle/>
         <a:p>
-          <a:pPr lvl="0" algn="ctr" defTabSz="666750">
+          <a:pPr lvl="0" algn="ctr" defTabSz="844550">
             <a:lnSpc>
               <a:spcPct val="90000"/>
             </a:lnSpc>
@@ -3438,7 +3438,7 @@
             </a:spcAft>
           </a:pPr>
           <a:r>
-            <a:rPr lang="fr-FR" sz="1500" kern="1200" dirty="0"/>
+            <a:rPr lang="fr-FR" sz="1900" kern="1200" dirty="0"/>
             <a:t>admin</a:t>
           </a:r>
         </a:p>
@@ -3476,7 +3476,7 @@
           </a:pathLst>
         </a:custGeom>
         <a:noFill/>
-        <a:ln w="28575" cap="flat" cmpd="sng" algn="ctr">
+        <a:ln w="12700" cap="flat" cmpd="sng" algn="ctr">
           <a:solidFill>
             <a:schemeClr val="accent1">
               <a:shade val="80000"/>
@@ -3550,7 +3550,7 @@
             <a:alphaOff val="0"/>
           </a:schemeClr>
         </a:solidFill>
-        <a:ln w="28575" cap="flat" cmpd="sng" algn="ctr">
+        <a:ln w="12700" cap="flat" cmpd="sng" algn="ctr">
           <a:solidFill>
             <a:schemeClr val="lt1">
               <a:hueOff val="0"/>
@@ -3578,12 +3578,12 @@
         </a:fontRef>
       </dsp:style>
       <dsp:txBody>
-        <a:bodyPr spcFirstLastPara="0" vert="horz" wrap="square" lIns="9525" tIns="9525" rIns="9525" bIns="9525" numCol="1" spcCol="1270" anchor="ctr" anchorCtr="0">
+        <a:bodyPr spcFirstLastPara="0" vert="horz" wrap="square" lIns="12065" tIns="12065" rIns="12065" bIns="12065" numCol="1" spcCol="1270" anchor="ctr" anchorCtr="0">
           <a:noAutofit/>
         </a:bodyPr>
         <a:lstStyle/>
         <a:p>
-          <a:pPr lvl="0" algn="ctr" defTabSz="666750">
+          <a:pPr lvl="0" algn="ctr" defTabSz="844550">
             <a:lnSpc>
               <a:spcPct val="90000"/>
             </a:lnSpc>
@@ -3595,10 +3595,10 @@
             </a:spcAft>
           </a:pPr>
           <a:r>
-            <a:rPr lang="fr-FR" sz="1500" kern="1200" dirty="0" smtClean="0"/>
+            <a:rPr lang="fr-FR" sz="1900" kern="1200" dirty="0" smtClean="0"/>
             <a:t>login</a:t>
           </a:r>
-          <a:endParaRPr lang="fr-FR" sz="1500" kern="1200" dirty="0"/>
+          <a:endParaRPr lang="fr-FR" sz="1900" kern="1200" dirty="0"/>
         </a:p>
       </dsp:txBody>
       <dsp:txXfrm>
@@ -3634,7 +3634,7 @@
           </a:pathLst>
         </a:custGeom>
         <a:noFill/>
-        <a:ln w="28575" cap="flat" cmpd="sng" algn="ctr">
+        <a:ln w="12700" cap="flat" cmpd="sng" algn="ctr">
           <a:solidFill>
             <a:schemeClr val="accent1">
               <a:shade val="80000"/>
@@ -3708,7 +3708,7 @@
             <a:alphaOff val="0"/>
           </a:schemeClr>
         </a:solidFill>
-        <a:ln w="28575" cap="flat" cmpd="sng" algn="ctr">
+        <a:ln w="12700" cap="flat" cmpd="sng" algn="ctr">
           <a:solidFill>
             <a:schemeClr val="lt1">
               <a:hueOff val="0"/>
@@ -3736,12 +3736,12 @@
         </a:fontRef>
       </dsp:style>
       <dsp:txBody>
-        <a:bodyPr spcFirstLastPara="0" vert="horz" wrap="square" lIns="9525" tIns="9525" rIns="9525" bIns="9525" numCol="1" spcCol="1270" anchor="ctr" anchorCtr="0">
+        <a:bodyPr spcFirstLastPara="0" vert="horz" wrap="square" lIns="12065" tIns="12065" rIns="12065" bIns="12065" numCol="1" spcCol="1270" anchor="ctr" anchorCtr="0">
           <a:noAutofit/>
         </a:bodyPr>
         <a:lstStyle/>
         <a:p>
-          <a:pPr lvl="0" algn="ctr" defTabSz="666750">
+          <a:pPr lvl="0" algn="ctr" defTabSz="844550">
             <a:lnSpc>
               <a:spcPct val="90000"/>
             </a:lnSpc>
@@ -3753,10 +3753,10 @@
             </a:spcAft>
           </a:pPr>
           <a:r>
-            <a:rPr lang="fr-FR" sz="1500" kern="1200" dirty="0" smtClean="0"/>
+            <a:rPr lang="fr-FR" sz="1900" kern="1200" dirty="0" smtClean="0"/>
             <a:t>index</a:t>
           </a:r>
-          <a:endParaRPr lang="fr-FR" sz="1500" kern="1200" dirty="0"/>
+          <a:endParaRPr lang="fr-FR" sz="1900" kern="1200" dirty="0"/>
         </a:p>
       </dsp:txBody>
       <dsp:txXfrm>
@@ -3792,7 +3792,7 @@
           </a:pathLst>
         </a:custGeom>
         <a:noFill/>
-        <a:ln w="28575" cap="flat" cmpd="sng" algn="ctr">
+        <a:ln w="12700" cap="flat" cmpd="sng" algn="ctr">
           <a:solidFill>
             <a:schemeClr val="accent1">
               <a:shade val="80000"/>
@@ -3866,7 +3866,7 @@
             <a:alphaOff val="0"/>
           </a:schemeClr>
         </a:solidFill>
-        <a:ln w="28575" cap="flat" cmpd="sng" algn="ctr">
+        <a:ln w="12700" cap="flat" cmpd="sng" algn="ctr">
           <a:solidFill>
             <a:schemeClr val="lt1">
               <a:hueOff val="0"/>
@@ -3894,12 +3894,12 @@
         </a:fontRef>
       </dsp:style>
       <dsp:txBody>
-        <a:bodyPr spcFirstLastPara="0" vert="horz" wrap="square" lIns="9525" tIns="9525" rIns="9525" bIns="9525" numCol="1" spcCol="1270" anchor="ctr" anchorCtr="0">
+        <a:bodyPr spcFirstLastPara="0" vert="horz" wrap="square" lIns="12065" tIns="12065" rIns="12065" bIns="12065" numCol="1" spcCol="1270" anchor="ctr" anchorCtr="0">
           <a:noAutofit/>
         </a:bodyPr>
         <a:lstStyle/>
         <a:p>
-          <a:pPr lvl="0" algn="ctr" defTabSz="666750">
+          <a:pPr lvl="0" algn="ctr" defTabSz="844550">
             <a:lnSpc>
               <a:spcPct val="90000"/>
             </a:lnSpc>
@@ -3911,10 +3911,10 @@
             </a:spcAft>
           </a:pPr>
           <a:r>
-            <a:rPr lang="fr-FR" sz="1500" kern="1200" dirty="0" smtClean="0"/>
+            <a:rPr lang="fr-FR" sz="1900" kern="1200" dirty="0" smtClean="0"/>
             <a:t>heures</a:t>
           </a:r>
-          <a:endParaRPr lang="fr-FR" sz="1500" kern="1200" dirty="0"/>
+          <a:endParaRPr lang="fr-FR" sz="1900" kern="1200" dirty="0"/>
         </a:p>
       </dsp:txBody>
       <dsp:txXfrm>
@@ -3950,7 +3950,7 @@
           </a:pathLst>
         </a:custGeom>
         <a:noFill/>
-        <a:ln w="28575" cap="flat" cmpd="sng" algn="ctr">
+        <a:ln w="12700" cap="flat" cmpd="sng" algn="ctr">
           <a:solidFill>
             <a:schemeClr val="accent1">
               <a:shade val="80000"/>
@@ -4024,7 +4024,7 @@
             <a:alphaOff val="0"/>
           </a:schemeClr>
         </a:solidFill>
-        <a:ln w="28575" cap="flat" cmpd="sng" algn="ctr">
+        <a:ln w="12700" cap="flat" cmpd="sng" algn="ctr">
           <a:solidFill>
             <a:schemeClr val="lt1">
               <a:hueOff val="0"/>
@@ -4052,12 +4052,12 @@
         </a:fontRef>
       </dsp:style>
       <dsp:txBody>
-        <a:bodyPr spcFirstLastPara="0" vert="horz" wrap="square" lIns="9525" tIns="9525" rIns="9525" bIns="9525" numCol="1" spcCol="1270" anchor="ctr" anchorCtr="0">
+        <a:bodyPr spcFirstLastPara="0" vert="horz" wrap="square" lIns="12065" tIns="12065" rIns="12065" bIns="12065" numCol="1" spcCol="1270" anchor="ctr" anchorCtr="0">
           <a:noAutofit/>
         </a:bodyPr>
         <a:lstStyle/>
         <a:p>
-          <a:pPr lvl="0" algn="ctr" defTabSz="666750">
+          <a:pPr lvl="0" algn="ctr" defTabSz="844550">
             <a:lnSpc>
               <a:spcPct val="90000"/>
             </a:lnSpc>
@@ -4069,10 +4069,10 @@
             </a:spcAft>
           </a:pPr>
           <a:r>
-            <a:rPr lang="fr-FR" sz="1500" kern="1200" dirty="0" smtClean="0"/>
+            <a:rPr lang="fr-FR" sz="1900" kern="1200" dirty="0" smtClean="0"/>
             <a:t>modules</a:t>
           </a:r>
-          <a:endParaRPr lang="fr-FR" sz="1500" kern="1200" dirty="0"/>
+          <a:endParaRPr lang="fr-FR" sz="1900" kern="1200" dirty="0"/>
         </a:p>
       </dsp:txBody>
       <dsp:txXfrm>
@@ -4108,7 +4108,7 @@
           </a:pathLst>
         </a:custGeom>
         <a:noFill/>
-        <a:ln w="28575" cap="flat" cmpd="sng" algn="ctr">
+        <a:ln w="12700" cap="flat" cmpd="sng" algn="ctr">
           <a:solidFill>
             <a:schemeClr val="accent1">
               <a:shade val="80000"/>
@@ -4182,7 +4182,7 @@
             <a:alphaOff val="0"/>
           </a:schemeClr>
         </a:solidFill>
-        <a:ln w="28575" cap="flat" cmpd="sng" algn="ctr">
+        <a:ln w="12700" cap="flat" cmpd="sng" algn="ctr">
           <a:solidFill>
             <a:schemeClr val="lt1">
               <a:hueOff val="0"/>
@@ -4210,12 +4210,12 @@
         </a:fontRef>
       </dsp:style>
       <dsp:txBody>
-        <a:bodyPr spcFirstLastPara="0" vert="horz" wrap="square" lIns="9525" tIns="9525" rIns="9525" bIns="9525" numCol="1" spcCol="1270" anchor="ctr" anchorCtr="0">
+        <a:bodyPr spcFirstLastPara="0" vert="horz" wrap="square" lIns="12065" tIns="12065" rIns="12065" bIns="12065" numCol="1" spcCol="1270" anchor="ctr" anchorCtr="0">
           <a:noAutofit/>
         </a:bodyPr>
         <a:lstStyle/>
         <a:p>
-          <a:pPr lvl="0" algn="ctr" defTabSz="666750">
+          <a:pPr lvl="0" algn="ctr" defTabSz="844550">
             <a:lnSpc>
               <a:spcPct val="90000"/>
             </a:lnSpc>
@@ -4227,10 +4227,10 @@
             </a:spcAft>
           </a:pPr>
           <a:r>
-            <a:rPr lang="fr-FR" sz="1500" kern="1200" dirty="0" smtClean="0"/>
+            <a:rPr lang="fr-FR" sz="1900" kern="1200" dirty="0" smtClean="0"/>
             <a:t>…</a:t>
           </a:r>
-          <a:endParaRPr lang="fr-FR" sz="1500" kern="1200" dirty="0"/>
+          <a:endParaRPr lang="fr-FR" sz="1900" kern="1200" dirty="0"/>
         </a:p>
       </dsp:txBody>
       <dsp:txXfrm>
@@ -4266,7 +4266,7 @@
           </a:pathLst>
         </a:custGeom>
         <a:noFill/>
-        <a:ln w="28575" cap="flat" cmpd="sng" algn="ctr">
+        <a:ln w="12700" cap="flat" cmpd="sng" algn="ctr">
           <a:solidFill>
             <a:schemeClr val="accent1">
               <a:shade val="60000"/>
@@ -4340,7 +4340,7 @@
             <a:alphaOff val="0"/>
           </a:schemeClr>
         </a:solidFill>
-        <a:ln w="28575" cap="flat" cmpd="sng" algn="ctr">
+        <a:ln w="12700" cap="flat" cmpd="sng" algn="ctr">
           <a:solidFill>
             <a:schemeClr val="lt1">
               <a:hueOff val="0"/>
@@ -4368,12 +4368,12 @@
         </a:fontRef>
       </dsp:style>
       <dsp:txBody>
-        <a:bodyPr spcFirstLastPara="0" vert="horz" wrap="square" lIns="9525" tIns="9525" rIns="9525" bIns="9525" numCol="1" spcCol="1270" anchor="ctr" anchorCtr="0">
+        <a:bodyPr spcFirstLastPara="0" vert="horz" wrap="square" lIns="12065" tIns="12065" rIns="12065" bIns="12065" numCol="1" spcCol="1270" anchor="ctr" anchorCtr="0">
           <a:noAutofit/>
         </a:bodyPr>
         <a:lstStyle/>
         <a:p>
-          <a:pPr lvl="0" algn="ctr" defTabSz="666750">
+          <a:pPr lvl="0" algn="ctr" defTabSz="844550">
             <a:lnSpc>
               <a:spcPct val="90000"/>
             </a:lnSpc>
@@ -4385,10 +4385,10 @@
             </a:spcAft>
           </a:pPr>
           <a:r>
-            <a:rPr lang="fr-FR" sz="1500" kern="1200" dirty="0" smtClean="0"/>
+            <a:rPr lang="fr-FR" sz="1900" kern="1200" dirty="0" smtClean="0"/>
             <a:t>API</a:t>
           </a:r>
-          <a:endParaRPr lang="fr-FR" sz="1500" kern="1200" dirty="0"/>
+          <a:endParaRPr lang="fr-FR" sz="1900" kern="1200" dirty="0"/>
         </a:p>
       </dsp:txBody>
       <dsp:txXfrm>
@@ -4424,7 +4424,7 @@
           </a:pathLst>
         </a:custGeom>
         <a:noFill/>
-        <a:ln w="28575" cap="flat" cmpd="sng" algn="ctr">
+        <a:ln w="12700" cap="flat" cmpd="sng" algn="ctr">
           <a:solidFill>
             <a:schemeClr val="accent1">
               <a:shade val="60000"/>
@@ -4456,7 +4456,7 @@
         </a:bodyPr>
         <a:lstStyle/>
         <a:p>
-          <a:pPr lvl="0" algn="ctr" defTabSz="266700">
+          <a:pPr lvl="0" algn="ctr" defTabSz="311150">
             <a:lnSpc>
               <a:spcPct val="90000"/>
             </a:lnSpc>
@@ -4467,7 +4467,7 @@
               <a:spcPct val="35000"/>
             </a:spcAft>
           </a:pPr>
-          <a:endParaRPr lang="fr-FR" sz="600" kern="1200"/>
+          <a:endParaRPr lang="fr-FR" sz="700" kern="1200"/>
         </a:p>
       </dsp:txBody>
       <dsp:txXfrm>
@@ -4498,7 +4498,7 @@
             <a:alphaOff val="0"/>
           </a:schemeClr>
         </a:solidFill>
-        <a:ln w="28575" cap="flat" cmpd="sng" algn="ctr">
+        <a:ln w="12700" cap="flat" cmpd="sng" algn="ctr">
           <a:solidFill>
             <a:schemeClr val="lt1">
               <a:hueOff val="0"/>
@@ -4526,12 +4526,12 @@
         </a:fontRef>
       </dsp:style>
       <dsp:txBody>
-        <a:bodyPr spcFirstLastPara="0" vert="horz" wrap="square" lIns="9525" tIns="9525" rIns="9525" bIns="9525" numCol="1" spcCol="1270" anchor="ctr" anchorCtr="0">
+        <a:bodyPr spcFirstLastPara="0" vert="horz" wrap="square" lIns="12065" tIns="12065" rIns="12065" bIns="12065" numCol="1" spcCol="1270" anchor="ctr" anchorCtr="0">
           <a:noAutofit/>
         </a:bodyPr>
         <a:lstStyle/>
         <a:p>
-          <a:pPr lvl="0" algn="ctr" defTabSz="666750">
+          <a:pPr lvl="0" algn="ctr" defTabSz="844550">
             <a:lnSpc>
               <a:spcPct val="90000"/>
             </a:lnSpc>
@@ -4543,10 +4543,10 @@
             </a:spcAft>
           </a:pPr>
           <a:r>
-            <a:rPr lang="fr-FR" sz="1500" kern="1200" dirty="0" err="1"/>
+            <a:rPr lang="fr-FR" sz="1900" kern="1200" dirty="0" err="1"/>
             <a:t>index.php</a:t>
           </a:r>
-          <a:endParaRPr lang="fr-FR" sz="1500" kern="1200" dirty="0"/>
+          <a:endParaRPr lang="fr-FR" sz="1900" kern="1200" dirty="0"/>
         </a:p>
       </dsp:txBody>
       <dsp:txXfrm>
@@ -5994,7 +5994,7 @@
           <a:p>
             <a:fld id="{6D22F626-CA3F-4489-8656-094F9D88488D}" type="datetimeFigureOut">
               <a:rPr lang="fr-FR" smtClean="0"/>
-              <a:t>10/11/2014</a:t>
+              <a:t>17/11/2014</a:t>
             </a:fld>
             <a:endParaRPr lang="fr-FR"/>
           </a:p>
@@ -6431,8 +6431,13 @@
 </file>
 
 <file path=ppt/slideLayouts/slideLayout1.xml><?xml version="1.0" encoding="utf-8"?>
-<p:sldLayout xmlns:a="http://schemas.openxmlformats.org/drawingml/2006/main" xmlns:r="http://schemas.openxmlformats.org/officeDocument/2006/relationships" xmlns:p="http://schemas.openxmlformats.org/presentationml/2006/main" type="title" preserve="1">
+<p:sldLayout xmlns:a="http://schemas.openxmlformats.org/drawingml/2006/main" xmlns:r="http://schemas.openxmlformats.org/officeDocument/2006/relationships" xmlns:p="http://schemas.openxmlformats.org/presentationml/2006/main" showMasterSp="0" type="title" preserve="1">
   <p:cSld name="Diapositive de titre">
+    <p:bg>
+      <p:bgRef idx="1003">
+        <a:schemeClr val="bg1"/>
+      </p:bgRef>
+    </p:bg>
     <p:spTree>
       <p:nvGrpSpPr>
         <p:cNvPr id="1" name=""/>
@@ -6449,44 +6454,101 @@
       </p:grpSpPr>
       <p:sp>
         <p:nvSpPr>
-          <p:cNvPr id="2" name="Title 1"/>
-          <p:cNvSpPr>
-            <a:spLocks noGrp="1"/>
-          </p:cNvSpPr>
-          <p:nvPr>
-            <p:ph type="ctrTitle"/>
-          </p:nvPr>
+          <p:cNvPr id="12" name="Rectangle 11"/>
+          <p:cNvSpPr/>
+          <p:nvPr/>
         </p:nvSpPr>
         <p:spPr>
           <a:xfrm>
-            <a:off x="685800" y="609601"/>
-            <a:ext cx="7772400" cy="4267200"/>
+            <a:off x="0" y="0"/>
+            <a:ext cx="9144000" cy="6858000"/>
           </a:xfrm>
+          <a:prstGeom prst="rect">
+            <a:avLst/>
+          </a:prstGeom>
+          <a:solidFill>
+            <a:srgbClr val="FFFFFF"/>
+          </a:solidFill>
+          <a:ln w="12700" cap="flat" cmpd="sng" algn="ctr">
+            <a:noFill/>
+            <a:prstDash val="solid"/>
+          </a:ln>
         </p:spPr>
+        <p:style>
+          <a:lnRef idx="2">
+            <a:schemeClr val="accent1"/>
+          </a:lnRef>
+          <a:fillRef idx="1">
+            <a:schemeClr val="accent1"/>
+          </a:fillRef>
+          <a:effectRef idx="0">
+            <a:schemeClr val="accent1"/>
+          </a:effectRef>
+          <a:fontRef idx="minor">
+            <a:schemeClr val="lt1"/>
+          </a:fontRef>
+        </p:style>
         <p:txBody>
-          <a:bodyPr anchor="b">
-            <a:noAutofit/>
-          </a:bodyPr>
-          <a:lstStyle>
-            <a:lvl1pPr>
-              <a:lnSpc>
-                <a:spcPct val="100000"/>
-              </a:lnSpc>
-              <a:defRPr sz="8000"/>
-            </a:lvl1pPr>
-          </a:lstStyle>
-          <a:p>
-            <a:r>
-              <a:rPr lang="fr-FR" smtClean="0"/>
-              <a:t>Modifiez le style du titre</a:t>
-            </a:r>
-            <a:endParaRPr lang="en-US" dirty="0"/>
+          <a:bodyPr rtlCol="0" anchor="ctr"/>
+          <a:lstStyle/>
+          <a:p>
+            <a:pPr algn="ctr" eaLnBrk="1" latinLnBrk="0" hangingPunct="1"/>
+            <a:endParaRPr kumimoji="0" lang="en-US"/>
+          </a:p>
+        </p:txBody>
+      </p:sp>
+      <p:sp useBgFill="1">
+        <p:nvSpPr>
+          <p:cNvPr id="13" name="Rectangle à coins arrondis 12"/>
+          <p:cNvSpPr/>
+          <p:nvPr/>
+        </p:nvSpPr>
+        <p:spPr>
+          <a:xfrm>
+            <a:off x="65313" y="69755"/>
+            <a:ext cx="9013372" cy="6692201"/>
+          </a:xfrm>
+          <a:prstGeom prst="roundRect">
+            <a:avLst>
+              <a:gd name="adj" fmla="val 4929"/>
+            </a:avLst>
+          </a:prstGeom>
+          <a:ln w="6350" cap="sq" cmpd="sng" algn="ctr">
+            <a:solidFill>
+              <a:schemeClr val="tx1">
+                <a:alpha val="100000"/>
+              </a:schemeClr>
+            </a:solidFill>
+            <a:prstDash val="solid"/>
+          </a:ln>
+          <a:effectLst/>
+        </p:spPr>
+        <p:style>
+          <a:lnRef idx="3">
+            <a:schemeClr val="lt1"/>
+          </a:lnRef>
+          <a:fillRef idx="1001">
+            <a:schemeClr val="lt1"/>
+          </a:fillRef>
+          <a:effectRef idx="1">
+            <a:schemeClr val="accent1"/>
+          </a:effectRef>
+          <a:fontRef idx="minor">
+            <a:schemeClr val="lt1"/>
+          </a:fontRef>
+        </p:style>
+        <p:txBody>
+          <a:bodyPr anchor="ctr"/>
+          <a:lstStyle/>
+          <a:p>
+            <a:pPr algn="ctr" eaLnBrk="1" latinLnBrk="0" hangingPunct="1"/>
+            <a:endParaRPr kumimoji="0" lang="en-US"/>
           </a:p>
         </p:txBody>
       </p:sp>
       <p:sp>
         <p:nvSpPr>
-          <p:cNvPr id="3" name="Subtitle 2"/>
+          <p:cNvPr id="9" name="Sous-titre 8"/>
           <p:cNvSpPr>
             <a:spLocks noGrp="1"/>
           </p:cNvSpPr>
@@ -6496,118 +6558,58 @@
         </p:nvSpPr>
         <p:spPr>
           <a:xfrm>
-            <a:off x="1371600" y="4953000"/>
-            <a:ext cx="6400800" cy="1219200"/>
+            <a:off x="1295400" y="3200400"/>
+            <a:ext cx="6400800" cy="1600200"/>
           </a:xfrm>
         </p:spPr>
         <p:txBody>
-          <a:bodyPr>
-            <a:normAutofit/>
-          </a:bodyPr>
+          <a:bodyPr/>
           <a:lstStyle>
             <a:lvl1pPr marL="0" indent="0" algn="ctr">
               <a:buNone/>
-              <a:defRPr sz="2400">
+              <a:defRPr sz="2600">
                 <a:solidFill>
-                  <a:schemeClr val="tx1">
-                    <a:tint val="75000"/>
-                  </a:schemeClr>
+                  <a:schemeClr val="tx2"/>
                 </a:solidFill>
               </a:defRPr>
             </a:lvl1pPr>
             <a:lvl2pPr marL="457200" indent="0" algn="ctr">
               <a:buNone/>
-              <a:defRPr>
-                <a:solidFill>
-                  <a:schemeClr val="tx1">
-                    <a:tint val="75000"/>
-                  </a:schemeClr>
-                </a:solidFill>
-              </a:defRPr>
             </a:lvl2pPr>
             <a:lvl3pPr marL="914400" indent="0" algn="ctr">
               <a:buNone/>
-              <a:defRPr>
-                <a:solidFill>
-                  <a:schemeClr val="tx1">
-                    <a:tint val="75000"/>
-                  </a:schemeClr>
-                </a:solidFill>
-              </a:defRPr>
             </a:lvl3pPr>
             <a:lvl4pPr marL="1371600" indent="0" algn="ctr">
               <a:buNone/>
-              <a:defRPr>
-                <a:solidFill>
-                  <a:schemeClr val="tx1">
-                    <a:tint val="75000"/>
-                  </a:schemeClr>
-                </a:solidFill>
-              </a:defRPr>
             </a:lvl4pPr>
             <a:lvl5pPr marL="1828800" indent="0" algn="ctr">
               <a:buNone/>
-              <a:defRPr>
-                <a:solidFill>
-                  <a:schemeClr val="tx1">
-                    <a:tint val="75000"/>
-                  </a:schemeClr>
-                </a:solidFill>
-              </a:defRPr>
             </a:lvl5pPr>
             <a:lvl6pPr marL="2286000" indent="0" algn="ctr">
               <a:buNone/>
-              <a:defRPr>
-                <a:solidFill>
-                  <a:schemeClr val="tx1">
-                    <a:tint val="75000"/>
-                  </a:schemeClr>
-                </a:solidFill>
-              </a:defRPr>
             </a:lvl6pPr>
             <a:lvl7pPr marL="2743200" indent="0" algn="ctr">
               <a:buNone/>
-              <a:defRPr>
-                <a:solidFill>
-                  <a:schemeClr val="tx1">
-                    <a:tint val="75000"/>
-                  </a:schemeClr>
-                </a:solidFill>
-              </a:defRPr>
             </a:lvl7pPr>
             <a:lvl8pPr marL="3200400" indent="0" algn="ctr">
               <a:buNone/>
-              <a:defRPr>
-                <a:solidFill>
-                  <a:schemeClr val="tx1">
-                    <a:tint val="75000"/>
-                  </a:schemeClr>
-                </a:solidFill>
-              </a:defRPr>
             </a:lvl8pPr>
             <a:lvl9pPr marL="3657600" indent="0" algn="ctr">
               <a:buNone/>
-              <a:defRPr>
-                <a:solidFill>
-                  <a:schemeClr val="tx1">
-                    <a:tint val="75000"/>
-                  </a:schemeClr>
-                </a:solidFill>
-              </a:defRPr>
             </a:lvl9pPr>
           </a:lstStyle>
           <a:p>
             <a:r>
-              <a:rPr lang="fr-FR" smtClean="0"/>
+              <a:rPr kumimoji="0" lang="fr-FR" smtClean="0"/>
               <a:t>Modifiez le style des sous-titres du masque</a:t>
             </a:r>
-            <a:endParaRPr lang="en-US" dirty="0"/>
+            <a:endParaRPr kumimoji="0" lang="en-US"/>
           </a:p>
         </p:txBody>
       </p:sp>
       <p:sp>
         <p:nvSpPr>
-          <p:cNvPr id="7" name="Date Placeholder 6"/>
+          <p:cNvPr id="28" name="Espace réservé de la date 27"/>
           <p:cNvSpPr>
             <a:spLocks noGrp="1"/>
           </p:cNvSpPr>
@@ -6620,9 +6622,9 @@
           <a:bodyPr/>
           <a:lstStyle/>
           <a:p>
-            <a:fld id="{196F6FD3-6D6E-4417-8304-A0340BDB7606}" type="datetime1">
+            <a:fld id="{F6ED821C-3065-4F4D-B16E-1BFEE8A77605}" type="datetime1">
               <a:rPr lang="fr-FR" smtClean="0"/>
-              <a:t>10/11/2014</a:t>
+              <a:t>17/11/2014</a:t>
             </a:fld>
             <a:endParaRPr lang="fr-FR"/>
           </a:p>
@@ -6630,12 +6632,12 @@
       </p:sp>
       <p:sp>
         <p:nvSpPr>
-          <p:cNvPr id="8" name="Slide Number Placeholder 7"/>
+          <p:cNvPr id="17" name="Espace réservé du pied de page 16"/>
           <p:cNvSpPr>
             <a:spLocks noGrp="1"/>
           </p:cNvSpPr>
           <p:nvPr>
-            <p:ph type="sldNum" sz="quarter" idx="11"/>
+            <p:ph type="ftr" sz="quarter" idx="11"/>
           </p:nvPr>
         </p:nvSpPr>
         <p:spPr/>
@@ -6643,6 +6645,35 @@
           <a:bodyPr/>
           <a:lstStyle/>
           <a:p>
+            <a:endParaRPr lang="fr-FR"/>
+          </a:p>
+        </p:txBody>
+      </p:sp>
+      <p:sp>
+        <p:nvSpPr>
+          <p:cNvPr id="29" name="Espace réservé du numéro de diapositive 28"/>
+          <p:cNvSpPr>
+            <a:spLocks noGrp="1"/>
+          </p:cNvSpPr>
+          <p:nvPr>
+            <p:ph type="sldNum" sz="quarter" idx="12"/>
+          </p:nvPr>
+        </p:nvSpPr>
+        <p:spPr/>
+        <p:txBody>
+          <a:bodyPr lIns="0" tIns="0" rIns="0" bIns="0">
+            <a:noAutofit/>
+          </a:bodyPr>
+          <a:lstStyle>
+            <a:lvl1pPr>
+              <a:defRPr sz="1400">
+                <a:solidFill>
+                  <a:srgbClr val="FFFFFF"/>
+                </a:solidFill>
+              </a:defRPr>
+            </a:lvl1pPr>
+          </a:lstStyle>
+          <a:p>
             <a:fld id="{C7CDC3F6-687D-4FBA-B21C-72B0B0E094F4}" type="slidenum">
               <a:rPr lang="fr-FR" smtClean="0"/>
               <a:pPr/>
@@ -6654,27 +6685,186 @@
       </p:sp>
       <p:sp>
         <p:nvSpPr>
-          <p:cNvPr id="9" name="Footer Placeholder 8"/>
+          <p:cNvPr id="7" name="Rectangle 6"/>
+          <p:cNvSpPr/>
+          <p:nvPr/>
+        </p:nvSpPr>
+        <p:spPr>
+          <a:xfrm>
+            <a:off x="62931" y="1449303"/>
+            <a:ext cx="9021537" cy="1527349"/>
+          </a:xfrm>
+          <a:prstGeom prst="rect">
+            <a:avLst/>
+          </a:prstGeom>
+          <a:solidFill>
+            <a:schemeClr val="accent1">
+              <a:alpha val="100000"/>
+            </a:schemeClr>
+          </a:solidFill>
+          <a:ln w="19050" cap="sq" cmpd="sng" algn="ctr">
+            <a:noFill/>
+            <a:prstDash val="solid"/>
+          </a:ln>
+          <a:effectLst/>
+        </p:spPr>
+        <p:style>
+          <a:lnRef idx="3">
+            <a:schemeClr val="lt1"/>
+          </a:lnRef>
+          <a:fillRef idx="1">
+            <a:schemeClr val="accent1"/>
+          </a:fillRef>
+          <a:effectRef idx="1">
+            <a:schemeClr val="accent1"/>
+          </a:effectRef>
+          <a:fontRef idx="minor">
+            <a:schemeClr val="lt1"/>
+          </a:fontRef>
+        </p:style>
+        <p:txBody>
+          <a:bodyPr anchor="ctr"/>
+          <a:lstStyle/>
+          <a:p>
+            <a:pPr algn="ctr" eaLnBrk="1" latinLnBrk="0" hangingPunct="1"/>
+            <a:endParaRPr kumimoji="0" lang="en-US"/>
+          </a:p>
+        </p:txBody>
+      </p:sp>
+      <p:sp>
+        <p:nvSpPr>
+          <p:cNvPr id="10" name="Rectangle 9"/>
+          <p:cNvSpPr/>
+          <p:nvPr/>
+        </p:nvSpPr>
+        <p:spPr>
+          <a:xfrm>
+            <a:off x="62931" y="1396720"/>
+            <a:ext cx="9021537" cy="120580"/>
+          </a:xfrm>
+          <a:prstGeom prst="rect">
+            <a:avLst/>
+          </a:prstGeom>
+          <a:solidFill>
+            <a:schemeClr val="accent1">
+              <a:tint val="60000"/>
+            </a:schemeClr>
+          </a:solidFill>
+          <a:ln w="19050" cap="sq" cmpd="sng" algn="ctr">
+            <a:noFill/>
+            <a:prstDash val="solid"/>
+          </a:ln>
+          <a:effectLst/>
+        </p:spPr>
+        <p:style>
+          <a:lnRef idx="3">
+            <a:schemeClr val="lt1"/>
+          </a:lnRef>
+          <a:fillRef idx="1">
+            <a:schemeClr val="accent1"/>
+          </a:fillRef>
+          <a:effectRef idx="1">
+            <a:schemeClr val="accent1"/>
+          </a:effectRef>
+          <a:fontRef idx="minor">
+            <a:schemeClr val="lt1"/>
+          </a:fontRef>
+        </p:style>
+        <p:txBody>
+          <a:bodyPr anchor="ctr"/>
+          <a:lstStyle/>
+          <a:p>
+            <a:pPr algn="ctr" eaLnBrk="1" latinLnBrk="0" hangingPunct="1"/>
+            <a:endParaRPr kumimoji="0" lang="en-US"/>
+          </a:p>
+        </p:txBody>
+      </p:sp>
+      <p:sp>
+        <p:nvSpPr>
+          <p:cNvPr id="11" name="Rectangle 10"/>
+          <p:cNvSpPr/>
+          <p:nvPr/>
+        </p:nvSpPr>
+        <p:spPr>
+          <a:xfrm>
+            <a:off x="62931" y="2976649"/>
+            <a:ext cx="9021537" cy="110532"/>
+          </a:xfrm>
+          <a:prstGeom prst="rect">
+            <a:avLst/>
+          </a:prstGeom>
+          <a:solidFill>
+            <a:schemeClr val="accent5"/>
+          </a:solidFill>
+          <a:ln w="19050" cap="sq" cmpd="sng" algn="ctr">
+            <a:noFill/>
+            <a:prstDash val="solid"/>
+          </a:ln>
+          <a:effectLst/>
+        </p:spPr>
+        <p:style>
+          <a:lnRef idx="3">
+            <a:schemeClr val="lt1"/>
+          </a:lnRef>
+          <a:fillRef idx="1">
+            <a:schemeClr val="accent1"/>
+          </a:fillRef>
+          <a:effectRef idx="1">
+            <a:schemeClr val="accent1"/>
+          </a:effectRef>
+          <a:fontRef idx="minor">
+            <a:schemeClr val="lt1"/>
+          </a:fontRef>
+        </p:style>
+        <p:txBody>
+          <a:bodyPr anchor="ctr"/>
+          <a:lstStyle/>
+          <a:p>
+            <a:pPr algn="ctr" eaLnBrk="1" latinLnBrk="0" hangingPunct="1"/>
+            <a:endParaRPr kumimoji="0" lang="en-US"/>
+          </a:p>
+        </p:txBody>
+      </p:sp>
+      <p:sp>
+        <p:nvSpPr>
+          <p:cNvPr id="8" name="Titre 7"/>
           <p:cNvSpPr>
             <a:spLocks noGrp="1"/>
           </p:cNvSpPr>
           <p:nvPr>
-            <p:ph type="ftr" sz="quarter" idx="12"/>
+            <p:ph type="ctrTitle"/>
           </p:nvPr>
         </p:nvSpPr>
-        <p:spPr/>
+        <p:spPr>
+          <a:xfrm>
+            <a:off x="457200" y="1505930"/>
+            <a:ext cx="8229600" cy="1470025"/>
+          </a:xfrm>
+        </p:spPr>
         <p:txBody>
-          <a:bodyPr/>
-          <a:lstStyle/>
-          <a:p>
-            <a:endParaRPr lang="fr-FR"/>
+          <a:bodyPr anchor="ctr"/>
+          <a:lstStyle>
+            <a:lvl1pPr algn="ctr">
+              <a:defRPr lang="en-US" dirty="0">
+                <a:solidFill>
+                  <a:srgbClr val="FFFFFF"/>
+                </a:solidFill>
+              </a:defRPr>
+            </a:lvl1pPr>
+          </a:lstStyle>
+          <a:p>
+            <a:r>
+              <a:rPr kumimoji="0" lang="fr-FR" smtClean="0"/>
+              <a:t>Modifiez le style du titre</a:t>
+            </a:r>
+            <a:endParaRPr kumimoji="0" lang="en-US"/>
           </a:p>
         </p:txBody>
       </p:sp>
     </p:spTree>
   </p:cSld>
   <p:clrMapOvr>
-    <a:masterClrMapping/>
+    <a:overrideClrMapping bg1="lt1" tx1="dk1" bg2="lt2" tx2="dk2" accent1="accent1" accent2="accent2" accent3="accent3" accent4="accent4" accent5="accent5" accent6="accent6" hlink="hlink" folHlink="folHlink"/>
   </p:clrMapOvr>
 </p:sldLayout>
 </file>
@@ -6698,7 +6888,7 @@
       </p:grpSpPr>
       <p:sp>
         <p:nvSpPr>
-          <p:cNvPr id="2" name="Title 1"/>
+          <p:cNvPr id="2" name="Titre 1"/>
           <p:cNvSpPr>
             <a:spLocks noGrp="1"/>
           </p:cNvSpPr>
@@ -6712,16 +6902,16 @@
           <a:lstStyle/>
           <a:p>
             <a:r>
-              <a:rPr lang="fr-FR" smtClean="0"/>
+              <a:rPr kumimoji="0" lang="fr-FR" smtClean="0"/>
               <a:t>Modifiez le style du titre</a:t>
             </a:r>
-            <a:endParaRPr lang="en-US" dirty="0"/>
+            <a:endParaRPr kumimoji="0" lang="en-US"/>
           </a:p>
         </p:txBody>
       </p:sp>
       <p:sp>
         <p:nvSpPr>
-          <p:cNvPr id="3" name="Vertical Text Placeholder 2"/>
+          <p:cNvPr id="3" name="Espace réservé du texte vertical 2"/>
           <p:cNvSpPr>
             <a:spLocks noGrp="1"/>
           </p:cNvSpPr>
@@ -6734,46 +6924,46 @@
           <a:bodyPr vert="eaVert"/>
           <a:lstStyle/>
           <a:p>
-            <a:pPr lvl="0"/>
+            <a:pPr lvl="0" eaLnBrk="1" latinLnBrk="0" hangingPunct="1"/>
             <a:r>
               <a:rPr lang="fr-FR" smtClean="0"/>
               <a:t>Modifiez les styles du texte du masque</a:t>
             </a:r>
           </a:p>
           <a:p>
-            <a:pPr lvl="1"/>
+            <a:pPr lvl="1" eaLnBrk="1" latinLnBrk="0" hangingPunct="1"/>
             <a:r>
               <a:rPr lang="fr-FR" smtClean="0"/>
               <a:t>Deuxième niveau</a:t>
             </a:r>
           </a:p>
           <a:p>
-            <a:pPr lvl="2"/>
+            <a:pPr lvl="2" eaLnBrk="1" latinLnBrk="0" hangingPunct="1"/>
             <a:r>
               <a:rPr lang="fr-FR" smtClean="0"/>
               <a:t>Troisième niveau</a:t>
             </a:r>
           </a:p>
           <a:p>
-            <a:pPr lvl="3"/>
+            <a:pPr lvl="3" eaLnBrk="1" latinLnBrk="0" hangingPunct="1"/>
             <a:r>
               <a:rPr lang="fr-FR" smtClean="0"/>
               <a:t>Quatrième niveau</a:t>
             </a:r>
           </a:p>
           <a:p>
-            <a:pPr lvl="4"/>
+            <a:pPr lvl="4" eaLnBrk="1" latinLnBrk="0" hangingPunct="1"/>
             <a:r>
               <a:rPr lang="fr-FR" smtClean="0"/>
               <a:t>Cinquième niveau</a:t>
             </a:r>
-            <a:endParaRPr lang="en-US"/>
+            <a:endParaRPr kumimoji="0" lang="en-US"/>
           </a:p>
         </p:txBody>
       </p:sp>
       <p:sp>
         <p:nvSpPr>
-          <p:cNvPr id="4" name="Date Placeholder 3"/>
+          <p:cNvPr id="4" name="Espace réservé de la date 3"/>
           <p:cNvSpPr>
             <a:spLocks noGrp="1"/>
           </p:cNvSpPr>
@@ -6786,9 +6976,9 @@
           <a:bodyPr/>
           <a:lstStyle/>
           <a:p>
-            <a:fld id="{4F21448C-6257-4E83-BCC2-365BD3E270D0}" type="datetime1">
+            <a:fld id="{22A5C57C-3584-43B6-A3E2-08F245098A9D}" type="datetime1">
               <a:rPr lang="fr-FR" smtClean="0"/>
-              <a:t>10/11/2014</a:t>
+              <a:t>17/11/2014</a:t>
             </a:fld>
             <a:endParaRPr lang="fr-FR"/>
           </a:p>
@@ -6796,7 +6986,7 @@
       </p:sp>
       <p:sp>
         <p:nvSpPr>
-          <p:cNvPr id="5" name="Footer Placeholder 4"/>
+          <p:cNvPr id="5" name="Espace réservé du pied de page 4"/>
           <p:cNvSpPr>
             <a:spLocks noGrp="1"/>
           </p:cNvSpPr>
@@ -6815,7 +7005,7 @@
       </p:sp>
       <p:sp>
         <p:nvSpPr>
-          <p:cNvPr id="6" name="Slide Number Placeholder 5"/>
+          <p:cNvPr id="6" name="Espace réservé du numéro de diapositive 5"/>
           <p:cNvSpPr>
             <a:spLocks noGrp="1"/>
           </p:cNvSpPr>
@@ -6864,7 +7054,7 @@
       </p:grpSpPr>
       <p:sp>
         <p:nvSpPr>
-          <p:cNvPr id="2" name="Vertical Title 1"/>
+          <p:cNvPr id="2" name="Titre vertical 1"/>
           <p:cNvSpPr>
             <a:spLocks noGrp="1"/>
           </p:cNvSpPr>
@@ -6874,8 +7064,8 @@
         </p:nvSpPr>
         <p:spPr>
           <a:xfrm>
-            <a:off x="6629400" y="274638"/>
-            <a:ext cx="2057400" cy="5851525"/>
+            <a:off x="6629400" y="274641"/>
+            <a:ext cx="2011680" cy="5851525"/>
           </a:xfrm>
         </p:spPr>
         <p:txBody>
@@ -6883,16 +7073,16 @@
           <a:lstStyle/>
           <a:p>
             <a:r>
-              <a:rPr lang="fr-FR" smtClean="0"/>
+              <a:rPr kumimoji="0" lang="fr-FR" smtClean="0"/>
               <a:t>Modifiez le style du titre</a:t>
             </a:r>
-            <a:endParaRPr lang="en-US" dirty="0"/>
+            <a:endParaRPr kumimoji="0" lang="en-US"/>
           </a:p>
         </p:txBody>
       </p:sp>
       <p:sp>
         <p:nvSpPr>
-          <p:cNvPr id="3" name="Vertical Text Placeholder 2"/>
+          <p:cNvPr id="3" name="Espace réservé du texte vertical 2"/>
           <p:cNvSpPr>
             <a:spLocks noGrp="1"/>
           </p:cNvSpPr>
@@ -6902,54 +7092,54 @@
         </p:nvSpPr>
         <p:spPr>
           <a:xfrm>
-            <a:off x="457200" y="274638"/>
-            <a:ext cx="6019800" cy="5851525"/>
+            <a:off x="914400" y="274640"/>
+            <a:ext cx="5562600" cy="5851525"/>
           </a:xfrm>
         </p:spPr>
         <p:txBody>
           <a:bodyPr vert="eaVert"/>
           <a:lstStyle/>
           <a:p>
-            <a:pPr lvl="0"/>
+            <a:pPr lvl="0" eaLnBrk="1" latinLnBrk="0" hangingPunct="1"/>
             <a:r>
               <a:rPr lang="fr-FR" smtClean="0"/>
               <a:t>Modifiez les styles du texte du masque</a:t>
             </a:r>
           </a:p>
           <a:p>
-            <a:pPr lvl="1"/>
+            <a:pPr lvl="1" eaLnBrk="1" latinLnBrk="0" hangingPunct="1"/>
             <a:r>
               <a:rPr lang="fr-FR" smtClean="0"/>
               <a:t>Deuxième niveau</a:t>
             </a:r>
           </a:p>
           <a:p>
-            <a:pPr lvl="2"/>
+            <a:pPr lvl="2" eaLnBrk="1" latinLnBrk="0" hangingPunct="1"/>
             <a:r>
               <a:rPr lang="fr-FR" smtClean="0"/>
               <a:t>Troisième niveau</a:t>
             </a:r>
           </a:p>
           <a:p>
-            <a:pPr lvl="3"/>
+            <a:pPr lvl="3" eaLnBrk="1" latinLnBrk="0" hangingPunct="1"/>
             <a:r>
               <a:rPr lang="fr-FR" smtClean="0"/>
               <a:t>Quatrième niveau</a:t>
             </a:r>
           </a:p>
           <a:p>
-            <a:pPr lvl="4"/>
+            <a:pPr lvl="4" eaLnBrk="1" latinLnBrk="0" hangingPunct="1"/>
             <a:r>
               <a:rPr lang="fr-FR" smtClean="0"/>
               <a:t>Cinquième niveau</a:t>
             </a:r>
-            <a:endParaRPr lang="en-US"/>
+            <a:endParaRPr kumimoji="0" lang="en-US"/>
           </a:p>
         </p:txBody>
       </p:sp>
       <p:sp>
         <p:nvSpPr>
-          <p:cNvPr id="4" name="Date Placeholder 3"/>
+          <p:cNvPr id="4" name="Espace réservé de la date 3"/>
           <p:cNvSpPr>
             <a:spLocks noGrp="1"/>
           </p:cNvSpPr>
@@ -6962,9 +7152,9 @@
           <a:bodyPr/>
           <a:lstStyle/>
           <a:p>
-            <a:fld id="{9053C306-2FD1-4936-B6F4-4321C2AFDDF3}" type="datetime1">
+            <a:fld id="{4EE43607-FA03-4550-8145-20691F15E831}" type="datetime1">
               <a:rPr lang="fr-FR" smtClean="0"/>
-              <a:t>10/11/2014</a:t>
+              <a:t>17/11/2014</a:t>
             </a:fld>
             <a:endParaRPr lang="fr-FR"/>
           </a:p>
@@ -6972,7 +7162,7 @@
       </p:sp>
       <p:sp>
         <p:nvSpPr>
-          <p:cNvPr id="5" name="Footer Placeholder 4"/>
+          <p:cNvPr id="5" name="Espace réservé du pied de page 4"/>
           <p:cNvSpPr>
             <a:spLocks noGrp="1"/>
           </p:cNvSpPr>
@@ -6991,7 +7181,7 @@
       </p:sp>
       <p:sp>
         <p:nvSpPr>
-          <p:cNvPr id="6" name="Slide Number Placeholder 5"/>
+          <p:cNvPr id="6" name="Espace réservé du numéro de diapositive 5"/>
           <p:cNvSpPr>
             <a:spLocks noGrp="1"/>
           </p:cNvSpPr>
@@ -7040,7 +7230,7 @@
       </p:grpSpPr>
       <p:sp>
         <p:nvSpPr>
-          <p:cNvPr id="2" name="Title 1"/>
+          <p:cNvPr id="2" name="Titre 1"/>
           <p:cNvSpPr>
             <a:spLocks noGrp="1"/>
           </p:cNvSpPr>
@@ -7054,86 +7244,16 @@
           <a:lstStyle/>
           <a:p>
             <a:r>
-              <a:rPr lang="fr-FR" smtClean="0"/>
+              <a:rPr kumimoji="0" lang="fr-FR" smtClean="0"/>
               <a:t>Modifiez le style du titre</a:t>
             </a:r>
-            <a:endParaRPr lang="en-US" dirty="0"/>
+            <a:endParaRPr kumimoji="0" lang="en-US"/>
           </a:p>
         </p:txBody>
       </p:sp>
       <p:sp>
         <p:nvSpPr>
-          <p:cNvPr id="3" name="Content Placeholder 2"/>
-          <p:cNvSpPr>
-            <a:spLocks noGrp="1"/>
-          </p:cNvSpPr>
-          <p:nvPr>
-            <p:ph idx="1"/>
-          </p:nvPr>
-        </p:nvSpPr>
-        <p:spPr/>
-        <p:txBody>
-          <a:bodyPr/>
-          <a:lstStyle>
-            <a:lvl5pPr>
-              <a:defRPr/>
-            </a:lvl5pPr>
-            <a:lvl6pPr>
-              <a:defRPr/>
-            </a:lvl6pPr>
-            <a:lvl7pPr>
-              <a:defRPr/>
-            </a:lvl7pPr>
-            <a:lvl8pPr>
-              <a:defRPr/>
-            </a:lvl8pPr>
-            <a:lvl9pPr>
-              <a:buFont typeface="Arial" pitchFamily="34" charset="0"/>
-              <a:buChar char="•"/>
-              <a:defRPr/>
-            </a:lvl9pPr>
-          </a:lstStyle>
-          <a:p>
-            <a:pPr lvl="0"/>
-            <a:r>
-              <a:rPr lang="fr-FR" smtClean="0"/>
-              <a:t>Modifiez les styles du texte du masque</a:t>
-            </a:r>
-          </a:p>
-          <a:p>
-            <a:pPr lvl="1"/>
-            <a:r>
-              <a:rPr lang="fr-FR" smtClean="0"/>
-              <a:t>Deuxième niveau</a:t>
-            </a:r>
-          </a:p>
-          <a:p>
-            <a:pPr lvl="2"/>
-            <a:r>
-              <a:rPr lang="fr-FR" smtClean="0"/>
-              <a:t>Troisième niveau</a:t>
-            </a:r>
-          </a:p>
-          <a:p>
-            <a:pPr lvl="3"/>
-            <a:r>
-              <a:rPr lang="fr-FR" smtClean="0"/>
-              <a:t>Quatrième niveau</a:t>
-            </a:r>
-          </a:p>
-          <a:p>
-            <a:pPr lvl="4"/>
-            <a:r>
-              <a:rPr lang="fr-FR" smtClean="0"/>
-              <a:t>Cinquième niveau</a:t>
-            </a:r>
-            <a:endParaRPr lang="en-US" dirty="0" smtClean="0"/>
-          </a:p>
-        </p:txBody>
-      </p:sp>
-      <p:sp>
-        <p:nvSpPr>
-          <p:cNvPr id="4" name="Date Placeholder 3"/>
+          <p:cNvPr id="4" name="Espace réservé de la date 3"/>
           <p:cNvSpPr>
             <a:spLocks noGrp="1"/>
           </p:cNvSpPr>
@@ -7146,9 +7266,9 @@
           <a:bodyPr/>
           <a:lstStyle/>
           <a:p>
-            <a:fld id="{A0C016FA-46AE-406B-A4F3-9135BF27F88F}" type="datetime1">
+            <a:fld id="{FA3BB2BD-9988-42C2-B189-1BD153E9EB2A}" type="datetime1">
               <a:rPr lang="fr-FR" smtClean="0"/>
-              <a:t>10/11/2014</a:t>
+              <a:t>17/11/2014</a:t>
             </a:fld>
             <a:endParaRPr lang="fr-FR"/>
           </a:p>
@@ -7156,7 +7276,7 @@
       </p:sp>
       <p:sp>
         <p:nvSpPr>
-          <p:cNvPr id="5" name="Footer Placeholder 4"/>
+          <p:cNvPr id="5" name="Espace réservé du pied de page 4"/>
           <p:cNvSpPr>
             <a:spLocks noGrp="1"/>
           </p:cNvSpPr>
@@ -7175,7 +7295,7 @@
       </p:sp>
       <p:sp>
         <p:nvSpPr>
-          <p:cNvPr id="6" name="Slide Number Placeholder 5"/>
+          <p:cNvPr id="6" name="Espace réservé du numéro de diapositive 5"/>
           <p:cNvSpPr>
             <a:spLocks noGrp="1"/>
           </p:cNvSpPr>
@@ -7197,6 +7317,63 @@
           </a:p>
         </p:txBody>
       </p:sp>
+      <p:sp>
+        <p:nvSpPr>
+          <p:cNvPr id="8" name="Espace réservé du contenu 7"/>
+          <p:cNvSpPr>
+            <a:spLocks noGrp="1"/>
+          </p:cNvSpPr>
+          <p:nvPr>
+            <p:ph sz="quarter" idx="1"/>
+          </p:nvPr>
+        </p:nvSpPr>
+        <p:spPr>
+          <a:xfrm>
+            <a:off x="914400" y="1447800"/>
+            <a:ext cx="7772400" cy="4572000"/>
+          </a:xfrm>
+        </p:spPr>
+        <p:txBody>
+          <a:bodyPr vert="horz"/>
+          <a:lstStyle/>
+          <a:p>
+            <a:pPr lvl="0" eaLnBrk="1" latinLnBrk="0" hangingPunct="1"/>
+            <a:r>
+              <a:rPr lang="fr-FR" smtClean="0"/>
+              <a:t>Modifiez les styles du texte du masque</a:t>
+            </a:r>
+          </a:p>
+          <a:p>
+            <a:pPr lvl="1" eaLnBrk="1" latinLnBrk="0" hangingPunct="1"/>
+            <a:r>
+              <a:rPr lang="fr-FR" smtClean="0"/>
+              <a:t>Deuxième niveau</a:t>
+            </a:r>
+          </a:p>
+          <a:p>
+            <a:pPr lvl="2" eaLnBrk="1" latinLnBrk="0" hangingPunct="1"/>
+            <a:r>
+              <a:rPr lang="fr-FR" smtClean="0"/>
+              <a:t>Troisième niveau</a:t>
+            </a:r>
+          </a:p>
+          <a:p>
+            <a:pPr lvl="3" eaLnBrk="1" latinLnBrk="0" hangingPunct="1"/>
+            <a:r>
+              <a:rPr lang="fr-FR" smtClean="0"/>
+              <a:t>Quatrième niveau</a:t>
+            </a:r>
+          </a:p>
+          <a:p>
+            <a:pPr lvl="4" eaLnBrk="1" latinLnBrk="0" hangingPunct="1"/>
+            <a:r>
+              <a:rPr lang="fr-FR" smtClean="0"/>
+              <a:t>Cinquième niveau</a:t>
+            </a:r>
+            <a:endParaRPr kumimoji="0" lang="en-US"/>
+          </a:p>
+        </p:txBody>
+      </p:sp>
     </p:spTree>
   </p:cSld>
   <p:clrMapOvr>
@@ -7206,8 +7383,13 @@
 </file>
 
 <file path=ppt/slideLayouts/slideLayout3.xml><?xml version="1.0" encoding="utf-8"?>
-<p:sldLayout xmlns:a="http://schemas.openxmlformats.org/drawingml/2006/main" xmlns:r="http://schemas.openxmlformats.org/officeDocument/2006/relationships" xmlns:p="http://schemas.openxmlformats.org/presentationml/2006/main" type="secHead" preserve="1">
+<p:sldLayout xmlns:a="http://schemas.openxmlformats.org/drawingml/2006/main" xmlns:r="http://schemas.openxmlformats.org/officeDocument/2006/relationships" xmlns:p="http://schemas.openxmlformats.org/presentationml/2006/main" showMasterSp="0" type="secHead" preserve="1">
   <p:cSld name="Titre de section">
+    <p:bg>
+      <p:bgRef idx="1003">
+        <a:schemeClr val="bg1"/>
+      </p:bgRef>
+    </p:bg>
     <p:spTree>
       <p:nvGrpSpPr>
         <p:cNvPr id="1" name=""/>
@@ -7224,272 +7406,29 @@
       </p:grpSpPr>
       <p:sp>
         <p:nvSpPr>
-          <p:cNvPr id="2" name="Title 1"/>
-          <p:cNvSpPr>
-            <a:spLocks noGrp="1"/>
-          </p:cNvSpPr>
-          <p:nvPr>
-            <p:ph type="title"/>
-          </p:nvPr>
-        </p:nvSpPr>
-        <p:spPr>
-          <a:xfrm>
-            <a:off x="722313" y="1371600"/>
-            <a:ext cx="7772400" cy="2505075"/>
-          </a:xfrm>
-        </p:spPr>
-        <p:txBody>
-          <a:bodyPr anchor="b"/>
-          <a:lstStyle>
-            <a:lvl1pPr algn="ctr" defTabSz="914400" rtl="0" eaLnBrk="1" latinLnBrk="0" hangingPunct="1">
-              <a:lnSpc>
-                <a:spcPct val="100000"/>
-              </a:lnSpc>
-              <a:spcBef>
-                <a:spcPct val="0"/>
-              </a:spcBef>
-              <a:buNone/>
-              <a:defRPr lang="en-US" sz="4800" kern="1200" dirty="0" smtClean="0">
-                <a:solidFill>
-                  <a:schemeClr val="tx2"/>
-                </a:solidFill>
-                <a:effectLst>
-                  <a:outerShdw blurRad="63500" dist="38100" dir="5400000" algn="t" rotWithShape="0">
-                    <a:prstClr val="black">
-                      <a:alpha val="25000"/>
-                    </a:prstClr>
-                  </a:outerShdw>
-                </a:effectLst>
-                <a:latin typeface="+mn-lt"/>
-                <a:ea typeface="+mj-ea"/>
-                <a:cs typeface="+mj-cs"/>
-              </a:defRPr>
-            </a:lvl1pPr>
-          </a:lstStyle>
-          <a:p>
-            <a:r>
-              <a:rPr lang="fr-FR" smtClean="0"/>
-              <a:t>Modifiez le style du titre</a:t>
-            </a:r>
-            <a:endParaRPr lang="en-US" dirty="0"/>
-          </a:p>
-        </p:txBody>
-      </p:sp>
-      <p:sp>
-        <p:nvSpPr>
-          <p:cNvPr id="3" name="Text Placeholder 2"/>
-          <p:cNvSpPr>
-            <a:spLocks noGrp="1"/>
-          </p:cNvSpPr>
-          <p:nvPr>
-            <p:ph type="body" idx="1"/>
-          </p:nvPr>
-        </p:nvSpPr>
-        <p:spPr>
-          <a:xfrm>
-            <a:off x="722313" y="4068763"/>
-            <a:ext cx="7772400" cy="1131887"/>
-          </a:xfrm>
-        </p:spPr>
-        <p:txBody>
-          <a:bodyPr anchor="t"/>
-          <a:lstStyle>
-            <a:lvl1pPr marL="0" indent="0" algn="ctr">
-              <a:buNone/>
-              <a:defRPr sz="2000">
-                <a:solidFill>
-                  <a:schemeClr val="tx1">
-                    <a:tint val="75000"/>
-                  </a:schemeClr>
-                </a:solidFill>
-              </a:defRPr>
-            </a:lvl1pPr>
-            <a:lvl2pPr marL="457200" indent="0">
-              <a:buNone/>
-              <a:defRPr sz="1800">
-                <a:solidFill>
-                  <a:schemeClr val="tx1">
-                    <a:tint val="75000"/>
-                  </a:schemeClr>
-                </a:solidFill>
-              </a:defRPr>
-            </a:lvl2pPr>
-            <a:lvl3pPr marL="914400" indent="0">
-              <a:buNone/>
-              <a:defRPr sz="1600">
-                <a:solidFill>
-                  <a:schemeClr val="tx1">
-                    <a:tint val="75000"/>
-                  </a:schemeClr>
-                </a:solidFill>
-              </a:defRPr>
-            </a:lvl3pPr>
-            <a:lvl4pPr marL="1371600" indent="0">
-              <a:buNone/>
-              <a:defRPr sz="1400">
-                <a:solidFill>
-                  <a:schemeClr val="tx1">
-                    <a:tint val="75000"/>
-                  </a:schemeClr>
-                </a:solidFill>
-              </a:defRPr>
-            </a:lvl4pPr>
-            <a:lvl5pPr marL="1828800" indent="0">
-              <a:buNone/>
-              <a:defRPr sz="1400">
-                <a:solidFill>
-                  <a:schemeClr val="tx1">
-                    <a:tint val="75000"/>
-                  </a:schemeClr>
-                </a:solidFill>
-              </a:defRPr>
-            </a:lvl5pPr>
-            <a:lvl6pPr marL="2286000" indent="0">
-              <a:buNone/>
-              <a:defRPr sz="1400">
-                <a:solidFill>
-                  <a:schemeClr val="tx1">
-                    <a:tint val="75000"/>
-                  </a:schemeClr>
-                </a:solidFill>
-              </a:defRPr>
-            </a:lvl6pPr>
-            <a:lvl7pPr marL="2743200" indent="0">
-              <a:buNone/>
-              <a:defRPr sz="1400">
-                <a:solidFill>
-                  <a:schemeClr val="tx1">
-                    <a:tint val="75000"/>
-                  </a:schemeClr>
-                </a:solidFill>
-              </a:defRPr>
-            </a:lvl7pPr>
-            <a:lvl8pPr marL="3200400" indent="0">
-              <a:buNone/>
-              <a:defRPr sz="1400">
-                <a:solidFill>
-                  <a:schemeClr val="tx1">
-                    <a:tint val="75000"/>
-                  </a:schemeClr>
-                </a:solidFill>
-              </a:defRPr>
-            </a:lvl8pPr>
-            <a:lvl9pPr marL="3657600" indent="0">
-              <a:buNone/>
-              <a:defRPr sz="1400">
-                <a:solidFill>
-                  <a:schemeClr val="tx1">
-                    <a:tint val="75000"/>
-                  </a:schemeClr>
-                </a:solidFill>
-              </a:defRPr>
-            </a:lvl9pPr>
-          </a:lstStyle>
-          <a:p>
-            <a:pPr lvl="0"/>
-            <a:r>
-              <a:rPr lang="fr-FR" smtClean="0"/>
-              <a:t>Modifiez les styles du texte du masque</a:t>
-            </a:r>
-          </a:p>
-        </p:txBody>
-      </p:sp>
-      <p:sp>
-        <p:nvSpPr>
-          <p:cNvPr id="4" name="Date Placeholder 3"/>
-          <p:cNvSpPr>
-            <a:spLocks noGrp="1"/>
-          </p:cNvSpPr>
-          <p:nvPr>
-            <p:ph type="dt" sz="half" idx="10"/>
-          </p:nvPr>
-        </p:nvSpPr>
-        <p:spPr/>
-        <p:txBody>
-          <a:bodyPr/>
-          <a:lstStyle/>
-          <a:p>
-            <a:fld id="{7996F6B0-4DC8-4B77-B4F9-68765A495104}" type="datetime1">
-              <a:rPr lang="fr-FR" smtClean="0"/>
-              <a:t>10/11/2014</a:t>
-            </a:fld>
-            <a:endParaRPr lang="fr-FR"/>
-          </a:p>
-        </p:txBody>
-      </p:sp>
-      <p:sp>
-        <p:nvSpPr>
-          <p:cNvPr id="5" name="Footer Placeholder 4"/>
-          <p:cNvSpPr>
-            <a:spLocks noGrp="1"/>
-          </p:cNvSpPr>
-          <p:nvPr>
-            <p:ph type="ftr" sz="quarter" idx="11"/>
-          </p:nvPr>
-        </p:nvSpPr>
-        <p:spPr/>
-        <p:txBody>
-          <a:bodyPr/>
-          <a:lstStyle/>
-          <a:p>
-            <a:endParaRPr lang="fr-FR"/>
-          </a:p>
-        </p:txBody>
-      </p:sp>
-      <p:sp>
-        <p:nvSpPr>
-          <p:cNvPr id="6" name="Slide Number Placeholder 5"/>
-          <p:cNvSpPr>
-            <a:spLocks noGrp="1"/>
-          </p:cNvSpPr>
-          <p:nvPr>
-            <p:ph type="sldNum" sz="quarter" idx="12"/>
-          </p:nvPr>
-        </p:nvSpPr>
-        <p:spPr/>
-        <p:txBody>
-          <a:bodyPr/>
-          <a:lstStyle/>
-          <a:p>
-            <a:fld id="{C7CDC3F6-687D-4FBA-B21C-72B0B0E094F4}" type="slidenum">
-              <a:rPr lang="fr-FR" smtClean="0"/>
-              <a:pPr/>
-              <a:t>‹N°›</a:t>
-            </a:fld>
-            <a:endParaRPr lang="fr-FR"/>
-          </a:p>
-        </p:txBody>
-      </p:sp>
-      <p:sp>
-        <p:nvSpPr>
-          <p:cNvPr id="7" name="Oval 6"/>
+          <p:cNvPr id="11" name="Rectangle 10"/>
           <p:cNvSpPr/>
           <p:nvPr/>
         </p:nvSpPr>
         <p:spPr>
           <a:xfrm>
-            <a:off x="4495800" y="3924300"/>
-            <a:ext cx="84772" cy="84772"/>
+            <a:off x="0" y="0"/>
+            <a:ext cx="9144000" cy="6858000"/>
           </a:xfrm>
-          <a:prstGeom prst="ellipse">
+          <a:prstGeom prst="rect">
             <a:avLst/>
           </a:prstGeom>
           <a:solidFill>
-            <a:schemeClr val="tx1">
-              <a:lumMod val="50000"/>
-              <a:lumOff val="50000"/>
-            </a:schemeClr>
+            <a:srgbClr val="FFFFFF"/>
           </a:solidFill>
-          <a:ln w="12700">
+          <a:ln w="12700" cap="flat" cmpd="sng" algn="ctr">
             <a:noFill/>
+            <a:prstDash val="solid"/>
           </a:ln>
-          <a:effectLst/>
         </p:spPr>
         <p:style>
           <a:lnRef idx="2">
-            <a:schemeClr val="accent1">
-              <a:shade val="50000"/>
-            </a:schemeClr>
+            <a:schemeClr val="accent1"/>
           </a:lnRef>
           <a:fillRef idx="1">
             <a:schemeClr val="accent1"/>
@@ -7505,46 +7444,45 @@
           <a:bodyPr rtlCol="0" anchor="ctr"/>
           <a:lstStyle/>
           <a:p>
-            <a:pPr algn="ctr"/>
-            <a:endParaRPr lang="en-US"/>
+            <a:pPr algn="ctr" eaLnBrk="1" latinLnBrk="0" hangingPunct="1"/>
+            <a:endParaRPr kumimoji="0" lang="en-US"/>
           </a:p>
         </p:txBody>
       </p:sp>
-      <p:sp>
+      <p:sp useBgFill="1">
         <p:nvSpPr>
-          <p:cNvPr id="8" name="Oval 7"/>
+          <p:cNvPr id="10" name="Rectangle à coins arrondis 9"/>
           <p:cNvSpPr/>
           <p:nvPr/>
         </p:nvSpPr>
         <p:spPr>
           <a:xfrm>
-            <a:off x="4695825" y="3924300"/>
-            <a:ext cx="84772" cy="84772"/>
+            <a:off x="65313" y="69755"/>
+            <a:ext cx="9013372" cy="6692201"/>
           </a:xfrm>
-          <a:prstGeom prst="ellipse">
-            <a:avLst/>
+          <a:prstGeom prst="roundRect">
+            <a:avLst>
+              <a:gd name="adj" fmla="val 4929"/>
+            </a:avLst>
           </a:prstGeom>
-          <a:solidFill>
-            <a:schemeClr val="tx1">
-              <a:lumMod val="50000"/>
-              <a:lumOff val="50000"/>
-            </a:schemeClr>
-          </a:solidFill>
-          <a:ln w="12700">
-            <a:noFill/>
+          <a:ln w="6350" cap="sq" cmpd="sng" algn="ctr">
+            <a:solidFill>
+              <a:schemeClr val="tx1">
+                <a:alpha val="100000"/>
+              </a:schemeClr>
+            </a:solidFill>
+            <a:prstDash val="solid"/>
           </a:ln>
           <a:effectLst/>
         </p:spPr>
         <p:style>
-          <a:lnRef idx="2">
-            <a:schemeClr val="accent1">
-              <a:shade val="50000"/>
-            </a:schemeClr>
+          <a:lnRef idx="3">
+            <a:schemeClr val="lt1"/>
           </a:lnRef>
-          <a:fillRef idx="1">
-            <a:schemeClr val="accent1"/>
+          <a:fillRef idx="1003">
+            <a:schemeClr val="lt1"/>
           </a:fillRef>
-          <a:effectRef idx="0">
+          <a:effectRef idx="1">
             <a:schemeClr val="accent1"/>
           </a:effectRef>
           <a:fontRef idx="minor">
@@ -7552,49 +7490,206 @@
           </a:fontRef>
         </p:style>
         <p:txBody>
-          <a:bodyPr rtlCol="0" anchor="ctr"/>
+          <a:bodyPr anchor="ctr"/>
           <a:lstStyle/>
           <a:p>
-            <a:pPr algn="ctr"/>
-            <a:endParaRPr lang="en-US"/>
+            <a:pPr algn="ctr" eaLnBrk="1" latinLnBrk="0" hangingPunct="1"/>
+            <a:endParaRPr kumimoji="0" lang="en-US"/>
           </a:p>
         </p:txBody>
       </p:sp>
       <p:sp>
         <p:nvSpPr>
-          <p:cNvPr id="9" name="Oval 8"/>
+          <p:cNvPr id="2" name="Titre 1"/>
+          <p:cNvSpPr>
+            <a:spLocks noGrp="1"/>
+          </p:cNvSpPr>
+          <p:nvPr>
+            <p:ph type="title"/>
+          </p:nvPr>
+        </p:nvSpPr>
+        <p:spPr>
+          <a:xfrm>
+            <a:off x="722313" y="952500"/>
+            <a:ext cx="7772400" cy="1362075"/>
+          </a:xfrm>
+        </p:spPr>
+        <p:txBody>
+          <a:bodyPr anchor="b" anchorCtr="0"/>
+          <a:lstStyle>
+            <a:lvl1pPr algn="l">
+              <a:buNone/>
+              <a:defRPr sz="4000" b="0" cap="none"/>
+            </a:lvl1pPr>
+          </a:lstStyle>
+          <a:p>
+            <a:r>
+              <a:rPr kumimoji="0" lang="fr-FR" smtClean="0"/>
+              <a:t>Modifiez le style du titre</a:t>
+            </a:r>
+            <a:endParaRPr kumimoji="0" lang="en-US"/>
+          </a:p>
+        </p:txBody>
+      </p:sp>
+      <p:sp>
+        <p:nvSpPr>
+          <p:cNvPr id="3" name="Espace réservé du texte 2"/>
+          <p:cNvSpPr>
+            <a:spLocks noGrp="1"/>
+          </p:cNvSpPr>
+          <p:nvPr>
+            <p:ph type="body" idx="1"/>
+          </p:nvPr>
+        </p:nvSpPr>
+        <p:spPr>
+          <a:xfrm>
+            <a:off x="722313" y="2547938"/>
+            <a:ext cx="7772400" cy="1338262"/>
+          </a:xfrm>
+        </p:spPr>
+        <p:txBody>
+          <a:bodyPr anchor="t" anchorCtr="0"/>
+          <a:lstStyle>
+            <a:lvl1pPr marL="0" indent="0">
+              <a:buNone/>
+              <a:defRPr sz="2400">
+                <a:solidFill>
+                  <a:schemeClr val="tx1">
+                    <a:tint val="75000"/>
+                  </a:schemeClr>
+                </a:solidFill>
+              </a:defRPr>
+            </a:lvl1pPr>
+            <a:lvl2pPr>
+              <a:buNone/>
+              <a:defRPr sz="1800">
+                <a:solidFill>
+                  <a:schemeClr val="tx1">
+                    <a:tint val="75000"/>
+                  </a:schemeClr>
+                </a:solidFill>
+              </a:defRPr>
+            </a:lvl2pPr>
+            <a:lvl3pPr>
+              <a:buNone/>
+              <a:defRPr sz="1600">
+                <a:solidFill>
+                  <a:schemeClr val="tx1">
+                    <a:tint val="75000"/>
+                  </a:schemeClr>
+                </a:solidFill>
+              </a:defRPr>
+            </a:lvl3pPr>
+            <a:lvl4pPr>
+              <a:buNone/>
+              <a:defRPr sz="1400">
+                <a:solidFill>
+                  <a:schemeClr val="tx1">
+                    <a:tint val="75000"/>
+                  </a:schemeClr>
+                </a:solidFill>
+              </a:defRPr>
+            </a:lvl4pPr>
+            <a:lvl5pPr>
+              <a:buNone/>
+              <a:defRPr sz="1400">
+                <a:solidFill>
+                  <a:schemeClr val="tx1">
+                    <a:tint val="75000"/>
+                  </a:schemeClr>
+                </a:solidFill>
+              </a:defRPr>
+            </a:lvl5pPr>
+          </a:lstStyle>
+          <a:p>
+            <a:pPr lvl="0" eaLnBrk="1" latinLnBrk="0" hangingPunct="1"/>
+            <a:r>
+              <a:rPr kumimoji="0" lang="fr-FR" smtClean="0"/>
+              <a:t>Modifiez les styles du texte du masque</a:t>
+            </a:r>
+          </a:p>
+        </p:txBody>
+      </p:sp>
+      <p:sp>
+        <p:nvSpPr>
+          <p:cNvPr id="4" name="Espace réservé de la date 3"/>
+          <p:cNvSpPr>
+            <a:spLocks noGrp="1"/>
+          </p:cNvSpPr>
+          <p:nvPr>
+            <p:ph type="dt" sz="half" idx="10"/>
+          </p:nvPr>
+        </p:nvSpPr>
+        <p:spPr/>
+        <p:txBody>
+          <a:bodyPr/>
+          <a:lstStyle/>
+          <a:p>
+            <a:fld id="{5626FA85-4640-4B84-940B-84733AD45A67}" type="datetime1">
+              <a:rPr lang="fr-FR" smtClean="0"/>
+              <a:t>17/11/2014</a:t>
+            </a:fld>
+            <a:endParaRPr lang="fr-FR"/>
+          </a:p>
+        </p:txBody>
+      </p:sp>
+      <p:sp>
+        <p:nvSpPr>
+          <p:cNvPr id="5" name="Espace réservé du pied de page 4"/>
+          <p:cNvSpPr>
+            <a:spLocks noGrp="1"/>
+          </p:cNvSpPr>
+          <p:nvPr>
+            <p:ph type="ftr" sz="quarter" idx="11"/>
+          </p:nvPr>
+        </p:nvSpPr>
+        <p:spPr>
+          <a:xfrm>
+            <a:off x="800100" y="6172200"/>
+            <a:ext cx="4000500" cy="457200"/>
+          </a:xfrm>
+        </p:spPr>
+        <p:txBody>
+          <a:bodyPr/>
+          <a:lstStyle/>
+          <a:p>
+            <a:endParaRPr lang="fr-FR"/>
+          </a:p>
+        </p:txBody>
+      </p:sp>
+      <p:sp>
+        <p:nvSpPr>
+          <p:cNvPr id="7" name="Rectangle 6"/>
           <p:cNvSpPr/>
           <p:nvPr/>
         </p:nvSpPr>
         <p:spPr>
-          <a:xfrm>
-            <a:off x="4296728" y="3924300"/>
-            <a:ext cx="84772" cy="84772"/>
+          <a:xfrm flipV="1">
+            <a:off x="69412" y="2376830"/>
+            <a:ext cx="9013515" cy="91440"/>
           </a:xfrm>
-          <a:prstGeom prst="ellipse">
+          <a:prstGeom prst="rect">
             <a:avLst/>
           </a:prstGeom>
           <a:solidFill>
-            <a:schemeClr val="tx1">
-              <a:lumMod val="50000"/>
-              <a:lumOff val="50000"/>
+            <a:schemeClr val="accent1">
+              <a:alpha val="100000"/>
             </a:schemeClr>
           </a:solidFill>
-          <a:ln w="12700">
+          <a:ln w="19050" cap="sq" cmpd="sng" algn="ctr">
             <a:noFill/>
+            <a:prstDash val="solid"/>
           </a:ln>
           <a:effectLst/>
         </p:spPr>
         <p:style>
-          <a:lnRef idx="2">
-            <a:schemeClr val="accent1">
-              <a:shade val="50000"/>
-            </a:schemeClr>
+          <a:lnRef idx="3">
+            <a:schemeClr val="lt1"/>
           </a:lnRef>
           <a:fillRef idx="1">
             <a:schemeClr val="accent1"/>
           </a:fillRef>
-          <a:effectRef idx="0">
+          <a:effectRef idx="1">
             <a:schemeClr val="accent1"/>
           </a:effectRef>
           <a:fontRef idx="minor">
@@ -7602,18 +7697,141 @@
           </a:fontRef>
         </p:style>
         <p:txBody>
-          <a:bodyPr rtlCol="0" anchor="ctr"/>
+          <a:bodyPr anchor="ctr"/>
           <a:lstStyle/>
           <a:p>
-            <a:pPr algn="ctr"/>
-            <a:endParaRPr lang="en-US"/>
+            <a:pPr algn="ctr" eaLnBrk="1" latinLnBrk="0" hangingPunct="1"/>
+            <a:endParaRPr kumimoji="0" lang="en-US"/>
+          </a:p>
+        </p:txBody>
+      </p:sp>
+      <p:sp>
+        <p:nvSpPr>
+          <p:cNvPr id="8" name="Rectangle 7"/>
+          <p:cNvSpPr/>
+          <p:nvPr/>
+        </p:nvSpPr>
+        <p:spPr>
+          <a:xfrm>
+            <a:off x="69146" y="2341475"/>
+            <a:ext cx="9013781" cy="45719"/>
+          </a:xfrm>
+          <a:prstGeom prst="rect">
+            <a:avLst/>
+          </a:prstGeom>
+          <a:solidFill>
+            <a:schemeClr val="accent1">
+              <a:tint val="60000"/>
+            </a:schemeClr>
+          </a:solidFill>
+          <a:ln w="19050" cap="sq" cmpd="sng" algn="ctr">
+            <a:noFill/>
+            <a:prstDash val="solid"/>
+          </a:ln>
+          <a:effectLst/>
+        </p:spPr>
+        <p:style>
+          <a:lnRef idx="3">
+            <a:schemeClr val="lt1"/>
+          </a:lnRef>
+          <a:fillRef idx="1">
+            <a:schemeClr val="accent1"/>
+          </a:fillRef>
+          <a:effectRef idx="1">
+            <a:schemeClr val="accent1"/>
+          </a:effectRef>
+          <a:fontRef idx="minor">
+            <a:schemeClr val="lt1"/>
+          </a:fontRef>
+        </p:style>
+        <p:txBody>
+          <a:bodyPr anchor="ctr"/>
+          <a:lstStyle/>
+          <a:p>
+            <a:pPr algn="ctr" eaLnBrk="1" latinLnBrk="0" hangingPunct="1"/>
+            <a:endParaRPr kumimoji="0" lang="en-US"/>
+          </a:p>
+        </p:txBody>
+      </p:sp>
+      <p:sp>
+        <p:nvSpPr>
+          <p:cNvPr id="9" name="Rectangle 8"/>
+          <p:cNvSpPr/>
+          <p:nvPr/>
+        </p:nvSpPr>
+        <p:spPr>
+          <a:xfrm>
+            <a:off x="68306" y="2468880"/>
+            <a:ext cx="9014621" cy="45720"/>
+          </a:xfrm>
+          <a:prstGeom prst="rect">
+            <a:avLst/>
+          </a:prstGeom>
+          <a:solidFill>
+            <a:schemeClr val="accent5"/>
+          </a:solidFill>
+          <a:ln w="19050" cap="sq" cmpd="sng" algn="ctr">
+            <a:noFill/>
+            <a:prstDash val="solid"/>
+          </a:ln>
+          <a:effectLst/>
+        </p:spPr>
+        <p:style>
+          <a:lnRef idx="3">
+            <a:schemeClr val="lt1"/>
+          </a:lnRef>
+          <a:fillRef idx="1">
+            <a:schemeClr val="accent1"/>
+          </a:fillRef>
+          <a:effectRef idx="1">
+            <a:schemeClr val="accent1"/>
+          </a:effectRef>
+          <a:fontRef idx="minor">
+            <a:schemeClr val="lt1"/>
+          </a:fontRef>
+        </p:style>
+        <p:txBody>
+          <a:bodyPr anchor="ctr"/>
+          <a:lstStyle/>
+          <a:p>
+            <a:pPr algn="ctr" eaLnBrk="1" latinLnBrk="0" hangingPunct="1"/>
+            <a:endParaRPr kumimoji="0" lang="en-US"/>
+          </a:p>
+        </p:txBody>
+      </p:sp>
+      <p:sp>
+        <p:nvSpPr>
+          <p:cNvPr id="6" name="Espace réservé du numéro de diapositive 5"/>
+          <p:cNvSpPr>
+            <a:spLocks noGrp="1"/>
+          </p:cNvSpPr>
+          <p:nvPr>
+            <p:ph type="sldNum" sz="quarter" idx="12"/>
+          </p:nvPr>
+        </p:nvSpPr>
+        <p:spPr>
+          <a:xfrm>
+            <a:off x="146304" y="6208776"/>
+            <a:ext cx="457200" cy="457200"/>
+          </a:xfrm>
+        </p:spPr>
+        <p:txBody>
+          <a:bodyPr/>
+          <a:lstStyle/>
+          <a:p>
+            <a:fld id="{C7CDC3F6-687D-4FBA-B21C-72B0B0E094F4}" type="slidenum">
+              <a:rPr lang="fr-FR" smtClean="0"/>
+              <a:pPr/>
+              <a:t>‹N°›</a:t>
+            </a:fld>
+            <a:endParaRPr lang="fr-FR"/>
           </a:p>
         </p:txBody>
       </p:sp>
     </p:spTree>
   </p:cSld>
   <p:clrMapOvr>
-    <a:masterClrMapping/>
+    <a:overrideClrMapping bg1="lt1" tx1="dk1" bg2="lt2" tx2="dk2" accent1="accent1" accent2="accent2" accent3="accent3" accent4="accent4" accent5="accent5" accent6="accent6" hlink="hlink" folHlink="folHlink"/>
   </p:clrMapOvr>
 </p:sldLayout>
 </file>
@@ -7637,7 +7855,7 @@
       </p:grpSpPr>
       <p:sp>
         <p:nvSpPr>
-          <p:cNvPr id="2" name="Title 1"/>
+          <p:cNvPr id="2" name="Titre 1"/>
           <p:cNvSpPr>
             <a:spLocks noGrp="1"/>
           </p:cNvSpPr>
@@ -7651,101 +7869,16 @@
           <a:lstStyle/>
           <a:p>
             <a:r>
-              <a:rPr lang="fr-FR" smtClean="0"/>
+              <a:rPr kumimoji="0" lang="fr-FR" smtClean="0"/>
               <a:t>Modifiez le style du titre</a:t>
             </a:r>
-            <a:endParaRPr lang="en-US"/>
+            <a:endParaRPr kumimoji="0" lang="en-US"/>
           </a:p>
         </p:txBody>
       </p:sp>
       <p:sp>
         <p:nvSpPr>
-          <p:cNvPr id="4" name="Content Placeholder 3"/>
-          <p:cNvSpPr>
-            <a:spLocks noGrp="1"/>
-          </p:cNvSpPr>
-          <p:nvPr>
-            <p:ph sz="half" idx="2"/>
-          </p:nvPr>
-        </p:nvSpPr>
-        <p:spPr>
-          <a:xfrm>
-            <a:off x="4648200" y="1600200"/>
-            <a:ext cx="4038600" cy="4525963"/>
-          </a:xfrm>
-        </p:spPr>
-        <p:txBody>
-          <a:bodyPr/>
-          <a:lstStyle>
-            <a:lvl1pPr>
-              <a:defRPr sz="2400"/>
-            </a:lvl1pPr>
-            <a:lvl2pPr>
-              <a:defRPr sz="1600"/>
-            </a:lvl2pPr>
-            <a:lvl3pPr>
-              <a:defRPr sz="1600"/>
-            </a:lvl3pPr>
-            <a:lvl4pPr>
-              <a:defRPr sz="1600"/>
-            </a:lvl4pPr>
-            <a:lvl5pPr>
-              <a:defRPr sz="1600"/>
-            </a:lvl5pPr>
-            <a:lvl6pPr>
-              <a:defRPr sz="1600"/>
-            </a:lvl6pPr>
-            <a:lvl7pPr>
-              <a:defRPr sz="1600"/>
-            </a:lvl7pPr>
-            <a:lvl8pPr>
-              <a:defRPr sz="1600"/>
-            </a:lvl8pPr>
-            <a:lvl9pPr>
-              <a:defRPr sz="1600"/>
-            </a:lvl9pPr>
-          </a:lstStyle>
-          <a:p>
-            <a:pPr lvl="0"/>
-            <a:r>
-              <a:rPr lang="fr-FR" smtClean="0"/>
-              <a:t>Modifiez les styles du texte du masque</a:t>
-            </a:r>
-          </a:p>
-          <a:p>
-            <a:pPr lvl="1"/>
-            <a:r>
-              <a:rPr lang="fr-FR" smtClean="0"/>
-              <a:t>Deuxième niveau</a:t>
-            </a:r>
-          </a:p>
-          <a:p>
-            <a:pPr lvl="2"/>
-            <a:r>
-              <a:rPr lang="fr-FR" smtClean="0"/>
-              <a:t>Troisième niveau</a:t>
-            </a:r>
-          </a:p>
-          <a:p>
-            <a:pPr lvl="3"/>
-            <a:r>
-              <a:rPr lang="fr-FR" smtClean="0"/>
-              <a:t>Quatrième niveau</a:t>
-            </a:r>
-          </a:p>
-          <a:p>
-            <a:pPr lvl="4"/>
-            <a:r>
-              <a:rPr lang="fr-FR" smtClean="0"/>
-              <a:t>Cinquième niveau</a:t>
-            </a:r>
-            <a:endParaRPr lang="en-US" dirty="0" smtClean="0"/>
-          </a:p>
-        </p:txBody>
-      </p:sp>
-      <p:sp>
-        <p:nvSpPr>
-          <p:cNvPr id="5" name="Date Placeholder 4"/>
+          <p:cNvPr id="5" name="Espace réservé de la date 4"/>
           <p:cNvSpPr>
             <a:spLocks noGrp="1"/>
           </p:cNvSpPr>
@@ -7758,9 +7891,9 @@
           <a:bodyPr/>
           <a:lstStyle/>
           <a:p>
-            <a:fld id="{854951EA-0C87-4044-90EC-B997DA9999C1}" type="datetime1">
+            <a:fld id="{E6AEA758-39C2-4EAC-A504-1F705BDACDC2}" type="datetime1">
               <a:rPr lang="fr-FR" smtClean="0"/>
-              <a:t>10/11/2014</a:t>
+              <a:t>17/11/2014</a:t>
             </a:fld>
             <a:endParaRPr lang="fr-FR"/>
           </a:p>
@@ -7768,7 +7901,7 @@
       </p:sp>
       <p:sp>
         <p:nvSpPr>
-          <p:cNvPr id="6" name="Footer Placeholder 5"/>
+          <p:cNvPr id="6" name="Espace réservé du pied de page 5"/>
           <p:cNvSpPr>
             <a:spLocks noGrp="1"/>
           </p:cNvSpPr>
@@ -7787,7 +7920,7 @@
       </p:sp>
       <p:sp>
         <p:nvSpPr>
-          <p:cNvPr id="7" name="Slide Number Placeholder 6"/>
+          <p:cNvPr id="7" name="Espace réservé du numéro de diapositive 6"/>
           <p:cNvSpPr>
             <a:spLocks noGrp="1"/>
           </p:cNvSpPr>
@@ -7811,58 +7944,115 @@
       </p:sp>
       <p:sp>
         <p:nvSpPr>
-          <p:cNvPr id="9" name="Content Placeholder 8"/>
+          <p:cNvPr id="9" name="Espace réservé du contenu 8"/>
           <p:cNvSpPr>
             <a:spLocks noGrp="1"/>
           </p:cNvSpPr>
           <p:nvPr>
-            <p:ph sz="quarter" idx="13"/>
+            <p:ph sz="quarter" idx="1"/>
           </p:nvPr>
         </p:nvSpPr>
         <p:spPr>
           <a:xfrm>
-            <a:off x="365760" y="1600200"/>
-            <a:ext cx="4041648" cy="4526280"/>
+            <a:off x="914400" y="1447800"/>
+            <a:ext cx="3749040" cy="4572000"/>
           </a:xfrm>
         </p:spPr>
         <p:txBody>
-          <a:bodyPr/>
+          <a:bodyPr vert="horz"/>
           <a:lstStyle/>
           <a:p>
-            <a:pPr lvl="0"/>
+            <a:pPr lvl="0" eaLnBrk="1" latinLnBrk="0" hangingPunct="1"/>
             <a:r>
               <a:rPr lang="fr-FR" smtClean="0"/>
               <a:t>Modifiez les styles du texte du masque</a:t>
             </a:r>
           </a:p>
           <a:p>
-            <a:pPr lvl="1"/>
+            <a:pPr lvl="1" eaLnBrk="1" latinLnBrk="0" hangingPunct="1"/>
             <a:r>
               <a:rPr lang="fr-FR" smtClean="0"/>
               <a:t>Deuxième niveau</a:t>
             </a:r>
           </a:p>
           <a:p>
-            <a:pPr lvl="2"/>
+            <a:pPr lvl="2" eaLnBrk="1" latinLnBrk="0" hangingPunct="1"/>
             <a:r>
               <a:rPr lang="fr-FR" smtClean="0"/>
               <a:t>Troisième niveau</a:t>
             </a:r>
           </a:p>
           <a:p>
-            <a:pPr lvl="3"/>
+            <a:pPr lvl="3" eaLnBrk="1" latinLnBrk="0" hangingPunct="1"/>
             <a:r>
               <a:rPr lang="fr-FR" smtClean="0"/>
               <a:t>Quatrième niveau</a:t>
             </a:r>
           </a:p>
           <a:p>
-            <a:pPr lvl="4"/>
+            <a:pPr lvl="4" eaLnBrk="1" latinLnBrk="0" hangingPunct="1"/>
             <a:r>
               <a:rPr lang="fr-FR" smtClean="0"/>
               <a:t>Cinquième niveau</a:t>
             </a:r>
-            <a:endParaRPr lang="en-US"/>
+            <a:endParaRPr kumimoji="0" lang="en-US"/>
+          </a:p>
+        </p:txBody>
+      </p:sp>
+      <p:sp>
+        <p:nvSpPr>
+          <p:cNvPr id="11" name="Espace réservé du contenu 10"/>
+          <p:cNvSpPr>
+            <a:spLocks noGrp="1"/>
+          </p:cNvSpPr>
+          <p:nvPr>
+            <p:ph sz="quarter" idx="2"/>
+          </p:nvPr>
+        </p:nvSpPr>
+        <p:spPr>
+          <a:xfrm>
+            <a:off x="4933950" y="1447800"/>
+            <a:ext cx="3749040" cy="4572000"/>
+          </a:xfrm>
+        </p:spPr>
+        <p:txBody>
+          <a:bodyPr vert="horz"/>
+          <a:lstStyle/>
+          <a:p>
+            <a:pPr lvl="0" eaLnBrk="1" latinLnBrk="0" hangingPunct="1"/>
+            <a:r>
+              <a:rPr lang="fr-FR" smtClean="0"/>
+              <a:t>Modifiez les styles du texte du masque</a:t>
+            </a:r>
+          </a:p>
+          <a:p>
+            <a:pPr lvl="1" eaLnBrk="1" latinLnBrk="0" hangingPunct="1"/>
+            <a:r>
+              <a:rPr lang="fr-FR" smtClean="0"/>
+              <a:t>Deuxième niveau</a:t>
+            </a:r>
+          </a:p>
+          <a:p>
+            <a:pPr lvl="2" eaLnBrk="1" latinLnBrk="0" hangingPunct="1"/>
+            <a:r>
+              <a:rPr lang="fr-FR" smtClean="0"/>
+              <a:t>Troisième niveau</a:t>
+            </a:r>
+          </a:p>
+          <a:p>
+            <a:pPr lvl="3" eaLnBrk="1" latinLnBrk="0" hangingPunct="1"/>
+            <a:r>
+              <a:rPr lang="fr-FR" smtClean="0"/>
+              <a:t>Quatrième niveau</a:t>
+            </a:r>
+          </a:p>
+          <a:p>
+            <a:pPr lvl="4" eaLnBrk="1" latinLnBrk="0" hangingPunct="1"/>
+            <a:r>
+              <a:rPr lang="fr-FR" smtClean="0"/>
+              <a:t>Cinquième niveau</a:t>
+            </a:r>
+            <a:endParaRPr kumimoji="0" lang="en-US"/>
           </a:p>
         </p:txBody>
       </p:sp>
@@ -7893,7 +8083,7 @@
       </p:grpSpPr>
       <p:sp>
         <p:nvSpPr>
-          <p:cNvPr id="2" name="Title 1"/>
+          <p:cNvPr id="2" name="Titre 1"/>
           <p:cNvSpPr>
             <a:spLocks noGrp="1"/>
           </p:cNvSpPr>
@@ -7901,9 +8091,14 @@
             <p:ph type="title"/>
           </p:nvPr>
         </p:nvSpPr>
-        <p:spPr/>
+        <p:spPr>
+          <a:xfrm>
+            <a:off x="914400" y="273050"/>
+            <a:ext cx="7772400" cy="1143000"/>
+          </a:xfrm>
+        </p:spPr>
         <p:txBody>
-          <a:bodyPr/>
+          <a:bodyPr anchor="b" anchorCtr="0"/>
           <a:lstStyle>
             <a:lvl1pPr>
               <a:defRPr/>
@@ -7911,16 +8106,16 @@
           </a:lstStyle>
           <a:p>
             <a:r>
-              <a:rPr lang="fr-FR" smtClean="0"/>
+              <a:rPr kumimoji="0" lang="fr-FR" smtClean="0"/>
               <a:t>Modifiez le style du titre</a:t>
             </a:r>
-            <a:endParaRPr lang="en-US"/>
+            <a:endParaRPr kumimoji="0" lang="en-US"/>
           </a:p>
         </p:txBody>
       </p:sp>
       <p:sp>
         <p:nvSpPr>
-          <p:cNvPr id="3" name="Text Placeholder 2"/>
+          <p:cNvPr id="3" name="Espace réservé du texte 2"/>
           <p:cNvSpPr>
             <a:spLocks noGrp="1"/>
           </p:cNvSpPr>
@@ -7930,56 +8125,52 @@
         </p:nvSpPr>
         <p:spPr>
           <a:xfrm>
-            <a:off x="457200" y="1600200"/>
-            <a:ext cx="4040188" cy="609600"/>
+            <a:off x="914400" y="1447800"/>
+            <a:ext cx="3733800" cy="762000"/>
           </a:xfrm>
+          <a:noFill/>
+          <a:ln w="12700" cap="sq" cmpd="sng" algn="ctr">
+            <a:noFill/>
+            <a:prstDash val="solid"/>
+          </a:ln>
         </p:spPr>
         <p:txBody>
-          <a:bodyPr anchor="b">
+          <a:bodyPr lIns="91440" anchor="b" anchorCtr="0">
             <a:noAutofit/>
           </a:bodyPr>
           <a:lstStyle>
-            <a:lvl1pPr marL="0" indent="0" algn="ctr">
+            <a:lvl1pPr marL="0" indent="0">
               <a:buNone/>
-              <a:defRPr sz="2400" b="0"/>
+              <a:defRPr sz="2400" b="1">
+                <a:solidFill>
+                  <a:schemeClr val="accent1"/>
+                </a:solidFill>
+                <a:latin typeface="+mj-lt"/>
+                <a:ea typeface="+mj-ea"/>
+                <a:cs typeface="+mj-cs"/>
+              </a:defRPr>
             </a:lvl1pPr>
-            <a:lvl2pPr marL="457200" indent="0">
+            <a:lvl2pPr>
               <a:buNone/>
               <a:defRPr sz="2000" b="1"/>
             </a:lvl2pPr>
-            <a:lvl3pPr marL="914400" indent="0">
+            <a:lvl3pPr>
               <a:buNone/>
               <a:defRPr sz="1800" b="1"/>
             </a:lvl3pPr>
-            <a:lvl4pPr marL="1371600" indent="0">
+            <a:lvl4pPr>
               <a:buNone/>
               <a:defRPr sz="1600" b="1"/>
             </a:lvl4pPr>
-            <a:lvl5pPr marL="1828800" indent="0">
+            <a:lvl5pPr>
               <a:buNone/>
               <a:defRPr sz="1600" b="1"/>
             </a:lvl5pPr>
-            <a:lvl6pPr marL="2286000" indent="0">
-              <a:buNone/>
-              <a:defRPr sz="1600" b="1"/>
-            </a:lvl6pPr>
-            <a:lvl7pPr marL="2743200" indent="0">
-              <a:buNone/>
-              <a:defRPr sz="1600" b="1"/>
-            </a:lvl7pPr>
-            <a:lvl8pPr marL="3200400" indent="0">
-              <a:buNone/>
-              <a:defRPr sz="1600" b="1"/>
-            </a:lvl8pPr>
-            <a:lvl9pPr marL="3657600" indent="0">
-              <a:buNone/>
-              <a:defRPr sz="1600" b="1"/>
-            </a:lvl9pPr>
           </a:lstStyle>
           <a:p>
-            <a:pPr lvl="0"/>
-            <a:r>
-              <a:rPr lang="fr-FR" smtClean="0"/>
+            <a:pPr lvl="0" eaLnBrk="1" latinLnBrk="0" hangingPunct="1"/>
+            <a:r>
+              <a:rPr kumimoji="0" lang="fr-FR" smtClean="0"/>
               <a:t>Modifiez les styles du texte du masque</a:t>
             </a:r>
           </a:p>
@@ -7987,66 +8178,62 @@
       </p:sp>
       <p:sp>
         <p:nvSpPr>
-          <p:cNvPr id="5" name="Text Placeholder 4"/>
+          <p:cNvPr id="4" name="Espace réservé du texte 3"/>
           <p:cNvSpPr>
             <a:spLocks noGrp="1"/>
           </p:cNvSpPr>
           <p:nvPr>
-            <p:ph type="body" sz="quarter" idx="3"/>
+            <p:ph type="body" sz="half" idx="3"/>
           </p:nvPr>
         </p:nvSpPr>
         <p:spPr>
           <a:xfrm>
-            <a:off x="4648200" y="1600200"/>
-            <a:ext cx="4041775" cy="609600"/>
+            <a:off x="4953000" y="1447800"/>
+            <a:ext cx="3733800" cy="762000"/>
           </a:xfrm>
+          <a:noFill/>
+          <a:ln w="12700" cap="sq" cmpd="sng" algn="ctr">
+            <a:noFill/>
+            <a:prstDash val="solid"/>
+          </a:ln>
         </p:spPr>
         <p:txBody>
-          <a:bodyPr anchor="b">
+          <a:bodyPr lIns="91440" anchor="b" anchorCtr="0">
             <a:noAutofit/>
           </a:bodyPr>
           <a:lstStyle>
-            <a:lvl1pPr marL="0" indent="0" algn="ctr">
+            <a:lvl1pPr marL="0" indent="0">
               <a:buNone/>
-              <a:defRPr sz="2400" b="0"/>
+              <a:defRPr sz="2400" b="1">
+                <a:solidFill>
+                  <a:schemeClr val="accent1"/>
+                </a:solidFill>
+                <a:latin typeface="+mj-lt"/>
+                <a:ea typeface="+mj-ea"/>
+                <a:cs typeface="+mj-cs"/>
+              </a:defRPr>
             </a:lvl1pPr>
-            <a:lvl2pPr marL="457200" indent="0">
+            <a:lvl2pPr>
               <a:buNone/>
               <a:defRPr sz="2000" b="1"/>
             </a:lvl2pPr>
-            <a:lvl3pPr marL="914400" indent="0">
+            <a:lvl3pPr>
               <a:buNone/>
               <a:defRPr sz="1800" b="1"/>
             </a:lvl3pPr>
-            <a:lvl4pPr marL="1371600" indent="0">
+            <a:lvl4pPr>
               <a:buNone/>
               <a:defRPr sz="1600" b="1"/>
             </a:lvl4pPr>
-            <a:lvl5pPr marL="1828800" indent="0">
+            <a:lvl5pPr>
               <a:buNone/>
               <a:defRPr sz="1600" b="1"/>
             </a:lvl5pPr>
-            <a:lvl6pPr marL="2286000" indent="0">
-              <a:buNone/>
-              <a:defRPr sz="1600" b="1"/>
-            </a:lvl6pPr>
-            <a:lvl7pPr marL="2743200" indent="0">
-              <a:buNone/>
-              <a:defRPr sz="1600" b="1"/>
-            </a:lvl7pPr>
-            <a:lvl8pPr marL="3200400" indent="0">
-              <a:buNone/>
-              <a:defRPr sz="1600" b="1"/>
-            </a:lvl8pPr>
-            <a:lvl9pPr marL="3657600" indent="0">
-              <a:buNone/>
-              <a:defRPr sz="1600" b="1"/>
-            </a:lvl9pPr>
           </a:lstStyle>
           <a:p>
-            <a:pPr lvl="0"/>
-            <a:r>
-              <a:rPr lang="fr-FR" smtClean="0"/>
+            <a:pPr lvl="0" eaLnBrk="1" latinLnBrk="0" hangingPunct="1"/>
+            <a:r>
+              <a:rPr kumimoji="0" lang="fr-FR" smtClean="0"/>
               <a:t>Modifiez les styles du texte du masque</a:t>
             </a:r>
           </a:p>
@@ -8054,7 +8241,7 @@
       </p:sp>
       <p:sp>
         <p:nvSpPr>
-          <p:cNvPr id="7" name="Date Placeholder 6"/>
+          <p:cNvPr id="7" name="Espace réservé de la date 6"/>
           <p:cNvSpPr>
             <a:spLocks noGrp="1"/>
           </p:cNvSpPr>
@@ -8067,9 +8254,9 @@
           <a:bodyPr/>
           <a:lstStyle/>
           <a:p>
-            <a:fld id="{E0536AEA-6BA5-4F12-80C0-AAF5B3EBFB98}" type="datetime1">
+            <a:fld id="{F53D1889-12E2-4B2F-A007-C79FC00FDFD8}" type="datetime1">
               <a:rPr lang="fr-FR" smtClean="0"/>
-              <a:t>10/11/2014</a:t>
+              <a:t>17/11/2014</a:t>
             </a:fld>
             <a:endParaRPr lang="fr-FR"/>
           </a:p>
@@ -8077,7 +8264,7 @@
       </p:sp>
       <p:sp>
         <p:nvSpPr>
-          <p:cNvPr id="8" name="Footer Placeholder 7"/>
+          <p:cNvPr id="8" name="Espace réservé du pied de page 7"/>
           <p:cNvSpPr>
             <a:spLocks noGrp="1"/>
           </p:cNvSpPr>
@@ -8096,7 +8283,7 @@
       </p:sp>
       <p:sp>
         <p:nvSpPr>
-          <p:cNvPr id="9" name="Slide Number Placeholder 8"/>
+          <p:cNvPr id="9" name="Espace réservé du numéro de diapositive 8"/>
           <p:cNvSpPr>
             <a:spLocks noGrp="1"/>
           </p:cNvSpPr>
@@ -8120,115 +8307,115 @@
       </p:sp>
       <p:sp>
         <p:nvSpPr>
-          <p:cNvPr id="11" name="Content Placeholder 10"/>
+          <p:cNvPr id="11" name="Espace réservé du contenu 10"/>
           <p:cNvSpPr>
             <a:spLocks noGrp="1"/>
           </p:cNvSpPr>
           <p:nvPr>
-            <p:ph sz="quarter" idx="13"/>
+            <p:ph sz="half" idx="2"/>
           </p:nvPr>
         </p:nvSpPr>
         <p:spPr>
           <a:xfrm>
-            <a:off x="457200" y="2212848"/>
-            <a:ext cx="4041648" cy="3913632"/>
+            <a:off x="914400" y="2247900"/>
+            <a:ext cx="3733800" cy="3886200"/>
           </a:xfrm>
         </p:spPr>
         <p:txBody>
-          <a:bodyPr/>
+          <a:bodyPr vert="horz"/>
           <a:lstStyle/>
           <a:p>
-            <a:pPr lvl="0"/>
+            <a:pPr lvl="0" eaLnBrk="1" latinLnBrk="0" hangingPunct="1"/>
             <a:r>
               <a:rPr lang="fr-FR" smtClean="0"/>
               <a:t>Modifiez les styles du texte du masque</a:t>
             </a:r>
           </a:p>
           <a:p>
-            <a:pPr lvl="1"/>
+            <a:pPr lvl="1" eaLnBrk="1" latinLnBrk="0" hangingPunct="1"/>
             <a:r>
               <a:rPr lang="fr-FR" smtClean="0"/>
               <a:t>Deuxième niveau</a:t>
             </a:r>
           </a:p>
           <a:p>
-            <a:pPr lvl="2"/>
+            <a:pPr lvl="2" eaLnBrk="1" latinLnBrk="0" hangingPunct="1"/>
             <a:r>
               <a:rPr lang="fr-FR" smtClean="0"/>
               <a:t>Troisième niveau</a:t>
             </a:r>
           </a:p>
           <a:p>
-            <a:pPr lvl="3"/>
+            <a:pPr lvl="3" eaLnBrk="1" latinLnBrk="0" hangingPunct="1"/>
             <a:r>
               <a:rPr lang="fr-FR" smtClean="0"/>
               <a:t>Quatrième niveau</a:t>
             </a:r>
           </a:p>
           <a:p>
-            <a:pPr lvl="4"/>
+            <a:pPr lvl="4" eaLnBrk="1" latinLnBrk="0" hangingPunct="1"/>
             <a:r>
               <a:rPr lang="fr-FR" smtClean="0"/>
               <a:t>Cinquième niveau</a:t>
             </a:r>
-            <a:endParaRPr lang="en-US" dirty="0"/>
+            <a:endParaRPr kumimoji="0" lang="en-US"/>
           </a:p>
         </p:txBody>
       </p:sp>
       <p:sp>
         <p:nvSpPr>
-          <p:cNvPr id="13" name="Content Placeholder 12"/>
+          <p:cNvPr id="13" name="Espace réservé du contenu 12"/>
           <p:cNvSpPr>
             <a:spLocks noGrp="1"/>
           </p:cNvSpPr>
           <p:nvPr>
-            <p:ph sz="quarter" idx="14"/>
+            <p:ph sz="half" idx="4"/>
           </p:nvPr>
         </p:nvSpPr>
         <p:spPr>
           <a:xfrm>
-            <a:off x="4672584" y="2212848"/>
-            <a:ext cx="4041648" cy="3913187"/>
+            <a:off x="4953000" y="2247900"/>
+            <a:ext cx="3733800" cy="3886200"/>
           </a:xfrm>
         </p:spPr>
         <p:txBody>
-          <a:bodyPr/>
+          <a:bodyPr vert="horz"/>
           <a:lstStyle/>
           <a:p>
-            <a:pPr lvl="0"/>
+            <a:pPr lvl="0" eaLnBrk="1" latinLnBrk="0" hangingPunct="1"/>
             <a:r>
               <a:rPr lang="fr-FR" smtClean="0"/>
               <a:t>Modifiez les styles du texte du masque</a:t>
             </a:r>
           </a:p>
           <a:p>
-            <a:pPr lvl="1"/>
+            <a:pPr lvl="1" eaLnBrk="1" latinLnBrk="0" hangingPunct="1"/>
             <a:r>
               <a:rPr lang="fr-FR" smtClean="0"/>
               <a:t>Deuxième niveau</a:t>
             </a:r>
           </a:p>
           <a:p>
-            <a:pPr lvl="2"/>
+            <a:pPr lvl="2" eaLnBrk="1" latinLnBrk="0" hangingPunct="1"/>
             <a:r>
               <a:rPr lang="fr-FR" smtClean="0"/>
               <a:t>Troisième niveau</a:t>
             </a:r>
           </a:p>
           <a:p>
-            <a:pPr lvl="3"/>
+            <a:pPr lvl="3" eaLnBrk="1" latinLnBrk="0" hangingPunct="1"/>
             <a:r>
               <a:rPr lang="fr-FR" smtClean="0"/>
               <a:t>Quatrième niveau</a:t>
             </a:r>
           </a:p>
           <a:p>
-            <a:pPr lvl="4"/>
+            <a:pPr lvl="4" eaLnBrk="1" latinLnBrk="0" hangingPunct="1"/>
             <a:r>
               <a:rPr lang="fr-FR" smtClean="0"/>
               <a:t>Cinquième niveau</a:t>
             </a:r>
-            <a:endParaRPr lang="en-US" dirty="0"/>
+            <a:endParaRPr kumimoji="0" lang="en-US"/>
           </a:p>
         </p:txBody>
       </p:sp>
@@ -8259,7 +8446,7 @@
       </p:grpSpPr>
       <p:sp>
         <p:nvSpPr>
-          <p:cNvPr id="2" name="Title 1"/>
+          <p:cNvPr id="2" name="Titre 1"/>
           <p:cNvSpPr>
             <a:spLocks noGrp="1"/>
           </p:cNvSpPr>
@@ -8273,16 +8460,16 @@
           <a:lstStyle/>
           <a:p>
             <a:r>
-              <a:rPr lang="fr-FR" smtClean="0"/>
+              <a:rPr kumimoji="0" lang="fr-FR" smtClean="0"/>
               <a:t>Modifiez le style du titre</a:t>
             </a:r>
-            <a:endParaRPr lang="en-US" dirty="0"/>
+            <a:endParaRPr kumimoji="0" lang="en-US"/>
           </a:p>
         </p:txBody>
       </p:sp>
       <p:sp>
         <p:nvSpPr>
-          <p:cNvPr id="3" name="Date Placeholder 2"/>
+          <p:cNvPr id="3" name="Espace réservé de la date 2"/>
           <p:cNvSpPr>
             <a:spLocks noGrp="1"/>
           </p:cNvSpPr>
@@ -8295,9 +8482,9 @@
           <a:bodyPr/>
           <a:lstStyle/>
           <a:p>
-            <a:fld id="{7B7AF469-D51D-484F-9D4B-B12C4DBACA68}" type="datetime1">
+            <a:fld id="{507A5206-0619-42FB-96E5-3137984AC47A}" type="datetime1">
               <a:rPr lang="fr-FR" smtClean="0"/>
-              <a:t>10/11/2014</a:t>
+              <a:t>17/11/2014</a:t>
             </a:fld>
             <a:endParaRPr lang="fr-FR"/>
           </a:p>
@@ -8305,7 +8492,7 @@
       </p:sp>
       <p:sp>
         <p:nvSpPr>
-          <p:cNvPr id="4" name="Footer Placeholder 3"/>
+          <p:cNvPr id="4" name="Espace réservé du pied de page 3"/>
           <p:cNvSpPr>
             <a:spLocks noGrp="1"/>
           </p:cNvSpPr>
@@ -8324,7 +8511,7 @@
       </p:sp>
       <p:sp>
         <p:nvSpPr>
-          <p:cNvPr id="5" name="Slide Number Placeholder 4"/>
+          <p:cNvPr id="5" name="Espace réservé du numéro de diapositive 4"/>
           <p:cNvSpPr>
             <a:spLocks noGrp="1"/>
           </p:cNvSpPr>
@@ -8373,7 +8560,7 @@
       </p:grpSpPr>
       <p:sp>
         <p:nvSpPr>
-          <p:cNvPr id="2" name="Date Placeholder 1"/>
+          <p:cNvPr id="2" name="Espace réservé de la date 1"/>
           <p:cNvSpPr>
             <a:spLocks noGrp="1"/>
           </p:cNvSpPr>
@@ -8386,9 +8573,9 @@
           <a:bodyPr/>
           <a:lstStyle/>
           <a:p>
-            <a:fld id="{0814EC25-15CE-429B-9446-EEE724E00721}" type="datetime1">
+            <a:fld id="{0D3734FC-6126-40DE-9F53-ADBD9695A324}" type="datetime1">
               <a:rPr lang="fr-FR" smtClean="0"/>
-              <a:t>10/11/2014</a:t>
+              <a:t>17/11/2014</a:t>
             </a:fld>
             <a:endParaRPr lang="fr-FR"/>
           </a:p>
@@ -8396,7 +8583,7 @@
       </p:sp>
       <p:sp>
         <p:nvSpPr>
-          <p:cNvPr id="3" name="Footer Placeholder 2"/>
+          <p:cNvPr id="3" name="Espace réservé du pied de page 2"/>
           <p:cNvSpPr>
             <a:spLocks noGrp="1"/>
           </p:cNvSpPr>
@@ -8415,7 +8602,7 @@
       </p:sp>
       <p:sp>
         <p:nvSpPr>
-          <p:cNvPr id="4" name="Slide Number Placeholder 3"/>
+          <p:cNvPr id="4" name="Espace réservé du numéro de diapositive 3"/>
           <p:cNvSpPr>
             <a:spLocks noGrp="1"/>
           </p:cNvSpPr>
@@ -8464,7 +8651,102 @@
       </p:grpSpPr>
       <p:sp>
         <p:nvSpPr>
-          <p:cNvPr id="2" name="Title 1"/>
+          <p:cNvPr id="8" name="Rectangle 7"/>
+          <p:cNvSpPr/>
+          <p:nvPr/>
+        </p:nvSpPr>
+        <p:spPr>
+          <a:xfrm>
+            <a:off x="0" y="0"/>
+            <a:ext cx="9144000" cy="6858000"/>
+          </a:xfrm>
+          <a:prstGeom prst="rect">
+            <a:avLst/>
+          </a:prstGeom>
+          <a:solidFill>
+            <a:srgbClr val="FFFFFF"/>
+          </a:solidFill>
+          <a:ln w="19050" cap="sq" cmpd="sng" algn="ctr">
+            <a:noFill/>
+            <a:prstDash val="solid"/>
+          </a:ln>
+          <a:effectLst/>
+        </p:spPr>
+        <p:style>
+          <a:lnRef idx="3">
+            <a:schemeClr val="lt1"/>
+          </a:lnRef>
+          <a:fillRef idx="1">
+            <a:schemeClr val="accent1"/>
+          </a:fillRef>
+          <a:effectRef idx="1">
+            <a:schemeClr val="accent1"/>
+          </a:effectRef>
+          <a:fontRef idx="minor">
+            <a:schemeClr val="lt1"/>
+          </a:fontRef>
+        </p:style>
+        <p:txBody>
+          <a:bodyPr anchor="ctr"/>
+          <a:lstStyle/>
+          <a:p>
+            <a:pPr algn="ctr" eaLnBrk="1" latinLnBrk="0" hangingPunct="1"/>
+            <a:endParaRPr kumimoji="0" lang="en-US"/>
+          </a:p>
+        </p:txBody>
+      </p:sp>
+      <p:sp useBgFill="1">
+        <p:nvSpPr>
+          <p:cNvPr id="9" name="Rectangle à coins arrondis 8"/>
+          <p:cNvSpPr/>
+          <p:nvPr/>
+        </p:nvSpPr>
+        <p:spPr>
+          <a:xfrm>
+            <a:off x="64008" y="69755"/>
+            <a:ext cx="9013372" cy="6693408"/>
+          </a:xfrm>
+          <a:prstGeom prst="roundRect">
+            <a:avLst>
+              <a:gd name="adj" fmla="val 4929"/>
+            </a:avLst>
+          </a:prstGeom>
+          <a:ln w="6350" cap="sq" cmpd="sng" algn="ctr">
+            <a:solidFill>
+              <a:schemeClr val="tx1">
+                <a:alpha val="100000"/>
+              </a:schemeClr>
+            </a:solidFill>
+            <a:prstDash val="solid"/>
+          </a:ln>
+          <a:effectLst/>
+        </p:spPr>
+        <p:style>
+          <a:lnRef idx="3">
+            <a:schemeClr val="lt1"/>
+          </a:lnRef>
+          <a:fillRef idx="1001">
+            <a:schemeClr val="lt1"/>
+          </a:fillRef>
+          <a:effectRef idx="1">
+            <a:schemeClr val="accent1"/>
+          </a:effectRef>
+          <a:fontRef idx="minor">
+            <a:schemeClr val="lt1"/>
+          </a:fontRef>
+        </p:style>
+        <p:txBody>
+          <a:bodyPr anchor="ctr"/>
+          <a:lstStyle/>
+          <a:p>
+            <a:pPr algn="ctr" eaLnBrk="1" latinLnBrk="0" hangingPunct="1"/>
+            <a:endParaRPr kumimoji="0" lang="en-US"/>
+          </a:p>
+        </p:txBody>
+      </p:sp>
+      <p:sp>
+        <p:nvSpPr>
+          <p:cNvPr id="2" name="Titre 1"/>
           <p:cNvSpPr>
             <a:spLocks noGrp="1"/>
           </p:cNvSpPr>
@@ -8474,195 +8756,79 @@
         </p:nvSpPr>
         <p:spPr>
           <a:xfrm>
-            <a:off x="5907087" y="266700"/>
-            <a:ext cx="3008313" cy="2095500"/>
+            <a:off x="914400" y="273050"/>
+            <a:ext cx="7772400" cy="1143000"/>
           </a:xfrm>
         </p:spPr>
         <p:txBody>
-          <a:bodyPr anchor="b"/>
+          <a:bodyPr anchor="b" anchorCtr="0"/>
           <a:lstStyle>
-            <a:lvl1pPr algn="ctr">
-              <a:lnSpc>
-                <a:spcPct val="100000"/>
-              </a:lnSpc>
-              <a:defRPr sz="2800" b="0">
-                <a:effectLst>
-                  <a:outerShdw blurRad="50800" dist="25400" dir="5400000" algn="t" rotWithShape="0">
-                    <a:prstClr val="black">
-                      <a:alpha val="25000"/>
-                    </a:prstClr>
-                  </a:outerShdw>
-                </a:effectLst>
-              </a:defRPr>
+            <a:lvl1pPr algn="l">
+              <a:buNone/>
+              <a:defRPr sz="4000" b="0"/>
             </a:lvl1pPr>
           </a:lstStyle>
           <a:p>
             <a:r>
-              <a:rPr lang="fr-FR" smtClean="0"/>
+              <a:rPr kumimoji="0" lang="fr-FR" smtClean="0"/>
               <a:t>Modifiez le style du titre</a:t>
             </a:r>
-            <a:endParaRPr lang="en-US" dirty="0"/>
+            <a:endParaRPr kumimoji="0" lang="en-US"/>
           </a:p>
         </p:txBody>
       </p:sp>
       <p:sp>
         <p:nvSpPr>
-          <p:cNvPr id="3" name="Content Placeholder 2"/>
+          <p:cNvPr id="3" name="Espace réservé du texte 2"/>
           <p:cNvSpPr>
             <a:spLocks noGrp="1"/>
           </p:cNvSpPr>
           <p:nvPr>
-            <p:ph idx="1"/>
+            <p:ph type="body" idx="2"/>
           </p:nvPr>
         </p:nvSpPr>
         <p:spPr>
           <a:xfrm>
-            <a:off x="719137" y="273050"/>
-            <a:ext cx="4995863" cy="5853113"/>
+            <a:off x="914400" y="1600200"/>
+            <a:ext cx="1905000" cy="4495800"/>
           </a:xfrm>
         </p:spPr>
         <p:txBody>
           <a:bodyPr/>
           <a:lstStyle>
-            <a:lvl1pPr>
-              <a:defRPr sz="3200"/>
+            <a:lvl1pPr marL="0" indent="0">
+              <a:buNone/>
+              <a:defRPr sz="1800"/>
             </a:lvl1pPr>
             <a:lvl2pPr>
-              <a:defRPr sz="2800"/>
+              <a:buNone/>
+              <a:defRPr sz="1200"/>
             </a:lvl2pPr>
             <a:lvl3pPr>
-              <a:defRPr sz="2400"/>
+              <a:buNone/>
+              <a:defRPr sz="1000"/>
             </a:lvl3pPr>
             <a:lvl4pPr>
-              <a:defRPr sz="2000"/>
+              <a:buNone/>
+              <a:defRPr sz="900"/>
             </a:lvl4pPr>
             <a:lvl5pPr>
-              <a:defRPr sz="2000"/>
+              <a:buNone/>
+              <a:defRPr sz="900"/>
             </a:lvl5pPr>
-            <a:lvl6pPr>
-              <a:defRPr sz="2000"/>
-            </a:lvl6pPr>
-            <a:lvl7pPr>
-              <a:defRPr sz="2000"/>
-            </a:lvl7pPr>
-            <a:lvl8pPr>
-              <a:defRPr sz="2000"/>
-            </a:lvl8pPr>
-            <a:lvl9pPr>
-              <a:defRPr sz="2000"/>
-            </a:lvl9pPr>
           </a:lstStyle>
           <a:p>
-            <a:pPr lvl="0"/>
-            <a:r>
-              <a:rPr lang="fr-FR" smtClean="0"/>
+            <a:pPr lvl="0" eaLnBrk="1" latinLnBrk="0" hangingPunct="1"/>
+            <a:r>
+              <a:rPr kumimoji="0" lang="fr-FR" smtClean="0"/>
               <a:t>Modifiez les styles du texte du masque</a:t>
             </a:r>
-          </a:p>
-          <a:p>
-            <a:pPr lvl="1"/>
-            <a:r>
-              <a:rPr lang="fr-FR" smtClean="0"/>
-              <a:t>Deuxième niveau</a:t>
-            </a:r>
-          </a:p>
-          <a:p>
-            <a:pPr lvl="2"/>
-            <a:r>
-              <a:rPr lang="fr-FR" smtClean="0"/>
-              <a:t>Troisième niveau</a:t>
-            </a:r>
-          </a:p>
-          <a:p>
-            <a:pPr lvl="3"/>
-            <a:r>
-              <a:rPr lang="fr-FR" smtClean="0"/>
-              <a:t>Quatrième niveau</a:t>
-            </a:r>
-          </a:p>
-          <a:p>
-            <a:pPr lvl="4"/>
-            <a:r>
-              <a:rPr lang="fr-FR" smtClean="0"/>
-              <a:t>Cinquième niveau</a:t>
-            </a:r>
-            <a:endParaRPr lang="en-US" dirty="0"/>
           </a:p>
         </p:txBody>
       </p:sp>
       <p:sp>
         <p:nvSpPr>
-          <p:cNvPr id="4" name="Text Placeholder 3"/>
-          <p:cNvSpPr>
-            <a:spLocks noGrp="1"/>
-          </p:cNvSpPr>
-          <p:nvPr>
-            <p:ph type="body" sz="half" idx="2"/>
-          </p:nvPr>
-        </p:nvSpPr>
-        <p:spPr>
-          <a:xfrm>
-            <a:off x="5907087" y="2438400"/>
-            <a:ext cx="3008313" cy="3687763"/>
-          </a:xfrm>
-        </p:spPr>
-        <p:txBody>
-          <a:bodyPr>
-            <a:normAutofit/>
-          </a:bodyPr>
-          <a:lstStyle>
-            <a:lvl1pPr marL="0" indent="0" algn="ctr">
-              <a:lnSpc>
-                <a:spcPct val="125000"/>
-              </a:lnSpc>
-              <a:buNone/>
-              <a:defRPr sz="1600"/>
-            </a:lvl1pPr>
-            <a:lvl2pPr marL="457200" indent="0">
-              <a:buNone/>
-              <a:defRPr sz="1200"/>
-            </a:lvl2pPr>
-            <a:lvl3pPr marL="914400" indent="0">
-              <a:buNone/>
-              <a:defRPr sz="1000"/>
-            </a:lvl3pPr>
-            <a:lvl4pPr marL="1371600" indent="0">
-              <a:buNone/>
-              <a:defRPr sz="900"/>
-            </a:lvl4pPr>
-            <a:lvl5pPr marL="1828800" indent="0">
-              <a:buNone/>
-              <a:defRPr sz="900"/>
-            </a:lvl5pPr>
-            <a:lvl6pPr marL="2286000" indent="0">
-              <a:buNone/>
-              <a:defRPr sz="900"/>
-            </a:lvl6pPr>
-            <a:lvl7pPr marL="2743200" indent="0">
-              <a:buNone/>
-              <a:defRPr sz="900"/>
-            </a:lvl7pPr>
-            <a:lvl8pPr marL="3200400" indent="0">
-              <a:buNone/>
-              <a:defRPr sz="900"/>
-            </a:lvl8pPr>
-            <a:lvl9pPr marL="3657600" indent="0">
-              <a:buNone/>
-              <a:defRPr sz="900"/>
-            </a:lvl9pPr>
-          </a:lstStyle>
-          <a:p>
-            <a:pPr lvl="0"/>
-            <a:r>
-              <a:rPr lang="fr-FR" smtClean="0"/>
-              <a:t>Modifiez les styles du texte du masque</a:t>
-            </a:r>
-          </a:p>
-        </p:txBody>
-      </p:sp>
-      <p:sp>
-        <p:nvSpPr>
-          <p:cNvPr id="5" name="Date Placeholder 4"/>
+          <p:cNvPr id="5" name="Espace réservé de la date 4"/>
           <p:cNvSpPr>
             <a:spLocks noGrp="1"/>
           </p:cNvSpPr>
@@ -8675,9 +8841,9 @@
           <a:bodyPr/>
           <a:lstStyle/>
           <a:p>
-            <a:fld id="{7EC191FC-97A7-4F8C-A33F-E2989F5DDF2F}" type="datetime1">
+            <a:fld id="{6D0C46B6-5E63-4B0A-9BFD-796CBFA660A4}" type="datetime1">
               <a:rPr lang="fr-FR" smtClean="0"/>
-              <a:t>10/11/2014</a:t>
+              <a:t>17/11/2014</a:t>
             </a:fld>
             <a:endParaRPr lang="fr-FR"/>
           </a:p>
@@ -8685,7 +8851,7 @@
       </p:sp>
       <p:sp>
         <p:nvSpPr>
-          <p:cNvPr id="6" name="Footer Placeholder 5"/>
+          <p:cNvPr id="6" name="Espace réservé du pied de page 5"/>
           <p:cNvSpPr>
             <a:spLocks noGrp="1"/>
           </p:cNvSpPr>
@@ -8704,7 +8870,7 @@
       </p:sp>
       <p:sp>
         <p:nvSpPr>
-          <p:cNvPr id="7" name="Slide Number Placeholder 6"/>
+          <p:cNvPr id="7" name="Espace réservé du numéro de diapositive 6"/>
           <p:cNvSpPr>
             <a:spLocks noGrp="1"/>
           </p:cNvSpPr>
@@ -8723,6 +8889,63 @@
               <a:t>‹N°›</a:t>
             </a:fld>
             <a:endParaRPr lang="fr-FR"/>
+          </a:p>
+        </p:txBody>
+      </p:sp>
+      <p:sp>
+        <p:nvSpPr>
+          <p:cNvPr id="11" name="Espace réservé du contenu 10"/>
+          <p:cNvSpPr>
+            <a:spLocks noGrp="1"/>
+          </p:cNvSpPr>
+          <p:nvPr>
+            <p:ph sz="quarter" idx="1"/>
+          </p:nvPr>
+        </p:nvSpPr>
+        <p:spPr>
+          <a:xfrm>
+            <a:off x="2971800" y="1600200"/>
+            <a:ext cx="5715000" cy="4495800"/>
+          </a:xfrm>
+        </p:spPr>
+        <p:txBody>
+          <a:bodyPr vert="horz"/>
+          <a:lstStyle/>
+          <a:p>
+            <a:pPr lvl="0" eaLnBrk="1" latinLnBrk="0" hangingPunct="1"/>
+            <a:r>
+              <a:rPr lang="fr-FR" smtClean="0"/>
+              <a:t>Modifiez les styles du texte du masque</a:t>
+            </a:r>
+          </a:p>
+          <a:p>
+            <a:pPr lvl="1" eaLnBrk="1" latinLnBrk="0" hangingPunct="1"/>
+            <a:r>
+              <a:rPr lang="fr-FR" smtClean="0"/>
+              <a:t>Deuxième niveau</a:t>
+            </a:r>
+          </a:p>
+          <a:p>
+            <a:pPr lvl="2" eaLnBrk="1" latinLnBrk="0" hangingPunct="1"/>
+            <a:r>
+              <a:rPr lang="fr-FR" smtClean="0"/>
+              <a:t>Troisième niveau</a:t>
+            </a:r>
+          </a:p>
+          <a:p>
+            <a:pPr lvl="3" eaLnBrk="1" latinLnBrk="0" hangingPunct="1"/>
+            <a:r>
+              <a:rPr lang="fr-FR" smtClean="0"/>
+              <a:t>Quatrième niveau</a:t>
+            </a:r>
+          </a:p>
+          <a:p>
+            <a:pPr lvl="4" eaLnBrk="1" latinLnBrk="0" hangingPunct="1"/>
+            <a:r>
+              <a:rPr lang="fr-FR" smtClean="0"/>
+              <a:t>Cinquième niveau</a:t>
+            </a:r>
+            <a:endParaRPr kumimoji="0" lang="en-US"/>
           </a:p>
         </p:txBody>
       </p:sp>
@@ -8753,7 +8976,7 @@
       </p:grpSpPr>
       <p:sp>
         <p:nvSpPr>
-          <p:cNvPr id="2" name="Title 1"/>
+          <p:cNvPr id="2" name="Titre 1"/>
           <p:cNvSpPr>
             <a:spLocks noGrp="1"/>
           </p:cNvSpPr>
@@ -8763,109 +8986,32 @@
         </p:nvSpPr>
         <p:spPr>
           <a:xfrm>
-            <a:off x="1679576" y="228600"/>
-            <a:ext cx="5711824" cy="895350"/>
+            <a:off x="914400" y="4900550"/>
+            <a:ext cx="7315200" cy="522288"/>
           </a:xfrm>
         </p:spPr>
         <p:txBody>
-          <a:bodyPr anchor="b"/>
+          <a:bodyPr anchor="ctr">
+            <a:noAutofit/>
+          </a:bodyPr>
           <a:lstStyle>
-            <a:lvl1pPr algn="ctr">
-              <a:lnSpc>
-                <a:spcPct val="100000"/>
-              </a:lnSpc>
+            <a:lvl1pPr algn="l">
+              <a:buNone/>
               <a:defRPr sz="2800" b="0"/>
             </a:lvl1pPr>
           </a:lstStyle>
           <a:p>
             <a:r>
-              <a:rPr lang="fr-FR" smtClean="0"/>
+              <a:rPr kumimoji="0" lang="fr-FR" smtClean="0"/>
               <a:t>Modifiez le style du titre</a:t>
             </a:r>
-            <a:endParaRPr lang="en-US" dirty="0"/>
+            <a:endParaRPr kumimoji="0" lang="en-US"/>
           </a:p>
         </p:txBody>
       </p:sp>
       <p:sp>
         <p:nvSpPr>
-          <p:cNvPr id="3" name="Picture Placeholder 2"/>
-          <p:cNvSpPr>
-            <a:spLocks noGrp="1"/>
-          </p:cNvSpPr>
-          <p:nvPr>
-            <p:ph type="pic" idx="1"/>
-          </p:nvPr>
-        </p:nvSpPr>
-        <p:spPr>
-          <a:xfrm>
-            <a:off x="1508126" y="1143000"/>
-            <a:ext cx="6054724" cy="4541044"/>
-          </a:xfrm>
-          <a:ln w="76200">
-            <a:solidFill>
-              <a:schemeClr val="bg1"/>
-            </a:solidFill>
-          </a:ln>
-          <a:effectLst>
-            <a:outerShdw blurRad="88900" dist="50800" dir="5400000" algn="ctr" rotWithShape="0">
-              <a:srgbClr val="000000">
-                <a:alpha val="25000"/>
-              </a:srgbClr>
-            </a:outerShdw>
-          </a:effectLst>
-        </p:spPr>
-        <p:txBody>
-          <a:bodyPr anchor="t"/>
-          <a:lstStyle>
-            <a:lvl1pPr marL="0" indent="0" algn="ctr">
-              <a:buNone/>
-              <a:defRPr sz="3200"/>
-            </a:lvl1pPr>
-            <a:lvl2pPr marL="457200" indent="0">
-              <a:buNone/>
-              <a:defRPr sz="2800"/>
-            </a:lvl2pPr>
-            <a:lvl3pPr marL="914400" indent="0">
-              <a:buNone/>
-              <a:defRPr sz="2400"/>
-            </a:lvl3pPr>
-            <a:lvl4pPr marL="1371600" indent="0">
-              <a:buNone/>
-              <a:defRPr sz="2000"/>
-            </a:lvl4pPr>
-            <a:lvl5pPr marL="1828800" indent="0">
-              <a:buNone/>
-              <a:defRPr sz="2000"/>
-            </a:lvl5pPr>
-            <a:lvl6pPr marL="2286000" indent="0">
-              <a:buNone/>
-              <a:defRPr sz="2000"/>
-            </a:lvl6pPr>
-            <a:lvl7pPr marL="2743200" indent="0">
-              <a:buNone/>
-              <a:defRPr sz="2000"/>
-            </a:lvl7pPr>
-            <a:lvl8pPr marL="3200400" indent="0">
-              <a:buNone/>
-              <a:defRPr sz="2000"/>
-            </a:lvl8pPr>
-            <a:lvl9pPr marL="3657600" indent="0">
-              <a:buNone/>
-              <a:defRPr sz="2000"/>
-            </a:lvl9pPr>
-          </a:lstStyle>
-          <a:p>
-            <a:r>
-              <a:rPr lang="fr-FR" smtClean="0"/>
-              <a:t>Cliquez sur l'icône pour ajouter une image</a:t>
-            </a:r>
-            <a:endParaRPr lang="en-US" dirty="0"/>
-          </a:p>
-        </p:txBody>
-      </p:sp>
-      <p:sp>
-        <p:nvSpPr>
-          <p:cNvPr id="4" name="Text Placeholder 3"/>
+          <p:cNvPr id="4" name="Espace réservé du texte 3"/>
           <p:cNvSpPr>
             <a:spLocks noGrp="1"/>
           </p:cNvSpPr>
@@ -8875,56 +9021,35 @@
         </p:nvSpPr>
         <p:spPr>
           <a:xfrm>
-            <a:off x="1679576" y="5810250"/>
-            <a:ext cx="5711824" cy="533400"/>
+            <a:off x="914400" y="5445825"/>
+            <a:ext cx="7315200" cy="685800"/>
           </a:xfrm>
         </p:spPr>
         <p:txBody>
-          <a:bodyPr>
-            <a:normAutofit/>
-          </a:bodyPr>
+          <a:bodyPr/>
           <a:lstStyle>
-            <a:lvl1pPr marL="0" indent="0" algn="ctr">
+            <a:lvl1pPr marL="0" indent="0">
+              <a:buFontTx/>
               <a:buNone/>
               <a:defRPr sz="1600"/>
             </a:lvl1pPr>
-            <a:lvl2pPr marL="457200" indent="0">
-              <a:buNone/>
+            <a:lvl2pPr>
               <a:defRPr sz="1200"/>
             </a:lvl2pPr>
-            <a:lvl3pPr marL="914400" indent="0">
-              <a:buNone/>
+            <a:lvl3pPr>
               <a:defRPr sz="1000"/>
             </a:lvl3pPr>
-            <a:lvl4pPr marL="1371600" indent="0">
-              <a:buNone/>
+            <a:lvl4pPr>
               <a:defRPr sz="900"/>
             </a:lvl4pPr>
-            <a:lvl5pPr marL="1828800" indent="0">
-              <a:buNone/>
+            <a:lvl5pPr>
               <a:defRPr sz="900"/>
             </a:lvl5pPr>
-            <a:lvl6pPr marL="2286000" indent="0">
-              <a:buNone/>
-              <a:defRPr sz="900"/>
-            </a:lvl6pPr>
-            <a:lvl7pPr marL="2743200" indent="0">
-              <a:buNone/>
-              <a:defRPr sz="900"/>
-            </a:lvl7pPr>
-            <a:lvl8pPr marL="3200400" indent="0">
-              <a:buNone/>
-              <a:defRPr sz="900"/>
-            </a:lvl8pPr>
-            <a:lvl9pPr marL="3657600" indent="0">
-              <a:buNone/>
-              <a:defRPr sz="900"/>
-            </a:lvl9pPr>
           </a:lstStyle>
           <a:p>
-            <a:pPr lvl="0"/>
-            <a:r>
-              <a:rPr lang="fr-FR" smtClean="0"/>
+            <a:pPr lvl="0" eaLnBrk="1" latinLnBrk="0" hangingPunct="1"/>
+            <a:r>
+              <a:rPr kumimoji="0" lang="fr-FR" smtClean="0"/>
               <a:t>Modifiez les styles du texte du masque</a:t>
             </a:r>
           </a:p>
@@ -8932,7 +9057,7 @@
       </p:sp>
       <p:sp>
         <p:nvSpPr>
-          <p:cNvPr id="5" name="Date Placeholder 4"/>
+          <p:cNvPr id="5" name="Espace réservé de la date 4"/>
           <p:cNvSpPr>
             <a:spLocks noGrp="1"/>
           </p:cNvSpPr>
@@ -8945,9 +9070,9 @@
           <a:bodyPr/>
           <a:lstStyle/>
           <a:p>
-            <a:fld id="{4DBBF1E8-6C79-4A68-8574-A6D9412227CE}" type="datetime1">
+            <a:fld id="{66E1D7F5-4BAC-4334-B519-C5B55C061427}" type="datetime1">
               <a:rPr lang="fr-FR" smtClean="0"/>
-              <a:t>10/11/2014</a:t>
+              <a:t>17/11/2014</a:t>
             </a:fld>
             <a:endParaRPr lang="fr-FR"/>
           </a:p>
@@ -8955,7 +9080,7 @@
       </p:sp>
       <p:sp>
         <p:nvSpPr>
-          <p:cNvPr id="6" name="Footer Placeholder 5"/>
+          <p:cNvPr id="6" name="Espace réservé du pied de page 5"/>
           <p:cNvSpPr>
             <a:spLocks noGrp="1"/>
           </p:cNvSpPr>
@@ -8963,7 +9088,12 @@
             <p:ph type="ftr" sz="quarter" idx="11"/>
           </p:nvPr>
         </p:nvSpPr>
-        <p:spPr/>
+        <p:spPr>
+          <a:xfrm>
+            <a:off x="914400" y="6172200"/>
+            <a:ext cx="3886200" cy="457200"/>
+          </a:xfrm>
+        </p:spPr>
         <p:txBody>
           <a:bodyPr/>
           <a:lstStyle/>
@@ -8974,7 +9104,7 @@
       </p:sp>
       <p:sp>
         <p:nvSpPr>
-          <p:cNvPr id="7" name="Slide Number Placeholder 6"/>
+          <p:cNvPr id="7" name="Espace réservé du numéro de diapositive 6"/>
           <p:cNvSpPr>
             <a:spLocks noGrp="1"/>
           </p:cNvSpPr>
@@ -8982,7 +9112,12 @@
             <p:ph type="sldNum" sz="quarter" idx="12"/>
           </p:nvPr>
         </p:nvSpPr>
-        <p:spPr/>
+        <p:spPr>
+          <a:xfrm>
+            <a:off x="146304" y="6208776"/>
+            <a:ext cx="457200" cy="457200"/>
+          </a:xfrm>
+        </p:spPr>
         <p:txBody>
           <a:bodyPr/>
           <a:lstStyle/>
@@ -8993,6 +9128,195 @@
               <a:t>‹N°›</a:t>
             </a:fld>
             <a:endParaRPr lang="fr-FR"/>
+          </a:p>
+        </p:txBody>
+      </p:sp>
+      <p:sp>
+        <p:nvSpPr>
+          <p:cNvPr id="11" name="Rectangle 10"/>
+          <p:cNvSpPr/>
+          <p:nvPr/>
+        </p:nvSpPr>
+        <p:spPr>
+          <a:xfrm flipV="1">
+            <a:off x="68307" y="4683555"/>
+            <a:ext cx="9006840" cy="91440"/>
+          </a:xfrm>
+          <a:prstGeom prst="rect">
+            <a:avLst/>
+          </a:prstGeom>
+          <a:solidFill>
+            <a:schemeClr val="accent1">
+              <a:alpha val="100000"/>
+            </a:schemeClr>
+          </a:solidFill>
+          <a:ln w="19050" cap="sq" cmpd="sng" algn="ctr">
+            <a:noFill/>
+            <a:prstDash val="solid"/>
+          </a:ln>
+          <a:effectLst/>
+        </p:spPr>
+        <p:style>
+          <a:lnRef idx="3">
+            <a:schemeClr val="lt1"/>
+          </a:lnRef>
+          <a:fillRef idx="1">
+            <a:schemeClr val="accent1"/>
+          </a:fillRef>
+          <a:effectRef idx="1">
+            <a:schemeClr val="accent1"/>
+          </a:effectRef>
+          <a:fontRef idx="minor">
+            <a:schemeClr val="lt1"/>
+          </a:fontRef>
+        </p:style>
+        <p:txBody>
+          <a:bodyPr anchor="ctr"/>
+          <a:lstStyle/>
+          <a:p>
+            <a:pPr algn="ctr" eaLnBrk="1" latinLnBrk="0" hangingPunct="1"/>
+            <a:endParaRPr kumimoji="0" lang="en-US"/>
+          </a:p>
+        </p:txBody>
+      </p:sp>
+      <p:sp>
+        <p:nvSpPr>
+          <p:cNvPr id="12" name="Rectangle 11"/>
+          <p:cNvSpPr/>
+          <p:nvPr/>
+        </p:nvSpPr>
+        <p:spPr>
+          <a:xfrm>
+            <a:off x="68508" y="4650474"/>
+            <a:ext cx="9006639" cy="45719"/>
+          </a:xfrm>
+          <a:prstGeom prst="rect">
+            <a:avLst/>
+          </a:prstGeom>
+          <a:solidFill>
+            <a:schemeClr val="accent1">
+              <a:tint val="60000"/>
+            </a:schemeClr>
+          </a:solidFill>
+          <a:ln w="19050" cap="sq" cmpd="sng" algn="ctr">
+            <a:noFill/>
+            <a:prstDash val="solid"/>
+          </a:ln>
+          <a:effectLst/>
+        </p:spPr>
+        <p:style>
+          <a:lnRef idx="3">
+            <a:schemeClr val="lt1"/>
+          </a:lnRef>
+          <a:fillRef idx="1">
+            <a:schemeClr val="accent1"/>
+          </a:fillRef>
+          <a:effectRef idx="1">
+            <a:schemeClr val="accent1"/>
+          </a:effectRef>
+          <a:fontRef idx="minor">
+            <a:schemeClr val="lt1"/>
+          </a:fontRef>
+        </p:style>
+        <p:txBody>
+          <a:bodyPr anchor="ctr"/>
+          <a:lstStyle/>
+          <a:p>
+            <a:pPr algn="ctr" eaLnBrk="1" latinLnBrk="0" hangingPunct="1"/>
+            <a:endParaRPr kumimoji="0" lang="en-US"/>
+          </a:p>
+        </p:txBody>
+      </p:sp>
+      <p:sp>
+        <p:nvSpPr>
+          <p:cNvPr id="13" name="Rectangle 12"/>
+          <p:cNvSpPr/>
+          <p:nvPr/>
+        </p:nvSpPr>
+        <p:spPr>
+          <a:xfrm>
+            <a:off x="68510" y="4773224"/>
+            <a:ext cx="9006637" cy="48807"/>
+          </a:xfrm>
+          <a:prstGeom prst="rect">
+            <a:avLst/>
+          </a:prstGeom>
+          <a:solidFill>
+            <a:schemeClr val="accent5"/>
+          </a:solidFill>
+          <a:ln w="19050" cap="sq" cmpd="sng" algn="ctr">
+            <a:noFill/>
+            <a:prstDash val="solid"/>
+          </a:ln>
+          <a:effectLst/>
+        </p:spPr>
+        <p:style>
+          <a:lnRef idx="3">
+            <a:schemeClr val="lt1"/>
+          </a:lnRef>
+          <a:fillRef idx="1">
+            <a:schemeClr val="accent1"/>
+          </a:fillRef>
+          <a:effectRef idx="1">
+            <a:schemeClr val="accent1"/>
+          </a:effectRef>
+          <a:fontRef idx="minor">
+            <a:schemeClr val="lt1"/>
+          </a:fontRef>
+        </p:style>
+        <p:txBody>
+          <a:bodyPr anchor="ctr"/>
+          <a:lstStyle/>
+          <a:p>
+            <a:pPr algn="ctr" eaLnBrk="1" latinLnBrk="0" hangingPunct="1"/>
+            <a:endParaRPr kumimoji="0" lang="en-US"/>
+          </a:p>
+        </p:txBody>
+      </p:sp>
+      <p:sp>
+        <p:nvSpPr>
+          <p:cNvPr id="3" name="Espace réservé pour une image  2"/>
+          <p:cNvSpPr>
+            <a:spLocks noGrp="1"/>
+          </p:cNvSpPr>
+          <p:nvPr>
+            <p:ph type="pic" idx="1"/>
+          </p:nvPr>
+        </p:nvSpPr>
+        <p:spPr>
+          <a:xfrm>
+            <a:off x="68308" y="66675"/>
+            <a:ext cx="9001873" cy="4581525"/>
+          </a:xfrm>
+          <a:prstGeom prst="round2SameRect">
+            <a:avLst>
+              <a:gd name="adj1" fmla="val 7101"/>
+              <a:gd name="adj2" fmla="val 0"/>
+            </a:avLst>
+          </a:prstGeom>
+          <a:solidFill>
+            <a:schemeClr val="bg2"/>
+          </a:solidFill>
+          <a:ln w="6350">
+            <a:solidFill>
+              <a:schemeClr val="tx1"/>
+            </a:solidFill>
+          </a:ln>
+        </p:spPr>
+        <p:txBody>
+          <a:bodyPr/>
+          <a:lstStyle>
+            <a:lvl1pPr marL="0" indent="0">
+              <a:buNone/>
+              <a:defRPr sz="3200"/>
+            </a:lvl1pPr>
+          </a:lstStyle>
+          <a:p>
+            <a:r>
+              <a:rPr kumimoji="0" lang="fr-FR" smtClean="0"/>
+              <a:t>Cliquez sur l'icône pour ajouter une image</a:t>
+            </a:r>
+            <a:endParaRPr kumimoji="0" lang="en-US" dirty="0"/>
           </a:p>
         </p:txBody>
       </p:sp>
@@ -9008,7 +9332,7 @@
 <p:sldMaster xmlns:a="http://schemas.openxmlformats.org/drawingml/2006/main" xmlns:r="http://schemas.openxmlformats.org/officeDocument/2006/relationships" xmlns:p="http://schemas.openxmlformats.org/presentationml/2006/main">
   <p:cSld>
     <p:bg>
-      <p:bgRef idx="1002">
+      <p:bgRef idx="1001">
         <a:schemeClr val="bg1"/>
       </p:bgRef>
     </p:bg>
@@ -9028,255 +9352,29 @@
       </p:grpSpPr>
       <p:sp>
         <p:nvSpPr>
-          <p:cNvPr id="2" name="Title Placeholder 1"/>
-          <p:cNvSpPr>
-            <a:spLocks noGrp="1"/>
-          </p:cNvSpPr>
-          <p:nvPr>
-            <p:ph type="title"/>
-          </p:nvPr>
-        </p:nvSpPr>
-        <p:spPr>
-          <a:xfrm>
-            <a:off x="457200" y="0"/>
-            <a:ext cx="8229600" cy="1600200"/>
-          </a:xfrm>
-          <a:prstGeom prst="rect">
-            <a:avLst/>
-          </a:prstGeom>
-        </p:spPr>
-        <p:txBody>
-          <a:bodyPr vert="horz" lIns="91440" tIns="45720" rIns="91440" bIns="45720" rtlCol="0" anchor="b">
-            <a:noAutofit/>
-          </a:bodyPr>
-          <a:lstStyle/>
-          <a:p>
-            <a:r>
-              <a:rPr lang="fr-FR" smtClean="0"/>
-              <a:t>Modifiez le style du titre</a:t>
-            </a:r>
-            <a:endParaRPr lang="en-US" dirty="0"/>
-          </a:p>
-        </p:txBody>
-      </p:sp>
-      <p:sp>
-        <p:nvSpPr>
-          <p:cNvPr id="3" name="Text Placeholder 2"/>
-          <p:cNvSpPr>
-            <a:spLocks noGrp="1"/>
-          </p:cNvSpPr>
-          <p:nvPr>
-            <p:ph type="body" idx="1"/>
-          </p:nvPr>
-        </p:nvSpPr>
-        <p:spPr>
-          <a:xfrm>
-            <a:off x="457200" y="1600200"/>
-            <a:ext cx="8229600" cy="4525963"/>
-          </a:xfrm>
-          <a:prstGeom prst="rect">
-            <a:avLst/>
-          </a:prstGeom>
-        </p:spPr>
-        <p:txBody>
-          <a:bodyPr vert="horz" lIns="91440" tIns="45720" rIns="91440" bIns="45720" rtlCol="0">
-            <a:normAutofit/>
-          </a:bodyPr>
-          <a:lstStyle/>
-          <a:p>
-            <a:pPr lvl="0"/>
-            <a:r>
-              <a:rPr lang="fr-FR" smtClean="0"/>
-              <a:t>Modifiez les styles du texte du masque</a:t>
-            </a:r>
-          </a:p>
-          <a:p>
-            <a:pPr lvl="1"/>
-            <a:r>
-              <a:rPr lang="fr-FR" smtClean="0"/>
-              <a:t>Deuxième niveau</a:t>
-            </a:r>
-          </a:p>
-          <a:p>
-            <a:pPr lvl="2"/>
-            <a:r>
-              <a:rPr lang="fr-FR" smtClean="0"/>
-              <a:t>Troisième niveau</a:t>
-            </a:r>
-          </a:p>
-          <a:p>
-            <a:pPr lvl="3"/>
-            <a:r>
-              <a:rPr lang="fr-FR" smtClean="0"/>
-              <a:t>Quatrième niveau</a:t>
-            </a:r>
-          </a:p>
-          <a:p>
-            <a:pPr lvl="4"/>
-            <a:r>
-              <a:rPr lang="fr-FR" smtClean="0"/>
-              <a:t>Cinquième niveau</a:t>
-            </a:r>
-            <a:endParaRPr lang="en-US" dirty="0" smtClean="0"/>
-          </a:p>
-        </p:txBody>
-      </p:sp>
-      <p:sp>
-        <p:nvSpPr>
-          <p:cNvPr id="4" name="Date Placeholder 3"/>
-          <p:cNvSpPr>
-            <a:spLocks noGrp="1"/>
-          </p:cNvSpPr>
-          <p:nvPr>
-            <p:ph type="dt" sz="half" idx="2"/>
-          </p:nvPr>
-        </p:nvSpPr>
-        <p:spPr>
-          <a:xfrm>
-            <a:off x="6363347" y="6356350"/>
-            <a:ext cx="2085975" cy="365125"/>
-          </a:xfrm>
-          <a:prstGeom prst="rect">
-            <a:avLst/>
-          </a:prstGeom>
-        </p:spPr>
-        <p:txBody>
-          <a:bodyPr vert="horz" lIns="91440" tIns="45720" rIns="45720" bIns="45720" rtlCol="0" anchor="ctr"/>
-          <a:lstStyle>
-            <a:lvl1pPr algn="r">
-              <a:defRPr sz="1200">
-                <a:solidFill>
-                  <a:schemeClr val="tx1">
-                    <a:lumMod val="65000"/>
-                    <a:lumOff val="35000"/>
-                  </a:schemeClr>
-                </a:solidFill>
-                <a:latin typeface="Century Gothic" pitchFamily="34" charset="0"/>
-              </a:defRPr>
-            </a:lvl1pPr>
-          </a:lstStyle>
-          <a:p>
-            <a:fld id="{7739D2CE-549F-49B6-A9C7-D7F7D42AA4D1}" type="datetime1">
-              <a:rPr lang="fr-FR" smtClean="0"/>
-              <a:t>10/11/2014</a:t>
-            </a:fld>
-            <a:endParaRPr lang="fr-FR"/>
-          </a:p>
-        </p:txBody>
-      </p:sp>
-      <p:sp>
-        <p:nvSpPr>
-          <p:cNvPr id="5" name="Footer Placeholder 4"/>
-          <p:cNvSpPr>
-            <a:spLocks noGrp="1"/>
-          </p:cNvSpPr>
-          <p:nvPr>
-            <p:ph type="ftr" sz="quarter" idx="3"/>
-          </p:nvPr>
-        </p:nvSpPr>
-        <p:spPr>
-          <a:xfrm>
-            <a:off x="659165" y="6356350"/>
-            <a:ext cx="2847975" cy="365125"/>
-          </a:xfrm>
-          <a:prstGeom prst="rect">
-            <a:avLst/>
-          </a:prstGeom>
-        </p:spPr>
-        <p:txBody>
-          <a:bodyPr vert="horz" lIns="45720" tIns="45720" rIns="91440" bIns="45720" rtlCol="0" anchor="ctr"/>
-          <a:lstStyle>
-            <a:lvl1pPr algn="l">
-              <a:defRPr sz="1200">
-                <a:solidFill>
-                  <a:schemeClr val="tx1">
-                    <a:lumMod val="65000"/>
-                    <a:lumOff val="35000"/>
-                  </a:schemeClr>
-                </a:solidFill>
-                <a:latin typeface="Century Gothic" pitchFamily="34" charset="0"/>
-              </a:defRPr>
-            </a:lvl1pPr>
-          </a:lstStyle>
-          <a:p>
-            <a:endParaRPr lang="fr-FR"/>
-          </a:p>
-        </p:txBody>
-      </p:sp>
-      <p:sp>
-        <p:nvSpPr>
-          <p:cNvPr id="6" name="Slide Number Placeholder 5"/>
-          <p:cNvSpPr>
-            <a:spLocks noGrp="1"/>
-          </p:cNvSpPr>
-          <p:nvPr>
-            <p:ph type="sldNum" sz="quarter" idx="4"/>
-          </p:nvPr>
-        </p:nvSpPr>
-        <p:spPr>
-          <a:xfrm>
-            <a:off x="8543278" y="6356350"/>
-            <a:ext cx="561975" cy="365125"/>
-          </a:xfrm>
-          <a:prstGeom prst="rect">
-            <a:avLst/>
-          </a:prstGeom>
-        </p:spPr>
-        <p:txBody>
-          <a:bodyPr vert="horz" lIns="27432" tIns="45720" rIns="45720" bIns="45720" rtlCol="0" anchor="ctr"/>
-          <a:lstStyle>
-            <a:lvl1pPr algn="l">
-              <a:defRPr sz="1200">
-                <a:solidFill>
-                  <a:schemeClr val="tx1">
-                    <a:lumMod val="65000"/>
-                    <a:lumOff val="35000"/>
-                  </a:schemeClr>
-                </a:solidFill>
-                <a:latin typeface="Century Gothic" pitchFamily="34" charset="0"/>
-              </a:defRPr>
-            </a:lvl1pPr>
-          </a:lstStyle>
-          <a:p>
-            <a:fld id="{C7CDC3F6-687D-4FBA-B21C-72B0B0E094F4}" type="slidenum">
-              <a:rPr lang="fr-FR" smtClean="0"/>
-              <a:pPr/>
-              <a:t>‹N°›</a:t>
-            </a:fld>
-            <a:endParaRPr lang="fr-FR"/>
-          </a:p>
-        </p:txBody>
-      </p:sp>
-      <p:sp>
-        <p:nvSpPr>
-          <p:cNvPr id="7" name="Oval 6"/>
+          <p:cNvPr id="9" name="Rectangle 8"/>
           <p:cNvSpPr/>
           <p:nvPr/>
         </p:nvSpPr>
         <p:spPr>
           <a:xfrm>
-            <a:off x="8457760" y="6499384"/>
-            <a:ext cx="84772" cy="84772"/>
+            <a:off x="0" y="0"/>
+            <a:ext cx="9144000" cy="6858000"/>
           </a:xfrm>
-          <a:prstGeom prst="ellipse">
+          <a:prstGeom prst="rect">
             <a:avLst/>
           </a:prstGeom>
           <a:solidFill>
-            <a:schemeClr val="tx1">
-              <a:lumMod val="50000"/>
-              <a:lumOff val="50000"/>
-            </a:schemeClr>
+            <a:srgbClr val="FFFFFF"/>
           </a:solidFill>
-          <a:ln w="12700">
+          <a:ln w="12700" cap="flat" cmpd="sng" algn="ctr">
             <a:noFill/>
+            <a:prstDash val="solid"/>
           </a:ln>
-          <a:effectLst/>
         </p:spPr>
         <p:style>
           <a:lnRef idx="2">
-            <a:schemeClr val="accent1">
-              <a:shade val="50000"/>
-            </a:schemeClr>
+            <a:schemeClr val="accent1"/>
           </a:lnRef>
           <a:fillRef idx="1">
             <a:schemeClr val="accent1"/>
@@ -9292,53 +9390,45 @@
           <a:bodyPr rtlCol="0" anchor="ctr"/>
           <a:lstStyle/>
           <a:p>
-            <a:pPr marL="0" algn="ctr" defTabSz="914400" rtl="0" eaLnBrk="1" latinLnBrk="0" hangingPunct="1"/>
-            <a:endParaRPr lang="en-US" sz="1800" kern="1200">
-              <a:solidFill>
-                <a:schemeClr val="lt1"/>
-              </a:solidFill>
-              <a:latin typeface="+mn-lt"/>
-              <a:ea typeface="+mn-ea"/>
-              <a:cs typeface="+mn-cs"/>
-            </a:endParaRPr>
+            <a:pPr algn="ctr" eaLnBrk="1" latinLnBrk="0" hangingPunct="1"/>
+            <a:endParaRPr kumimoji="0" lang="en-US"/>
           </a:p>
         </p:txBody>
       </p:sp>
-      <p:sp>
+      <p:sp useBgFill="1">
         <p:nvSpPr>
-          <p:cNvPr id="8" name="Oval 7"/>
+          <p:cNvPr id="8" name="Rectangle à coins arrondis 7"/>
           <p:cNvSpPr/>
           <p:nvPr/>
         </p:nvSpPr>
         <p:spPr>
           <a:xfrm>
-            <a:off x="569119" y="6499384"/>
-            <a:ext cx="84772" cy="84772"/>
+            <a:off x="64008" y="69755"/>
+            <a:ext cx="9013372" cy="6693408"/>
           </a:xfrm>
-          <a:prstGeom prst="ellipse">
-            <a:avLst/>
+          <a:prstGeom prst="roundRect">
+            <a:avLst>
+              <a:gd name="adj" fmla="val 4929"/>
+            </a:avLst>
           </a:prstGeom>
-          <a:solidFill>
-            <a:schemeClr val="tx1">
-              <a:lumMod val="50000"/>
-              <a:lumOff val="50000"/>
-            </a:schemeClr>
-          </a:solidFill>
-          <a:ln w="12700">
-            <a:noFill/>
+          <a:ln w="6350" cap="sq" cmpd="sng" algn="ctr">
+            <a:solidFill>
+              <a:schemeClr val="tx1">
+                <a:alpha val="100000"/>
+              </a:schemeClr>
+            </a:solidFill>
+            <a:prstDash val="solid"/>
           </a:ln>
           <a:effectLst/>
         </p:spPr>
         <p:style>
-          <a:lnRef idx="2">
-            <a:schemeClr val="accent1">
-              <a:shade val="50000"/>
-            </a:schemeClr>
+          <a:lnRef idx="3">
+            <a:schemeClr val="lt1"/>
           </a:lnRef>
-          <a:fillRef idx="1">
-            <a:schemeClr val="accent1"/>
+          <a:fillRef idx="1001">
+            <a:schemeClr val="lt1"/>
           </a:fillRef>
-          <a:effectRef idx="0">
+          <a:effectRef idx="1">
             <a:schemeClr val="accent1"/>
           </a:effectRef>
           <a:fontRef idx="minor">
@@ -9346,11 +9436,228 @@
           </a:fontRef>
         </p:style>
         <p:txBody>
-          <a:bodyPr rtlCol="0" anchor="ctr"/>
+          <a:bodyPr anchor="ctr"/>
           <a:lstStyle/>
           <a:p>
-            <a:pPr algn="ctr"/>
-            <a:endParaRPr lang="en-US"/>
+            <a:pPr algn="ctr" eaLnBrk="1" latinLnBrk="0" hangingPunct="1"/>
+            <a:endParaRPr kumimoji="0" lang="en-US"/>
+          </a:p>
+        </p:txBody>
+      </p:sp>
+      <p:sp>
+        <p:nvSpPr>
+          <p:cNvPr id="22" name="Espace réservé du titre 21"/>
+          <p:cNvSpPr>
+            <a:spLocks noGrp="1"/>
+          </p:cNvSpPr>
+          <p:nvPr>
+            <p:ph type="title"/>
+          </p:nvPr>
+        </p:nvSpPr>
+        <p:spPr>
+          <a:xfrm>
+            <a:off x="914400" y="274638"/>
+            <a:ext cx="7772400" cy="1143000"/>
+          </a:xfrm>
+          <a:prstGeom prst="rect">
+            <a:avLst/>
+          </a:prstGeom>
+        </p:spPr>
+        <p:txBody>
+          <a:bodyPr bIns="91440" anchor="b" anchorCtr="0">
+            <a:normAutofit/>
+          </a:bodyPr>
+          <a:lstStyle/>
+          <a:p>
+            <a:r>
+              <a:rPr kumimoji="0" lang="fr-FR" smtClean="0"/>
+              <a:t>Modifiez le style du titre</a:t>
+            </a:r>
+            <a:endParaRPr kumimoji="0" lang="en-US"/>
+          </a:p>
+        </p:txBody>
+      </p:sp>
+      <p:sp>
+        <p:nvSpPr>
+          <p:cNvPr id="13" name="Espace réservé du texte 12"/>
+          <p:cNvSpPr>
+            <a:spLocks noGrp="1"/>
+          </p:cNvSpPr>
+          <p:nvPr>
+            <p:ph type="body" idx="1"/>
+          </p:nvPr>
+        </p:nvSpPr>
+        <p:spPr>
+          <a:xfrm>
+            <a:off x="914400" y="1447800"/>
+            <a:ext cx="7772400" cy="4572000"/>
+          </a:xfrm>
+          <a:prstGeom prst="rect">
+            <a:avLst/>
+          </a:prstGeom>
+        </p:spPr>
+        <p:txBody>
+          <a:bodyPr>
+            <a:normAutofit/>
+          </a:bodyPr>
+          <a:lstStyle/>
+          <a:p>
+            <a:pPr lvl="0" eaLnBrk="1" latinLnBrk="0" hangingPunct="1"/>
+            <a:r>
+              <a:rPr kumimoji="0" lang="fr-FR" smtClean="0"/>
+              <a:t>Modifiez les styles du texte du masque</a:t>
+            </a:r>
+          </a:p>
+          <a:p>
+            <a:pPr lvl="1" eaLnBrk="1" latinLnBrk="0" hangingPunct="1"/>
+            <a:r>
+              <a:rPr kumimoji="0" lang="fr-FR" smtClean="0"/>
+              <a:t>Deuxième niveau</a:t>
+            </a:r>
+          </a:p>
+          <a:p>
+            <a:pPr lvl="2" eaLnBrk="1" latinLnBrk="0" hangingPunct="1"/>
+            <a:r>
+              <a:rPr kumimoji="0" lang="fr-FR" smtClean="0"/>
+              <a:t>Troisième niveau</a:t>
+            </a:r>
+          </a:p>
+          <a:p>
+            <a:pPr lvl="3" eaLnBrk="1" latinLnBrk="0" hangingPunct="1"/>
+            <a:r>
+              <a:rPr kumimoji="0" lang="fr-FR" smtClean="0"/>
+              <a:t>Quatrième niveau</a:t>
+            </a:r>
+          </a:p>
+          <a:p>
+            <a:pPr lvl="4" eaLnBrk="1" latinLnBrk="0" hangingPunct="1"/>
+            <a:r>
+              <a:rPr kumimoji="0" lang="fr-FR" smtClean="0"/>
+              <a:t>Cinquième niveau</a:t>
+            </a:r>
+            <a:endParaRPr kumimoji="0" lang="en-US"/>
+          </a:p>
+        </p:txBody>
+      </p:sp>
+      <p:sp>
+        <p:nvSpPr>
+          <p:cNvPr id="14" name="Espace réservé de la date 13"/>
+          <p:cNvSpPr>
+            <a:spLocks noGrp="1"/>
+          </p:cNvSpPr>
+          <p:nvPr>
+            <p:ph type="dt" sz="half" idx="2"/>
+          </p:nvPr>
+        </p:nvSpPr>
+        <p:spPr>
+          <a:xfrm>
+            <a:off x="6172200" y="6191250"/>
+            <a:ext cx="2476500" cy="476250"/>
+          </a:xfrm>
+          <a:prstGeom prst="rect">
+            <a:avLst/>
+          </a:prstGeom>
+        </p:spPr>
+        <p:txBody>
+          <a:bodyPr anchor="ctr" anchorCtr="0"/>
+          <a:lstStyle>
+            <a:lvl1pPr algn="r" eaLnBrk="1" latinLnBrk="0" hangingPunct="1">
+              <a:defRPr kumimoji="0" sz="1400">
+                <a:solidFill>
+                  <a:schemeClr val="tx2"/>
+                </a:solidFill>
+              </a:defRPr>
+            </a:lvl1pPr>
+          </a:lstStyle>
+          <a:p>
+            <a:fld id="{FA5025D5-0E1A-4A88-8E59-EA73C3D56A74}" type="datetime1">
+              <a:rPr lang="fr-FR" smtClean="0"/>
+              <a:t>17/11/2014</a:t>
+            </a:fld>
+            <a:endParaRPr lang="fr-FR"/>
+          </a:p>
+        </p:txBody>
+      </p:sp>
+      <p:sp>
+        <p:nvSpPr>
+          <p:cNvPr id="3" name="Espace réservé du pied de page 2"/>
+          <p:cNvSpPr>
+            <a:spLocks noGrp="1"/>
+          </p:cNvSpPr>
+          <p:nvPr>
+            <p:ph type="ftr" sz="quarter" idx="3"/>
+          </p:nvPr>
+        </p:nvSpPr>
+        <p:spPr>
+          <a:xfrm>
+            <a:off x="914400" y="6172200"/>
+            <a:ext cx="3962400" cy="457200"/>
+          </a:xfrm>
+          <a:prstGeom prst="rect">
+            <a:avLst/>
+          </a:prstGeom>
+        </p:spPr>
+        <p:txBody>
+          <a:bodyPr anchor="ctr" anchorCtr="0"/>
+          <a:lstStyle>
+            <a:lvl1pPr eaLnBrk="1" latinLnBrk="0" hangingPunct="1">
+              <a:defRPr kumimoji="0" sz="1400">
+                <a:solidFill>
+                  <a:schemeClr val="tx2"/>
+                </a:solidFill>
+              </a:defRPr>
+            </a:lvl1pPr>
+          </a:lstStyle>
+          <a:p>
+            <a:endParaRPr lang="fr-FR"/>
+          </a:p>
+        </p:txBody>
+      </p:sp>
+      <p:sp>
+        <p:nvSpPr>
+          <p:cNvPr id="23" name="Espace réservé du numéro de diapositive 22"/>
+          <p:cNvSpPr>
+            <a:spLocks noGrp="1"/>
+          </p:cNvSpPr>
+          <p:nvPr>
+            <p:ph type="sldNum" sz="quarter" idx="4"/>
+          </p:nvPr>
+        </p:nvSpPr>
+        <p:spPr>
+          <a:xfrm>
+            <a:off x="146304" y="6210300"/>
+            <a:ext cx="457200" cy="457200"/>
+          </a:xfrm>
+          <a:prstGeom prst="ellipse">
+            <a:avLst/>
+          </a:prstGeom>
+          <a:solidFill>
+            <a:schemeClr val="accent1"/>
+          </a:solidFill>
+        </p:spPr>
+        <p:txBody>
+          <a:bodyPr wrap="none" lIns="0" tIns="0" rIns="0" bIns="0" anchor="ctr" anchorCtr="1">
+            <a:noAutofit/>
+          </a:bodyPr>
+          <a:lstStyle>
+            <a:lvl1pPr algn="ctr" eaLnBrk="1" latinLnBrk="0" hangingPunct="1">
+              <a:defRPr kumimoji="0" sz="1400">
+                <a:solidFill>
+                  <a:srgbClr val="FFFFFF"/>
+                </a:solidFill>
+                <a:latin typeface="+mj-lt"/>
+                <a:ea typeface="+mj-ea"/>
+                <a:cs typeface="+mj-cs"/>
+              </a:defRPr>
+            </a:lvl1pPr>
+          </a:lstStyle>
+          <a:p>
+            <a:fld id="{C7CDC3F6-687D-4FBA-B21C-72B0B0E094F4}" type="slidenum">
+              <a:rPr lang="fr-FR" smtClean="0"/>
+              <a:pPr/>
+              <a:t>‹N°›</a:t>
+            </a:fld>
+            <a:endParaRPr lang="fr-FR"/>
           </a:p>
         </p:txBody>
       </p:sp>
@@ -9358,216 +9665,48 @@
   </p:cSld>
   <p:clrMap bg1="lt1" tx1="dk1" bg2="lt2" tx2="dk2" accent1="accent1" accent2="accent2" accent3="accent3" accent4="accent4" accent5="accent5" accent6="accent6" hlink="hlink" folHlink="folHlink"/>
   <p:sldLayoutIdLst>
-    <p:sldLayoutId id="2147483733" r:id="rId1"/>
-    <p:sldLayoutId id="2147483734" r:id="rId2"/>
-    <p:sldLayoutId id="2147483735" r:id="rId3"/>
-    <p:sldLayoutId id="2147483736" r:id="rId4"/>
-    <p:sldLayoutId id="2147483737" r:id="rId5"/>
-    <p:sldLayoutId id="2147483738" r:id="rId6"/>
-    <p:sldLayoutId id="2147483739" r:id="rId7"/>
-    <p:sldLayoutId id="2147483740" r:id="rId8"/>
-    <p:sldLayoutId id="2147483741" r:id="rId9"/>
-    <p:sldLayoutId id="2147483742" r:id="rId10"/>
-    <p:sldLayoutId id="2147483743" r:id="rId11"/>
+    <p:sldLayoutId id="2147483757" r:id="rId1"/>
+    <p:sldLayoutId id="2147483758" r:id="rId2"/>
+    <p:sldLayoutId id="2147483759" r:id="rId3"/>
+    <p:sldLayoutId id="2147483760" r:id="rId4"/>
+    <p:sldLayoutId id="2147483761" r:id="rId5"/>
+    <p:sldLayoutId id="2147483762" r:id="rId6"/>
+    <p:sldLayoutId id="2147483763" r:id="rId7"/>
+    <p:sldLayoutId id="2147483764" r:id="rId8"/>
+    <p:sldLayoutId id="2147483765" r:id="rId9"/>
+    <p:sldLayoutId id="2147483766" r:id="rId10"/>
+    <p:sldLayoutId id="2147483767" r:id="rId11"/>
   </p:sldLayoutIdLst>
   <p:hf hdr="0" ftr="0" dt="0"/>
   <p:txStyles>
     <p:titleStyle>
-      <a:lvl1pPr algn="ctr" defTabSz="914400" rtl="0" eaLnBrk="1" latinLnBrk="0" hangingPunct="1">
-        <a:lnSpc>
-          <a:spcPts val="5800"/>
-        </a:lnSpc>
+      <a:lvl1pPr algn="l" rtl="0" eaLnBrk="1" latinLnBrk="0" hangingPunct="1">
         <a:spcBef>
           <a:spcPct val="0"/>
         </a:spcBef>
         <a:buNone/>
-        <a:defRPr sz="5400" kern="1200">
+        <a:defRPr kumimoji="0" sz="4000" kern="1200">
           <a:solidFill>
             <a:schemeClr val="tx2"/>
           </a:solidFill>
-          <a:effectLst>
-            <a:outerShdw blurRad="63500" dist="38100" dir="5400000" algn="t" rotWithShape="0">
-              <a:prstClr val="black">
-                <a:alpha val="25000"/>
-              </a:prstClr>
-            </a:outerShdw>
-          </a:effectLst>
-          <a:latin typeface="+mn-lt"/>
+          <a:latin typeface="+mj-lt"/>
           <a:ea typeface="+mj-ea"/>
           <a:cs typeface="+mj-cs"/>
         </a:defRPr>
       </a:lvl1pPr>
     </p:titleStyle>
     <p:bodyStyle>
-      <a:lvl1pPr marL="342900" indent="-342900" algn="l" defTabSz="914400" rtl="0" eaLnBrk="1" latinLnBrk="0" hangingPunct="1">
+      <a:lvl1pPr marL="274320" indent="-274320" algn="l" rtl="0" eaLnBrk="1" latinLnBrk="0" hangingPunct="1">
         <a:spcBef>
-          <a:spcPct val="20000"/>
+          <a:spcPts val="580"/>
         </a:spcBef>
-        <a:buFont typeface="Arial" pitchFamily="34" charset="0"/>
-        <a:buChar char="•"/>
-        <a:defRPr sz="2400" kern="1200">
-          <a:solidFill>
-            <a:schemeClr val="tx1">
-              <a:lumMod val="50000"/>
-              <a:lumOff val="50000"/>
-            </a:schemeClr>
-          </a:solidFill>
-          <a:latin typeface="+mj-lt"/>
-          <a:ea typeface="+mn-ea"/>
-          <a:cs typeface="+mn-cs"/>
-        </a:defRPr>
-      </a:lvl1pPr>
-      <a:lvl2pPr marL="742950" indent="-285750" algn="l" defTabSz="914400" rtl="0" eaLnBrk="1" latinLnBrk="0" hangingPunct="1">
-        <a:spcBef>
-          <a:spcPct val="20000"/>
-        </a:spcBef>
-        <a:buFont typeface="Courier New" pitchFamily="49" charset="0"/>
-        <a:buChar char="o"/>
-        <a:defRPr sz="1600" kern="1200">
-          <a:solidFill>
-            <a:schemeClr val="tx1">
-              <a:lumMod val="50000"/>
-              <a:lumOff val="50000"/>
-            </a:schemeClr>
-          </a:solidFill>
-          <a:latin typeface="+mj-lt"/>
-          <a:ea typeface="+mn-ea"/>
-          <a:cs typeface="+mn-cs"/>
-        </a:defRPr>
-      </a:lvl2pPr>
-      <a:lvl3pPr marL="1143000" indent="-228600" algn="l" defTabSz="914400" rtl="0" eaLnBrk="1" latinLnBrk="0" hangingPunct="1">
-        <a:spcBef>
-          <a:spcPct val="20000"/>
-        </a:spcBef>
-        <a:buFont typeface="Arial" pitchFamily="34" charset="0"/>
-        <a:buChar char="•"/>
-        <a:defRPr sz="1600" kern="1200">
-          <a:solidFill>
-            <a:schemeClr val="tx1">
-              <a:lumMod val="50000"/>
-              <a:lumOff val="50000"/>
-            </a:schemeClr>
-          </a:solidFill>
-          <a:latin typeface="+mj-lt"/>
-          <a:ea typeface="+mn-ea"/>
-          <a:cs typeface="+mn-cs"/>
-        </a:defRPr>
-      </a:lvl3pPr>
-      <a:lvl4pPr marL="1600200" indent="-228600" algn="l" defTabSz="914400" rtl="0" eaLnBrk="1" latinLnBrk="0" hangingPunct="1">
-        <a:spcBef>
-          <a:spcPct val="20000"/>
-        </a:spcBef>
-        <a:buFont typeface="Courier New" pitchFamily="49" charset="0"/>
-        <a:buChar char="o"/>
-        <a:defRPr sz="1600" kern="1200">
-          <a:solidFill>
-            <a:schemeClr val="tx1">
-              <a:lumMod val="50000"/>
-              <a:lumOff val="50000"/>
-            </a:schemeClr>
-          </a:solidFill>
-          <a:latin typeface="+mj-lt"/>
-          <a:ea typeface="+mn-ea"/>
-          <a:cs typeface="+mn-cs"/>
-        </a:defRPr>
-      </a:lvl4pPr>
-      <a:lvl5pPr marL="2057400" indent="-228600" algn="l" defTabSz="914400" rtl="0" eaLnBrk="1" latinLnBrk="0" hangingPunct="1">
-        <a:spcBef>
-          <a:spcPct val="20000"/>
-        </a:spcBef>
-        <a:buFont typeface="Arial" pitchFamily="34" charset="0"/>
-        <a:buChar char="•"/>
-        <a:defRPr sz="1600" kern="1200">
-          <a:solidFill>
-            <a:schemeClr val="tx1">
-              <a:lumMod val="50000"/>
-              <a:lumOff val="50000"/>
-            </a:schemeClr>
-          </a:solidFill>
-          <a:latin typeface="+mj-lt"/>
-          <a:ea typeface="+mn-ea"/>
-          <a:cs typeface="+mn-cs"/>
-        </a:defRPr>
-      </a:lvl5pPr>
-      <a:lvl6pPr marL="2514600" indent="-228600" algn="l" defTabSz="914400" rtl="0" eaLnBrk="1" latinLnBrk="0" hangingPunct="1">
-        <a:spcBef>
-          <a:spcPct val="20000"/>
-        </a:spcBef>
-        <a:buFont typeface="Courier New" pitchFamily="49" charset="0"/>
-        <a:buChar char="o"/>
-        <a:defRPr sz="1600" kern="1200">
-          <a:solidFill>
-            <a:schemeClr val="tx1">
-              <a:lumMod val="50000"/>
-              <a:lumOff val="50000"/>
-            </a:schemeClr>
-          </a:solidFill>
-          <a:latin typeface="+mj-lt"/>
-          <a:ea typeface="+mn-ea"/>
-          <a:cs typeface="+mn-cs"/>
-        </a:defRPr>
-      </a:lvl6pPr>
-      <a:lvl7pPr marL="2971800" indent="-228600" algn="l" defTabSz="914400" rtl="0" eaLnBrk="1" latinLnBrk="0" hangingPunct="1">
-        <a:spcBef>
-          <a:spcPct val="20000"/>
-        </a:spcBef>
-        <a:buFont typeface="Arial" pitchFamily="34" charset="0"/>
-        <a:buChar char="•"/>
-        <a:defRPr sz="1600" kern="1200">
-          <a:solidFill>
-            <a:schemeClr val="tx1">
-              <a:lumMod val="50000"/>
-              <a:lumOff val="50000"/>
-            </a:schemeClr>
-          </a:solidFill>
-          <a:latin typeface="+mj-lt"/>
-          <a:ea typeface="+mn-ea"/>
-          <a:cs typeface="+mn-cs"/>
-        </a:defRPr>
-      </a:lvl7pPr>
-      <a:lvl8pPr marL="3429000" indent="-228600" algn="l" defTabSz="914400" rtl="0" eaLnBrk="1" latinLnBrk="0" hangingPunct="1">
-        <a:spcBef>
-          <a:spcPct val="20000"/>
-        </a:spcBef>
-        <a:buFont typeface="Courier New" pitchFamily="49" charset="0"/>
-        <a:buChar char="o"/>
-        <a:defRPr sz="1600" kern="1200">
-          <a:solidFill>
-            <a:schemeClr val="tx1">
-              <a:lumMod val="50000"/>
-              <a:lumOff val="50000"/>
-            </a:schemeClr>
-          </a:solidFill>
-          <a:latin typeface="+mj-lt"/>
-          <a:ea typeface="+mn-ea"/>
-          <a:cs typeface="+mn-cs"/>
-        </a:defRPr>
-      </a:lvl8pPr>
-      <a:lvl9pPr marL="3886200" indent="-228600" algn="l" defTabSz="914400" rtl="0" eaLnBrk="1" latinLnBrk="0" hangingPunct="1">
-        <a:spcBef>
-          <a:spcPct val="20000"/>
-        </a:spcBef>
-        <a:buFont typeface="Arial" pitchFamily="34" charset="0"/>
-        <a:buChar char="•"/>
-        <a:defRPr sz="1600" kern="1200">
-          <a:solidFill>
-            <a:schemeClr val="tx1">
-              <a:lumMod val="50000"/>
-              <a:lumOff val="50000"/>
-            </a:schemeClr>
-          </a:solidFill>
-          <a:latin typeface="+mj-lt"/>
-          <a:ea typeface="+mn-ea"/>
-          <a:cs typeface="+mn-cs"/>
-        </a:defRPr>
-      </a:lvl9pPr>
-    </p:bodyStyle>
-    <p:otherStyle>
-      <a:defPPr>
-        <a:defRPr lang="en-US"/>
-      </a:defPPr>
-      <a:lvl1pPr marL="0" algn="l" defTabSz="914400" rtl="0" eaLnBrk="1" latinLnBrk="0" hangingPunct="1">
-        <a:defRPr sz="1800" kern="1200">
+        <a:buClr>
+          <a:schemeClr val="accent1"/>
+        </a:buClr>
+        <a:buSzPct val="85000"/>
+        <a:buFont typeface="Wingdings 2"/>
+        <a:buChar char=""/>
+        <a:defRPr kumimoji="0" sz="2600" kern="1200">
           <a:solidFill>
             <a:schemeClr val="tx1"/>
           </a:solidFill>
@@ -9576,8 +9715,17 @@
           <a:cs typeface="+mn-cs"/>
         </a:defRPr>
       </a:lvl1pPr>
-      <a:lvl2pPr marL="457200" algn="l" defTabSz="914400" rtl="0" eaLnBrk="1" latinLnBrk="0" hangingPunct="1">
-        <a:defRPr sz="1800" kern="1200">
+      <a:lvl2pPr marL="548640" indent="-228600" algn="l" rtl="0" eaLnBrk="1" latinLnBrk="0" hangingPunct="1">
+        <a:spcBef>
+          <a:spcPts val="370"/>
+        </a:spcBef>
+        <a:buClr>
+          <a:schemeClr val="accent2"/>
+        </a:buClr>
+        <a:buSzPct val="85000"/>
+        <a:buFont typeface="Wingdings 2"/>
+        <a:buChar char=""/>
+        <a:defRPr kumimoji="0" sz="2400" kern="1200">
           <a:solidFill>
             <a:schemeClr val="tx1"/>
           </a:solidFill>
@@ -9586,8 +9734,19 @@
           <a:cs typeface="+mn-cs"/>
         </a:defRPr>
       </a:lvl2pPr>
-      <a:lvl3pPr marL="914400" algn="l" defTabSz="914400" rtl="0" eaLnBrk="1" latinLnBrk="0" hangingPunct="1">
-        <a:defRPr sz="1800" kern="1200">
+      <a:lvl3pPr marL="822960" indent="-228600" algn="l" rtl="0" eaLnBrk="1" latinLnBrk="0" hangingPunct="1">
+        <a:spcBef>
+          <a:spcPts val="370"/>
+        </a:spcBef>
+        <a:buClr>
+          <a:schemeClr val="accent1">
+            <a:tint val="60000"/>
+          </a:schemeClr>
+        </a:buClr>
+        <a:buSzPct val="85000"/>
+        <a:buFont typeface="Wingdings 2"/>
+        <a:buChar char=""/>
+        <a:defRPr kumimoji="0" sz="2000" kern="1200">
           <a:solidFill>
             <a:schemeClr val="tx1"/>
           </a:solidFill>
@@ -9596,8 +9755,17 @@
           <a:cs typeface="+mn-cs"/>
         </a:defRPr>
       </a:lvl3pPr>
-      <a:lvl4pPr marL="1371600" algn="l" defTabSz="914400" rtl="0" eaLnBrk="1" latinLnBrk="0" hangingPunct="1">
-        <a:defRPr sz="1800" kern="1200">
+      <a:lvl4pPr marL="1097280" indent="-228600" algn="l" rtl="0" eaLnBrk="1" latinLnBrk="0" hangingPunct="1">
+        <a:spcBef>
+          <a:spcPts val="370"/>
+        </a:spcBef>
+        <a:buClr>
+          <a:schemeClr val="accent3"/>
+        </a:buClr>
+        <a:buSzPct val="80000"/>
+        <a:buFont typeface="Wingdings 2"/>
+        <a:buChar char=""/>
+        <a:defRPr kumimoji="0" sz="2000" kern="1200">
           <a:solidFill>
             <a:schemeClr val="tx1"/>
           </a:solidFill>
@@ -9606,8 +9774,16 @@
           <a:cs typeface="+mn-cs"/>
         </a:defRPr>
       </a:lvl4pPr>
-      <a:lvl5pPr marL="1828800" algn="l" defTabSz="914400" rtl="0" eaLnBrk="1" latinLnBrk="0" hangingPunct="1">
-        <a:defRPr sz="1800" kern="1200">
+      <a:lvl5pPr marL="1371600" indent="-228600" algn="l" rtl="0" eaLnBrk="1" latinLnBrk="0" hangingPunct="1">
+        <a:spcBef>
+          <a:spcPts val="370"/>
+        </a:spcBef>
+        <a:buClr>
+          <a:schemeClr val="accent3"/>
+        </a:buClr>
+        <a:buFontTx/>
+        <a:buChar char="o"/>
+        <a:defRPr kumimoji="0" sz="2000" kern="1200">
           <a:solidFill>
             <a:schemeClr val="tx1"/>
           </a:solidFill>
@@ -9616,8 +9792,15 @@
           <a:cs typeface="+mn-cs"/>
         </a:defRPr>
       </a:lvl5pPr>
-      <a:lvl6pPr marL="2286000" algn="l" defTabSz="914400" rtl="0" eaLnBrk="1" latinLnBrk="0" hangingPunct="1">
-        <a:defRPr sz="1800" kern="1200">
+      <a:lvl6pPr marL="1645920" indent="-228600" algn="l" rtl="0" eaLnBrk="1" latinLnBrk="0" hangingPunct="1">
+        <a:spcBef>
+          <a:spcPts val="370"/>
+        </a:spcBef>
+        <a:buClr>
+          <a:schemeClr val="accent3"/>
+        </a:buClr>
+        <a:buChar char="•"/>
+        <a:defRPr kumimoji="0" sz="1800" kern="1200" baseline="0">
           <a:solidFill>
             <a:schemeClr val="tx1"/>
           </a:solidFill>
@@ -9626,8 +9809,15 @@
           <a:cs typeface="+mn-cs"/>
         </a:defRPr>
       </a:lvl6pPr>
-      <a:lvl7pPr marL="2743200" algn="l" defTabSz="914400" rtl="0" eaLnBrk="1" latinLnBrk="0" hangingPunct="1">
-        <a:defRPr sz="1800" kern="1200">
+      <a:lvl7pPr marL="1920240" indent="-228600" algn="l" rtl="0" eaLnBrk="1" latinLnBrk="0" hangingPunct="1">
+        <a:spcBef>
+          <a:spcPts val="370"/>
+        </a:spcBef>
+        <a:buClr>
+          <a:schemeClr val="accent2"/>
+        </a:buClr>
+        <a:buChar char="•"/>
+        <a:defRPr kumimoji="0" sz="1800" kern="1200">
           <a:solidFill>
             <a:schemeClr val="tx1"/>
           </a:solidFill>
@@ -9636,8 +9826,17 @@
           <a:cs typeface="+mn-cs"/>
         </a:defRPr>
       </a:lvl7pPr>
-      <a:lvl8pPr marL="3200400" algn="l" defTabSz="914400" rtl="0" eaLnBrk="1" latinLnBrk="0" hangingPunct="1">
-        <a:defRPr sz="1800" kern="1200">
+      <a:lvl8pPr marL="2194560" indent="-228600" algn="l" rtl="0" eaLnBrk="1" latinLnBrk="0" hangingPunct="1">
+        <a:spcBef>
+          <a:spcPts val="370"/>
+        </a:spcBef>
+        <a:buClr>
+          <a:schemeClr val="accent1">
+            <a:tint val="60000"/>
+          </a:schemeClr>
+        </a:buClr>
+        <a:buChar char="•"/>
+        <a:defRPr kumimoji="0" sz="1800" kern="1200">
           <a:solidFill>
             <a:schemeClr val="tx1"/>
           </a:solidFill>
@@ -9646,8 +9845,109 @@
           <a:cs typeface="+mn-cs"/>
         </a:defRPr>
       </a:lvl8pPr>
-      <a:lvl9pPr marL="3657600" algn="l" defTabSz="914400" rtl="0" eaLnBrk="1" latinLnBrk="0" hangingPunct="1">
-        <a:defRPr sz="1800" kern="1200">
+      <a:lvl9pPr marL="2468880" indent="-228600" algn="l" rtl="0" eaLnBrk="1" latinLnBrk="0" hangingPunct="1">
+        <a:spcBef>
+          <a:spcPts val="370"/>
+        </a:spcBef>
+        <a:buClr>
+          <a:schemeClr val="accent2">
+            <a:tint val="60000"/>
+          </a:schemeClr>
+        </a:buClr>
+        <a:buChar char="•"/>
+        <a:defRPr kumimoji="0" sz="1800" kern="1200">
+          <a:solidFill>
+            <a:schemeClr val="tx1"/>
+          </a:solidFill>
+          <a:latin typeface="+mn-lt"/>
+          <a:ea typeface="+mn-ea"/>
+          <a:cs typeface="+mn-cs"/>
+        </a:defRPr>
+      </a:lvl9pPr>
+    </p:bodyStyle>
+    <p:otherStyle>
+      <a:lvl1pPr marL="0" algn="l" rtl="0" eaLnBrk="1" latinLnBrk="0" hangingPunct="1">
+        <a:defRPr kumimoji="0" kern="1200">
+          <a:solidFill>
+            <a:schemeClr val="tx1"/>
+          </a:solidFill>
+          <a:latin typeface="+mn-lt"/>
+          <a:ea typeface="+mn-ea"/>
+          <a:cs typeface="+mn-cs"/>
+        </a:defRPr>
+      </a:lvl1pPr>
+      <a:lvl2pPr marL="457200" algn="l" rtl="0" eaLnBrk="1" latinLnBrk="0" hangingPunct="1">
+        <a:defRPr kumimoji="0" kern="1200">
+          <a:solidFill>
+            <a:schemeClr val="tx1"/>
+          </a:solidFill>
+          <a:latin typeface="+mn-lt"/>
+          <a:ea typeface="+mn-ea"/>
+          <a:cs typeface="+mn-cs"/>
+        </a:defRPr>
+      </a:lvl2pPr>
+      <a:lvl3pPr marL="914400" algn="l" rtl="0" eaLnBrk="1" latinLnBrk="0" hangingPunct="1">
+        <a:defRPr kumimoji="0" kern="1200">
+          <a:solidFill>
+            <a:schemeClr val="tx1"/>
+          </a:solidFill>
+          <a:latin typeface="+mn-lt"/>
+          <a:ea typeface="+mn-ea"/>
+          <a:cs typeface="+mn-cs"/>
+        </a:defRPr>
+      </a:lvl3pPr>
+      <a:lvl4pPr marL="1371600" algn="l" rtl="0" eaLnBrk="1" latinLnBrk="0" hangingPunct="1">
+        <a:defRPr kumimoji="0" kern="1200">
+          <a:solidFill>
+            <a:schemeClr val="tx1"/>
+          </a:solidFill>
+          <a:latin typeface="+mn-lt"/>
+          <a:ea typeface="+mn-ea"/>
+          <a:cs typeface="+mn-cs"/>
+        </a:defRPr>
+      </a:lvl4pPr>
+      <a:lvl5pPr marL="1828800" algn="l" rtl="0" eaLnBrk="1" latinLnBrk="0" hangingPunct="1">
+        <a:defRPr kumimoji="0" kern="1200">
+          <a:solidFill>
+            <a:schemeClr val="tx1"/>
+          </a:solidFill>
+          <a:latin typeface="+mn-lt"/>
+          <a:ea typeface="+mn-ea"/>
+          <a:cs typeface="+mn-cs"/>
+        </a:defRPr>
+      </a:lvl5pPr>
+      <a:lvl6pPr marL="2286000" algn="l" rtl="0" eaLnBrk="1" latinLnBrk="0" hangingPunct="1">
+        <a:defRPr kumimoji="0" kern="1200">
+          <a:solidFill>
+            <a:schemeClr val="tx1"/>
+          </a:solidFill>
+          <a:latin typeface="+mn-lt"/>
+          <a:ea typeface="+mn-ea"/>
+          <a:cs typeface="+mn-cs"/>
+        </a:defRPr>
+      </a:lvl6pPr>
+      <a:lvl7pPr marL="2743200" algn="l" rtl="0" eaLnBrk="1" latinLnBrk="0" hangingPunct="1">
+        <a:defRPr kumimoji="0" kern="1200">
+          <a:solidFill>
+            <a:schemeClr val="tx1"/>
+          </a:solidFill>
+          <a:latin typeface="+mn-lt"/>
+          <a:ea typeface="+mn-ea"/>
+          <a:cs typeface="+mn-cs"/>
+        </a:defRPr>
+      </a:lvl7pPr>
+      <a:lvl8pPr marL="3200400" algn="l" rtl="0" eaLnBrk="1" latinLnBrk="0" hangingPunct="1">
+        <a:defRPr kumimoji="0" kern="1200">
+          <a:solidFill>
+            <a:schemeClr val="tx1"/>
+          </a:solidFill>
+          <a:latin typeface="+mn-lt"/>
+          <a:ea typeface="+mn-ea"/>
+          <a:cs typeface="+mn-cs"/>
+        </a:defRPr>
+      </a:lvl8pPr>
+      <a:lvl9pPr marL="3657600" algn="l" rtl="0" eaLnBrk="1" latinLnBrk="0" hangingPunct="1">
+        <a:defRPr kumimoji="0" kern="1200">
           <a:solidFill>
             <a:schemeClr val="tx1"/>
           </a:solidFill>
@@ -9690,114 +9990,52 @@
         </p:nvSpPr>
         <p:spPr>
           <a:xfrm>
-            <a:off x="8654" y="26375"/>
-            <a:ext cx="9135346" cy="636240"/>
+            <a:off x="14536" y="1220173"/>
+            <a:ext cx="9135346" cy="1920795"/>
           </a:xfrm>
         </p:spPr>
         <p:txBody>
           <a:bodyPr>
-            <a:normAutofit/>
+            <a:normAutofit fontScale="25000" lnSpcReduction="20000"/>
           </a:bodyPr>
           <a:lstStyle/>
           <a:p>
             <a:r>
-              <a:rPr lang="fr-FR" b="1" dirty="0" err="1" smtClean="0">
+              <a:rPr lang="fr-FR" sz="28800" b="1" dirty="0" smtClean="0">
                 <a:solidFill>
                   <a:schemeClr val="tx1"/>
                 </a:solidFill>
               </a:rPr>
-              <a:t>VTAgenda</a:t>
-            </a:r>
-            <a:r>
-              <a:rPr lang="fr-FR" b="1" dirty="0" smtClean="0">
+              <a:t>Projet VT2</a:t>
+            </a:r>
+            <a:r>
+              <a:rPr lang="fr-FR" sz="38400" b="1" dirty="0" smtClean="0">
                 <a:solidFill>
                   <a:schemeClr val="tx1"/>
                 </a:solidFill>
               </a:rPr>
-              <a:t> – </a:t>
-            </a:r>
-            <a:r>
-              <a:rPr lang="fr-FR" dirty="0"/>
-              <a:t>consultation des emplois du temps faits avec VT</a:t>
-            </a:r>
-          </a:p>
-        </p:txBody>
-      </p:sp>
-      <p:sp>
-        <p:nvSpPr>
-          <p:cNvPr id="5" name="Espace réservé du numéro de diapositive 4"/>
-          <p:cNvSpPr>
-            <a:spLocks noGrp="1"/>
-          </p:cNvSpPr>
-          <p:nvPr>
-            <p:ph type="sldNum" sz="quarter" idx="11"/>
-          </p:nvPr>
-        </p:nvSpPr>
-        <p:spPr/>
-        <p:txBody>
-          <a:bodyPr/>
-          <a:lstStyle/>
-          <a:p>
-            <a:fld id="{C7CDC3F6-687D-4FBA-B21C-72B0B0E094F4}" type="slidenum">
-              <a:rPr lang="fr-FR" smtClean="0"/>
-              <a:pPr/>
-              <a:t>1</a:t>
-            </a:fld>
-            <a:endParaRPr lang="fr-FR"/>
-          </a:p>
-        </p:txBody>
-      </p:sp>
-      <p:sp>
-        <p:nvSpPr>
-          <p:cNvPr id="9" name="Espace réservé du pied de page 9"/>
-          <p:cNvSpPr>
-            <a:spLocks noGrp="1"/>
-          </p:cNvSpPr>
-          <p:nvPr>
-            <p:ph type="ftr" sz="quarter" idx="12"/>
-          </p:nvPr>
-        </p:nvSpPr>
-        <p:spPr>
-          <a:xfrm>
-            <a:off x="3124200" y="5886000"/>
-            <a:ext cx="2895600" cy="835475"/>
-          </a:xfrm>
-        </p:spPr>
-        <p:txBody>
-          <a:bodyPr/>
-          <a:lstStyle/>
-          <a:p>
-            <a:r>
-              <a:rPr lang="fr-BE" dirty="0" smtClean="0"/>
-              <a:t>Luis Braga </a:t>
-            </a:r>
-            <a:r>
-              <a:rPr lang="fr-BE" dirty="0" err="1" smtClean="0"/>
-              <a:t>Seixas</a:t>
-            </a:r>
-            <a:r>
-              <a:rPr lang="fr-BE" dirty="0" smtClean="0"/>
-              <a:t/>
-            </a:r>
-            <a:br>
-              <a:rPr lang="fr-BE" dirty="0" smtClean="0"/>
-            </a:br>
-            <a:r>
-              <a:rPr lang="fr-BE" dirty="0" smtClean="0"/>
-              <a:t>Pierrick Moreau</a:t>
-            </a:r>
-            <a:br>
-              <a:rPr lang="fr-BE" dirty="0" smtClean="0"/>
-            </a:br>
-            <a:r>
-              <a:rPr lang="fr-BE" dirty="0" smtClean="0"/>
-              <a:t>Edmond S’</a:t>
-            </a:r>
-            <a:r>
-              <a:rPr lang="fr-BE" dirty="0" err="1" smtClean="0"/>
-              <a:t>Nadane</a:t>
-            </a:r>
-            <a:endParaRPr lang="fr-BE" dirty="0"/>
+              <a:t> </a:t>
+            </a:r>
+            <a:endParaRPr lang="fr-FR" sz="38400" b="1" dirty="0">
+              <a:solidFill>
+                <a:schemeClr val="tx1"/>
+              </a:solidFill>
+            </a:endParaRPr>
+          </a:p>
+          <a:p>
+            <a:r>
+              <a:rPr lang="fr-FR" sz="9600" dirty="0" smtClean="0">
+                <a:solidFill>
+                  <a:schemeClr val="bg1"/>
+                </a:solidFill>
+              </a:rPr>
+              <a:t>Réalisé par BRAGA, S’NADANE et MOREAU</a:t>
+            </a:r>
+            <a:endParaRPr lang="fr-FR" sz="9600" dirty="0">
+              <a:solidFill>
+                <a:schemeClr val="bg1"/>
+              </a:solidFill>
+            </a:endParaRPr>
           </a:p>
         </p:txBody>
       </p:sp>
@@ -9824,7 +10062,7 @@
         </p:blipFill>
         <p:spPr bwMode="auto">
           <a:xfrm>
-            <a:off x="2571" y="5621383"/>
+            <a:off x="290603" y="116632"/>
             <a:ext cx="1401077" cy="1235083"/>
           </a:xfrm>
           <a:prstGeom prst="rect">
@@ -9878,7 +10116,7 @@
         </p:blipFill>
         <p:spPr bwMode="auto">
           <a:xfrm>
-            <a:off x="6924001" y="5886000"/>
+            <a:off x="6732240" y="248173"/>
             <a:ext cx="2219999" cy="972000"/>
           </a:xfrm>
           <a:prstGeom prst="rect">
@@ -9905,190 +10143,6 @@
                 <a:headEnd/>
                 <a:tailEnd/>
               </a14:hiddenLine>
-            </a:ext>
-          </a:extLst>
-        </p:spPr>
-      </p:pic>
-      <p:sp>
-        <p:nvSpPr>
-          <p:cNvPr id="10" name="Espace réservé du pied de page 9"/>
-          <p:cNvSpPr txBox="1">
-            <a:spLocks/>
-          </p:cNvSpPr>
-          <p:nvPr/>
-        </p:nvSpPr>
-        <p:spPr>
-          <a:xfrm>
-            <a:off x="6972136" y="1340768"/>
-            <a:ext cx="2123728" cy="792088"/>
-          </a:xfrm>
-          <a:prstGeom prst="rect">
-            <a:avLst/>
-          </a:prstGeom>
-        </p:spPr>
-        <p:txBody>
-          <a:bodyPr vert="horz" lIns="91440" tIns="45720" rIns="91440" bIns="45720" rtlCol="0" anchor="ctr"/>
-          <a:lstStyle>
-            <a:defPPr>
-              <a:defRPr lang="fr-FR"/>
-            </a:defPPr>
-            <a:lvl1pPr marL="0" algn="ctr" defTabSz="914400" rtl="0" eaLnBrk="1" latinLnBrk="0" hangingPunct="1">
-              <a:defRPr sz="1200" kern="1200">
-                <a:solidFill>
-                  <a:schemeClr val="tx1">
-                    <a:tint val="75000"/>
-                  </a:schemeClr>
-                </a:solidFill>
-                <a:latin typeface="+mn-lt"/>
-                <a:ea typeface="+mn-ea"/>
-                <a:cs typeface="+mn-cs"/>
-              </a:defRPr>
-            </a:lvl1pPr>
-            <a:lvl2pPr marL="457200" algn="l" defTabSz="914400" rtl="0" eaLnBrk="1" latinLnBrk="0" hangingPunct="1">
-              <a:defRPr sz="1800" kern="1200">
-                <a:solidFill>
-                  <a:schemeClr val="tx1"/>
-                </a:solidFill>
-                <a:latin typeface="+mn-lt"/>
-                <a:ea typeface="+mn-ea"/>
-                <a:cs typeface="+mn-cs"/>
-              </a:defRPr>
-            </a:lvl2pPr>
-            <a:lvl3pPr marL="914400" algn="l" defTabSz="914400" rtl="0" eaLnBrk="1" latinLnBrk="0" hangingPunct="1">
-              <a:defRPr sz="1800" kern="1200">
-                <a:solidFill>
-                  <a:schemeClr val="tx1"/>
-                </a:solidFill>
-                <a:latin typeface="+mn-lt"/>
-                <a:ea typeface="+mn-ea"/>
-                <a:cs typeface="+mn-cs"/>
-              </a:defRPr>
-            </a:lvl3pPr>
-            <a:lvl4pPr marL="1371600" algn="l" defTabSz="914400" rtl="0" eaLnBrk="1" latinLnBrk="0" hangingPunct="1">
-              <a:defRPr sz="1800" kern="1200">
-                <a:solidFill>
-                  <a:schemeClr val="tx1"/>
-                </a:solidFill>
-                <a:latin typeface="+mn-lt"/>
-                <a:ea typeface="+mn-ea"/>
-                <a:cs typeface="+mn-cs"/>
-              </a:defRPr>
-            </a:lvl4pPr>
-            <a:lvl5pPr marL="1828800" algn="l" defTabSz="914400" rtl="0" eaLnBrk="1" latinLnBrk="0" hangingPunct="1">
-              <a:defRPr sz="1800" kern="1200">
-                <a:solidFill>
-                  <a:schemeClr val="tx1"/>
-                </a:solidFill>
-                <a:latin typeface="+mn-lt"/>
-                <a:ea typeface="+mn-ea"/>
-                <a:cs typeface="+mn-cs"/>
-              </a:defRPr>
-            </a:lvl5pPr>
-            <a:lvl6pPr marL="2286000" algn="l" defTabSz="914400" rtl="0" eaLnBrk="1" latinLnBrk="0" hangingPunct="1">
-              <a:defRPr sz="1800" kern="1200">
-                <a:solidFill>
-                  <a:schemeClr val="tx1"/>
-                </a:solidFill>
-                <a:latin typeface="+mn-lt"/>
-                <a:ea typeface="+mn-ea"/>
-                <a:cs typeface="+mn-cs"/>
-              </a:defRPr>
-            </a:lvl6pPr>
-            <a:lvl7pPr marL="2743200" algn="l" defTabSz="914400" rtl="0" eaLnBrk="1" latinLnBrk="0" hangingPunct="1">
-              <a:defRPr sz="1800" kern="1200">
-                <a:solidFill>
-                  <a:schemeClr val="tx1"/>
-                </a:solidFill>
-                <a:latin typeface="+mn-lt"/>
-                <a:ea typeface="+mn-ea"/>
-                <a:cs typeface="+mn-cs"/>
-              </a:defRPr>
-            </a:lvl7pPr>
-            <a:lvl8pPr marL="3200400" algn="l" defTabSz="914400" rtl="0" eaLnBrk="1" latinLnBrk="0" hangingPunct="1">
-              <a:defRPr sz="1800" kern="1200">
-                <a:solidFill>
-                  <a:schemeClr val="tx1"/>
-                </a:solidFill>
-                <a:latin typeface="+mn-lt"/>
-                <a:ea typeface="+mn-ea"/>
-                <a:cs typeface="+mn-cs"/>
-              </a:defRPr>
-            </a:lvl8pPr>
-            <a:lvl9pPr marL="3657600" algn="l" defTabSz="914400" rtl="0" eaLnBrk="1" latinLnBrk="0" hangingPunct="1">
-              <a:defRPr sz="1800" kern="1200">
-                <a:solidFill>
-                  <a:schemeClr val="tx1"/>
-                </a:solidFill>
-                <a:latin typeface="+mn-lt"/>
-                <a:ea typeface="+mn-ea"/>
-                <a:cs typeface="+mn-cs"/>
-              </a:defRPr>
-            </a:lvl9pPr>
-          </a:lstStyle>
-          <a:p>
-            <a:r>
-              <a:rPr lang="fr-BE" dirty="0" smtClean="0"/>
-              <a:t>Tuteur</a:t>
-            </a:r>
-            <a:br>
-              <a:rPr lang="fr-BE" dirty="0" smtClean="0"/>
-            </a:br>
-            <a:r>
-              <a:rPr lang="fr-BE" dirty="0" err="1" smtClean="0"/>
-              <a:t>Benzzaki</a:t>
-            </a:r>
-            <a:r>
-              <a:rPr lang="fr-BE" dirty="0" smtClean="0"/>
-              <a:t> Judith</a:t>
-            </a:r>
-            <a:br>
-              <a:rPr lang="fr-BE" dirty="0" smtClean="0"/>
-            </a:br>
-            <a:r>
-              <a:rPr lang="fr-BE" dirty="0" smtClean="0"/>
-              <a:t>Didier Courtaud</a:t>
-            </a:r>
-            <a:endParaRPr lang="fr-BE" dirty="0"/>
-          </a:p>
-        </p:txBody>
-      </p:sp>
-      <p:pic>
-        <p:nvPicPr>
-          <p:cNvPr id="1026" name="Picture 2" descr="C:\wamp\www\Projet-R-D\Ancienne Version\calendar_31.png"/>
-          <p:cNvPicPr>
-            <a:picLocks noChangeAspect="1" noChangeArrowheads="1"/>
-          </p:cNvPicPr>
-          <p:nvPr/>
-        </p:nvPicPr>
-        <p:blipFill>
-          <a:blip r:embed="rId4">
-            <a:extLst>
-              <a:ext uri="{28A0092B-C50C-407E-A947-70E740481C1C}">
-                <a14:useLocalDpi xmlns:a14="http://schemas.microsoft.com/office/drawing/2010/main" val="0"/>
-              </a:ext>
-            </a:extLst>
-          </a:blip>
-          <a:srcRect/>
-          <a:stretch>
-            <a:fillRect/>
-          </a:stretch>
-        </p:blipFill>
-        <p:spPr bwMode="auto">
-          <a:xfrm>
-            <a:off x="2699792" y="1124744"/>
-            <a:ext cx="3899272" cy="3899272"/>
-          </a:xfrm>
-          <a:prstGeom prst="rect">
-            <a:avLst/>
-          </a:prstGeom>
-          <a:noFill/>
-          <a:extLst>
-            <a:ext uri="{909E8E84-426E-40DD-AFC4-6F175D3DCCD1}">
-              <a14:hiddenFill xmlns:a14="http://schemas.microsoft.com/office/drawing/2010/main">
-                <a:solidFill>
-                  <a:srgbClr val="FFFFFF"/>
-                </a:solidFill>
-              </a14:hiddenFill>
             </a:ext>
           </a:extLst>
         </p:spPr>
@@ -10148,163 +10202,23 @@
             <p:ph type="title"/>
           </p:nvPr>
         </p:nvSpPr>
-        <p:spPr/>
-        <p:txBody>
-          <a:bodyPr/>
-          <a:lstStyle/>
-          <a:p>
-            <a:r>
-              <a:rPr lang="fr-FR" dirty="0" smtClean="0"/>
-              <a:t>Introduction</a:t>
-            </a:r>
-            <a:endParaRPr lang="fr-FR" dirty="0"/>
-          </a:p>
-        </p:txBody>
-      </p:sp>
-      <p:sp>
-        <p:nvSpPr>
-          <p:cNvPr id="5" name="Espace réservé du contenu 4"/>
-          <p:cNvSpPr>
-            <a:spLocks noGrp="1"/>
-          </p:cNvSpPr>
-          <p:nvPr>
-            <p:ph idx="1"/>
-          </p:nvPr>
-        </p:nvSpPr>
         <p:spPr>
           <a:xfrm>
-            <a:off x="251520" y="2132856"/>
-            <a:ext cx="8435280" cy="3993307"/>
+            <a:off x="179512" y="274638"/>
+            <a:ext cx="8507288" cy="1143000"/>
           </a:xfrm>
         </p:spPr>
         <p:txBody>
           <a:bodyPr>
-            <a:normAutofit lnSpcReduction="10000"/>
+            <a:normAutofit/>
           </a:bodyPr>
           <a:lstStyle/>
           <a:p>
-            <a:pPr marL="0" indent="0">
-              <a:buNone/>
-            </a:pPr>
-            <a:r>
-              <a:rPr lang="fr-FR" b="1" dirty="0" smtClean="0"/>
-              <a:t>Objectifs</a:t>
-            </a:r>
-            <a:r>
-              <a:rPr lang="fr-FR" dirty="0" smtClean="0"/>
-              <a:t> : </a:t>
-            </a:r>
-          </a:p>
-          <a:p>
-            <a:pPr>
-              <a:buFontTx/>
-              <a:buChar char="-"/>
-            </a:pPr>
-            <a:r>
-              <a:rPr lang="fr-FR" dirty="0" smtClean="0"/>
-              <a:t>Analyse, conception et développement </a:t>
-            </a:r>
-            <a:r>
-              <a:rPr lang="fr-FR" dirty="0" smtClean="0"/>
-              <a:t>d’une mise à jour du site </a:t>
-            </a:r>
-            <a:r>
-              <a:rPr lang="fr-FR" dirty="0" err="1" smtClean="0"/>
-              <a:t>VTAgenda</a:t>
-            </a:r>
-            <a:r>
-              <a:rPr lang="fr-FR" dirty="0" smtClean="0"/>
-              <a:t> afin de le rendre responsive</a:t>
-            </a:r>
-          </a:p>
-          <a:p>
-            <a:pPr>
-              <a:buFontTx/>
-              <a:buChar char="-"/>
-            </a:pPr>
-            <a:r>
-              <a:rPr lang="fr-FR" dirty="0" smtClean="0"/>
-              <a:t>Mise </a:t>
-            </a:r>
-            <a:r>
-              <a:rPr lang="fr-FR" dirty="0" smtClean="0"/>
-              <a:t>en place de méthodes et d’outils pour la réalisation d’un travail de groupe viable sur la durée.</a:t>
-            </a:r>
-          </a:p>
-          <a:p>
-            <a:pPr>
-              <a:buFontTx/>
-              <a:buChar char="-"/>
-            </a:pPr>
-            <a:r>
-              <a:rPr lang="fr-FR" dirty="0" smtClean="0"/>
-              <a:t>Volonté d’une expérience la plus réelle possible.</a:t>
-            </a:r>
-          </a:p>
-          <a:p>
-            <a:pPr>
-              <a:buFontTx/>
-              <a:buChar char="-"/>
-            </a:pPr>
-            <a:endParaRPr lang="fr-FR" dirty="0" smtClean="0"/>
-          </a:p>
-          <a:p>
-            <a:pPr marL="0" indent="0">
-              <a:buNone/>
-            </a:pPr>
-            <a:endParaRPr lang="fr-FR" dirty="0" smtClean="0"/>
-          </a:p>
-          <a:p>
-            <a:pPr marL="0" indent="0">
-              <a:buNone/>
-            </a:pPr>
-            <a:r>
-              <a:rPr lang="fr-FR" b="1" dirty="0" smtClean="0"/>
-              <a:t>Langages</a:t>
-            </a:r>
-            <a:r>
-              <a:rPr lang="fr-FR" dirty="0" smtClean="0"/>
-              <a:t> : HTML/CSS/JS/PHP</a:t>
-            </a:r>
-          </a:p>
-          <a:p>
-            <a:pPr marL="0" indent="0">
-              <a:buNone/>
-            </a:pPr>
-            <a:r>
-              <a:rPr lang="fr-FR" b="1" dirty="0" smtClean="0"/>
-              <a:t>Durée</a:t>
-            </a:r>
-            <a:r>
-              <a:rPr lang="fr-FR" dirty="0" smtClean="0"/>
-              <a:t> : </a:t>
-            </a:r>
-            <a:r>
-              <a:rPr lang="fr-FR" dirty="0" smtClean="0"/>
-              <a:t>4 </a:t>
-            </a:r>
-            <a:r>
-              <a:rPr lang="fr-FR" dirty="0" smtClean="0"/>
-              <a:t>mois</a:t>
-            </a:r>
-          </a:p>
-          <a:p>
-            <a:pPr marL="0" indent="0">
-              <a:buNone/>
-            </a:pPr>
-            <a:endParaRPr lang="fr-FR" dirty="0"/>
-          </a:p>
-          <a:p>
-            <a:pPr marL="0" indent="0">
-              <a:buNone/>
-            </a:pPr>
-            <a:endParaRPr lang="fr-FR" dirty="0" smtClean="0"/>
-          </a:p>
-          <a:p>
-            <a:pPr marL="0" indent="0">
-              <a:buNone/>
-            </a:pPr>
-            <a:endParaRPr lang="fr-FR" dirty="0" smtClean="0"/>
+            <a:r>
+              <a:rPr lang="fr-FR" sz="3600" dirty="0" smtClean="0"/>
+              <a:t>Introduction</a:t>
+            </a:r>
+            <a:endParaRPr lang="fr-FR" sz="3600" dirty="0"/>
           </a:p>
         </p:txBody>
       </p:sp>
@@ -10328,7 +10242,160 @@
               <a:pPr/>
               <a:t>2</a:t>
             </a:fld>
-            <a:endParaRPr lang="fr-FR"/>
+            <a:r>
+              <a:rPr lang="fr-FR" dirty="0" smtClean="0"/>
+              <a:t>/</a:t>
+            </a:r>
+            <a:endParaRPr lang="fr-FR" dirty="0"/>
+          </a:p>
+        </p:txBody>
+      </p:sp>
+      <p:sp>
+        <p:nvSpPr>
+          <p:cNvPr id="5" name="Espace réservé du contenu 4"/>
+          <p:cNvSpPr>
+            <a:spLocks noGrp="1"/>
+          </p:cNvSpPr>
+          <p:nvPr>
+            <p:ph sz="quarter" idx="1"/>
+          </p:nvPr>
+        </p:nvSpPr>
+        <p:spPr>
+          <a:xfrm>
+            <a:off x="251520" y="1628800"/>
+            <a:ext cx="8435280" cy="4464495"/>
+          </a:xfrm>
+        </p:spPr>
+        <p:txBody>
+          <a:bodyPr>
+            <a:normAutofit fontScale="92500" lnSpcReduction="10000"/>
+          </a:bodyPr>
+          <a:lstStyle/>
+          <a:p>
+            <a:pPr marL="0" indent="0">
+              <a:buNone/>
+            </a:pPr>
+            <a:r>
+              <a:rPr lang="fr-FR" b="1" dirty="0" smtClean="0"/>
+              <a:t>Objectifs</a:t>
+            </a:r>
+            <a:r>
+              <a:rPr lang="fr-FR" dirty="0" smtClean="0"/>
+              <a:t> : </a:t>
+            </a:r>
+          </a:p>
+          <a:p>
+            <a:pPr>
+              <a:buFontTx/>
+              <a:buChar char="-"/>
+            </a:pPr>
+            <a:r>
+              <a:rPr lang="fr-FR" dirty="0" smtClean="0"/>
+              <a:t>Analyse, conception et développement d’une mise à jour du site </a:t>
+            </a:r>
+            <a:r>
+              <a:rPr lang="fr-FR" dirty="0" smtClean="0"/>
+              <a:t>« </a:t>
+            </a:r>
+            <a:r>
+              <a:rPr lang="fr-FR" dirty="0" err="1" smtClean="0"/>
+              <a:t>VTAgenda</a:t>
+            </a:r>
+            <a:r>
+              <a:rPr lang="fr-FR" dirty="0" smtClean="0"/>
+              <a:t> consultation » afin </a:t>
+            </a:r>
+            <a:r>
+              <a:rPr lang="fr-FR" dirty="0" smtClean="0"/>
+              <a:t>de le rendre responsive</a:t>
+            </a:r>
+          </a:p>
+          <a:p>
+            <a:pPr>
+              <a:buFontTx/>
+              <a:buChar char="-"/>
+            </a:pPr>
+            <a:r>
+              <a:rPr lang="fr-FR" dirty="0" smtClean="0"/>
+              <a:t>Mise en place de méthodes et d’outils pour la réalisation d’un travail de groupe viable sur la durée.</a:t>
+            </a:r>
+          </a:p>
+          <a:p>
+            <a:pPr>
+              <a:buFontTx/>
+              <a:buChar char="-"/>
+            </a:pPr>
+            <a:r>
+              <a:rPr lang="fr-FR" dirty="0" smtClean="0"/>
+              <a:t>Volonté d’une expérience la plus réelle possible</a:t>
+            </a:r>
+            <a:r>
+              <a:rPr lang="fr-FR" dirty="0" smtClean="0"/>
+              <a:t>.</a:t>
+            </a:r>
+          </a:p>
+          <a:p>
+            <a:pPr>
+              <a:buFontTx/>
+              <a:buChar char="-"/>
+            </a:pPr>
+            <a:r>
+              <a:rPr lang="fr-FR" dirty="0" smtClean="0">
+                <a:solidFill>
+                  <a:srgbClr val="FFC000"/>
+                </a:solidFill>
+              </a:rPr>
+              <a:t>Recherche et Développement</a:t>
+            </a:r>
+            <a:endParaRPr lang="fr-FR" dirty="0" smtClean="0">
+              <a:solidFill>
+                <a:srgbClr val="FFC000"/>
+              </a:solidFill>
+            </a:endParaRPr>
+          </a:p>
+          <a:p>
+            <a:pPr>
+              <a:buFontTx/>
+              <a:buChar char="-"/>
+            </a:pPr>
+            <a:endParaRPr lang="fr-FR" dirty="0" smtClean="0"/>
+          </a:p>
+          <a:p>
+            <a:pPr marL="0" indent="0">
+              <a:buNone/>
+            </a:pPr>
+            <a:endParaRPr lang="fr-FR" dirty="0" smtClean="0"/>
+          </a:p>
+          <a:p>
+            <a:pPr marL="0" indent="0">
+              <a:buNone/>
+            </a:pPr>
+            <a:r>
+              <a:rPr lang="fr-FR" b="1" dirty="0" smtClean="0"/>
+              <a:t>Langages</a:t>
+            </a:r>
+            <a:r>
+              <a:rPr lang="fr-FR" dirty="0" smtClean="0"/>
+              <a:t> : HTML/CSS/JS/PHP</a:t>
+            </a:r>
+          </a:p>
+          <a:p>
+            <a:pPr marL="0" indent="0">
+              <a:buNone/>
+            </a:pPr>
+            <a:r>
+              <a:rPr lang="fr-FR" b="1" dirty="0" smtClean="0"/>
+              <a:t>Durée</a:t>
+            </a:r>
+            <a:r>
+              <a:rPr lang="fr-FR" dirty="0" smtClean="0"/>
+              <a:t> : 4 </a:t>
+            </a:r>
+            <a:r>
+              <a:rPr lang="fr-FR" dirty="0" smtClean="0"/>
+              <a:t>mois</a:t>
+            </a:r>
+            <a:endParaRPr lang="fr-FR" dirty="0" smtClean="0"/>
           </a:p>
         </p:txBody>
       </p:sp>
@@ -10387,43 +10454,23 @@
             <p:ph type="title"/>
           </p:nvPr>
         </p:nvSpPr>
-        <p:spPr/>
+        <p:spPr>
+          <a:xfrm>
+            <a:off x="179512" y="274638"/>
+            <a:ext cx="8507288" cy="1143000"/>
+          </a:xfrm>
+        </p:spPr>
         <p:txBody>
-          <a:bodyPr/>
+          <a:bodyPr>
+            <a:normAutofit/>
+          </a:bodyPr>
           <a:lstStyle/>
           <a:p>
-            <a:pPr algn="ctr"/>
-            <a:r>
-              <a:rPr lang="fr-FR" dirty="0" smtClean="0"/>
+            <a:r>
+              <a:rPr lang="fr-FR" sz="3600" dirty="0" smtClean="0"/>
               <a:t>Table des matières</a:t>
             </a:r>
-            <a:endParaRPr lang="fr-FR" dirty="0"/>
-          </a:p>
-        </p:txBody>
-      </p:sp>
-      <p:sp>
-        <p:nvSpPr>
-          <p:cNvPr id="3" name="Espace réservé du contenu 2"/>
-          <p:cNvSpPr>
-            <a:spLocks noGrp="1"/>
-          </p:cNvSpPr>
-          <p:nvPr>
-            <p:ph idx="1"/>
-          </p:nvPr>
-        </p:nvSpPr>
-        <p:spPr/>
-        <p:txBody>
-          <a:bodyPr/>
-          <a:lstStyle/>
-          <a:p>
-            <a:pPr marL="0" indent="0">
-              <a:buNone/>
-            </a:pPr>
-            <a:r>
-              <a:rPr lang="fr-FR" dirty="0" smtClean="0"/>
-              <a:t> </a:t>
-            </a:r>
-            <a:endParaRPr lang="fr-FR" dirty="0"/>
+            <a:endParaRPr lang="fr-FR" sz="3600" dirty="0"/>
           </a:p>
         </p:txBody>
       </p:sp>
@@ -10447,7 +10494,37 @@
               <a:pPr/>
               <a:t>3</a:t>
             </a:fld>
-            <a:endParaRPr lang="fr-FR"/>
+            <a:r>
+              <a:rPr lang="fr-FR" dirty="0" smtClean="0"/>
+              <a:t>/</a:t>
+            </a:r>
+            <a:endParaRPr lang="fr-FR" dirty="0"/>
+          </a:p>
+        </p:txBody>
+      </p:sp>
+      <p:sp>
+        <p:nvSpPr>
+          <p:cNvPr id="3" name="Espace réservé du contenu 2"/>
+          <p:cNvSpPr>
+            <a:spLocks noGrp="1"/>
+          </p:cNvSpPr>
+          <p:nvPr>
+            <p:ph sz="quarter" idx="1"/>
+          </p:nvPr>
+        </p:nvSpPr>
+        <p:spPr/>
+        <p:txBody>
+          <a:bodyPr/>
+          <a:lstStyle/>
+          <a:p>
+            <a:pPr marL="0" indent="0">
+              <a:buNone/>
+            </a:pPr>
+            <a:r>
+              <a:rPr lang="fr-FR" dirty="0" smtClean="0"/>
+              <a:t> </a:t>
+            </a:r>
+            <a:endParaRPr lang="fr-FR" dirty="0"/>
           </a:p>
         </p:txBody>
       </p:sp>
@@ -10776,8 +10853,16 @@
                   </a:schemeClr>
                 </a:solidFill>
               </a:rPr>
-              <a:t>Ce que l’on a fait</a:t>
-            </a:r>
+              <a:t>Travaux réalisés</a:t>
+            </a:r>
+            <a:endParaRPr lang="fr-FR" dirty="0" smtClean="0">
+              <a:solidFill>
+                <a:schemeClr val="tx1">
+                  <a:lumMod val="65000"/>
+                  <a:lumOff val="35000"/>
+                </a:schemeClr>
+              </a:solidFill>
+            </a:endParaRPr>
           </a:p>
           <a:p>
             <a:pPr marL="285750" indent="-285750">
@@ -10919,6 +11004,17 @@
               <a:buSzPct val="110000"/>
             </a:pPr>
             <a:r>
+              <a:rPr lang="en-GB" dirty="0" err="1" smtClean="0">
+                <a:solidFill>
+                  <a:schemeClr val="tx1">
+                    <a:lumMod val="65000"/>
+                    <a:lumOff val="35000"/>
+                  </a:schemeClr>
+                </a:solidFill>
+              </a:rPr>
+              <a:t>Travaux</a:t>
+            </a:r>
+            <a:r>
               <a:rPr lang="en-GB" dirty="0" smtClean="0">
                 <a:solidFill>
                   <a:schemeClr val="tx1">
@@ -10927,7 +11023,7 @@
                   </a:schemeClr>
                 </a:solidFill>
               </a:rPr>
-              <a:t>Ce </a:t>
+              <a:t> </a:t>
             </a:r>
             <a:r>
               <a:rPr lang="en-GB" dirty="0" err="1" smtClean="0">
@@ -10938,7 +11034,7 @@
                   </a:schemeClr>
                 </a:solidFill>
               </a:rPr>
-              <a:t>qu’il</a:t>
+              <a:t>en</a:t>
             </a:r>
             <a:r>
               <a:rPr lang="en-GB" dirty="0" smtClean="0">
@@ -10949,7 +11045,7 @@
                   </a:schemeClr>
                 </a:solidFill>
               </a:rPr>
-              <a:t> nous </a:t>
+              <a:t> </a:t>
             </a:r>
             <a:r>
               <a:rPr lang="en-GB" dirty="0" err="1" smtClean="0">
@@ -10960,7 +11056,7 @@
                   </a:schemeClr>
                 </a:solidFill>
               </a:rPr>
-              <a:t>reste</a:t>
+              <a:t>cours</a:t>
             </a:r>
             <a:r>
               <a:rPr lang="en-GB" dirty="0" smtClean="0">
@@ -10971,8 +11067,27 @@
                   </a:schemeClr>
                 </a:solidFill>
               </a:rPr>
-              <a:t> à faire</a:t>
-            </a:r>
+              <a:t> de </a:t>
+            </a:r>
+            <a:r>
+              <a:rPr lang="en-GB" dirty="0" err="1" smtClean="0">
+                <a:solidFill>
+                  <a:schemeClr val="tx1">
+                    <a:lumMod val="65000"/>
+                    <a:lumOff val="35000"/>
+                  </a:schemeClr>
+                </a:solidFill>
+              </a:rPr>
+              <a:t>développement</a:t>
+            </a:r>
+            <a:endParaRPr lang="en-GB" dirty="0" smtClean="0">
+              <a:solidFill>
+                <a:schemeClr val="tx1">
+                  <a:lumMod val="65000"/>
+                  <a:lumOff val="35000"/>
+                </a:schemeClr>
+              </a:solidFill>
+            </a:endParaRPr>
           </a:p>
           <a:p>
             <a:pPr marL="285750" indent="-285750">
@@ -11352,12 +11467,19 @@
             <p:ph type="title"/>
           </p:nvPr>
         </p:nvSpPr>
-        <p:spPr/>
+        <p:spPr>
+          <a:xfrm>
+            <a:off x="179512" y="620688"/>
+            <a:ext cx="8784976" cy="648072"/>
+          </a:xfrm>
+        </p:spPr>
         <p:txBody>
-          <a:bodyPr/>
+          <a:bodyPr>
+            <a:normAutofit fontScale="90000"/>
+          </a:bodyPr>
           <a:lstStyle/>
           <a:p>
-            <a:pPr marL="285750" indent="-285750">
+            <a:pPr marL="285750" indent="-285750" algn="ctr">
               <a:lnSpc>
                 <a:spcPct val="90000"/>
               </a:lnSpc>
@@ -11374,49 +11496,37 @@
                   </a:schemeClr>
                 </a:solidFill>
               </a:rPr>
-              <a:t>I.1 </a:t>
-            </a:r>
-            <a:r>
-              <a:rPr lang="en-GB" dirty="0" smtClean="0">
-                <a:solidFill>
-                  <a:schemeClr val="tx1">
-                    <a:lumMod val="65000"/>
-                    <a:lumOff val="35000"/>
-                  </a:schemeClr>
-                </a:solidFill>
-              </a:rPr>
-              <a:t>Architecture </a:t>
-            </a:r>
-            <a:r>
-              <a:rPr lang="en-GB" dirty="0">
-                <a:solidFill>
-                  <a:schemeClr val="tx1">
-                    <a:lumMod val="65000"/>
-                    <a:lumOff val="35000"/>
-                  </a:schemeClr>
-                </a:solidFill>
-              </a:rPr>
-              <a:t>du </a:t>
-            </a:r>
-            <a:r>
-              <a:rPr lang="en-GB" dirty="0" smtClean="0">
-                <a:solidFill>
-                  <a:schemeClr val="tx1">
-                    <a:lumMod val="65000"/>
-                    <a:lumOff val="35000"/>
-                  </a:schemeClr>
-                </a:solidFill>
-              </a:rPr>
-              <a:t>projet</a:t>
-            </a:r>
-            <a:endParaRPr lang="en-GB" dirty="0">
+              <a:t>I.1 Architecture du projet</a:t>
+            </a:r>
+            <a:endParaRPr lang="en-GB" sz="1200" dirty="0">
               <a:solidFill>
-                <a:schemeClr val="tx1">
-                  <a:lumMod val="65000"/>
-                  <a:lumOff val="35000"/>
-                </a:schemeClr>
+                <a:srgbClr val="FFC000"/>
               </a:solidFill>
             </a:endParaRPr>
+          </a:p>
+        </p:txBody>
+      </p:sp>
+      <p:sp>
+        <p:nvSpPr>
+          <p:cNvPr id="4" name="Espace réservé du numéro de diapositive 3"/>
+          <p:cNvSpPr>
+            <a:spLocks noGrp="1"/>
+          </p:cNvSpPr>
+          <p:nvPr>
+            <p:ph type="sldNum" sz="quarter" idx="12"/>
+          </p:nvPr>
+        </p:nvSpPr>
+        <p:spPr/>
+        <p:txBody>
+          <a:bodyPr/>
+          <a:lstStyle/>
+          <a:p>
+            <a:fld id="{C7CDC3F6-687D-4FBA-B21C-72B0B0E094F4}" type="slidenum">
+              <a:rPr lang="fr-FR" smtClean="0"/>
+              <a:pPr/>
+              <a:t>4</a:t>
+            </a:fld>
+            <a:endParaRPr lang="fr-FR"/>
           </a:p>
         </p:txBody>
       </p:sp>
@@ -11427,7 +11537,7 @@
             <a:graphicFrameLocks noGrp="1"/>
           </p:cNvGraphicFramePr>
           <p:nvPr>
-            <p:ph idx="1"/>
+            <p:ph sz="quarter" idx="1"/>
             <p:extLst>
               <p:ext uri="{D42A27DB-BD31-4B8C-83A1-F6EECF244321}">
                 <p14:modId xmlns:p14="http://schemas.microsoft.com/office/powerpoint/2010/main" val="3956062099"/>
@@ -11445,30 +11555,6 @@
           </a:graphicData>
         </a:graphic>
       </p:graphicFrame>
-      <p:sp>
-        <p:nvSpPr>
-          <p:cNvPr id="4" name="Espace réservé du numéro de diapositive 3"/>
-          <p:cNvSpPr>
-            <a:spLocks noGrp="1"/>
-          </p:cNvSpPr>
-          <p:nvPr>
-            <p:ph type="sldNum" sz="quarter" idx="12"/>
-          </p:nvPr>
-        </p:nvSpPr>
-        <p:spPr/>
-        <p:txBody>
-          <a:bodyPr/>
-          <a:lstStyle/>
-          <a:p>
-            <a:fld id="{C7CDC3F6-687D-4FBA-B21C-72B0B0E094F4}" type="slidenum">
-              <a:rPr lang="fr-FR" smtClean="0"/>
-              <a:pPr/>
-              <a:t>4</a:t>
-            </a:fld>
-            <a:endParaRPr lang="fr-FR"/>
-          </a:p>
-        </p:txBody>
-      </p:sp>
     </p:spTree>
     <p:extLst>
       <p:ext uri="{BB962C8B-B14F-4D97-AF65-F5344CB8AC3E}">
@@ -11516,13 +11602,21 @@
             <p:ph type="title"/>
           </p:nvPr>
         </p:nvSpPr>
-        <p:spPr/>
+        <p:spPr>
+          <a:xfrm>
+            <a:off x="107504" y="620688"/>
+            <a:ext cx="8928992" cy="796950"/>
+          </a:xfrm>
+        </p:spPr>
         <p:txBody>
-          <a:bodyPr/>
+          <a:bodyPr>
+            <a:normAutofit/>
+          </a:bodyPr>
           <a:lstStyle/>
           <a:p>
-            <a:r>
-              <a:rPr lang="en-GB" dirty="0" smtClean="0">
+            <a:pPr algn="ctr"/>
+            <a:r>
+              <a:rPr lang="en-GB" sz="3600" dirty="0" smtClean="0">
                 <a:solidFill>
                   <a:schemeClr val="tx1">
                     <a:lumMod val="65000"/>
@@ -11533,7 +11627,7 @@
               <a:t>I.2 </a:t>
             </a:r>
             <a:r>
-              <a:rPr lang="en-GB" dirty="0" err="1" smtClean="0">
+              <a:rPr lang="en-GB" sz="3600" dirty="0" err="1" smtClean="0">
                 <a:solidFill>
                   <a:schemeClr val="tx1">
                     <a:lumMod val="65000"/>
@@ -11544,7 +11638,7 @@
               <a:t>Choix</a:t>
             </a:r>
             <a:r>
-              <a:rPr lang="en-GB" dirty="0" smtClean="0">
+              <a:rPr lang="en-GB" sz="3600" dirty="0" smtClean="0">
                 <a:solidFill>
                   <a:schemeClr val="tx1">
                     <a:lumMod val="65000"/>
@@ -11555,7 +11649,7 @@
               <a:t> de </a:t>
             </a:r>
             <a:r>
-              <a:rPr lang="en-GB" dirty="0" err="1" smtClean="0">
+              <a:rPr lang="en-GB" sz="3600" dirty="0" err="1" smtClean="0">
                 <a:solidFill>
                   <a:schemeClr val="tx1">
                     <a:lumMod val="65000"/>
@@ -11565,93 +11659,7 @@
               </a:rPr>
               <a:t>programation</a:t>
             </a:r>
-            <a:endParaRPr lang="fr-FR" dirty="0"/>
-          </a:p>
-        </p:txBody>
-      </p:sp>
-      <p:sp>
-        <p:nvSpPr>
-          <p:cNvPr id="3" name="Espace réservé du contenu 2"/>
-          <p:cNvSpPr>
-            <a:spLocks noGrp="1"/>
-          </p:cNvSpPr>
-          <p:nvPr>
-            <p:ph idx="1"/>
-          </p:nvPr>
-        </p:nvSpPr>
-        <p:spPr>
-          <a:xfrm>
-            <a:off x="323528" y="2204864"/>
-            <a:ext cx="8229600" cy="3923407"/>
-          </a:xfrm>
-        </p:spPr>
-        <p:txBody>
-          <a:bodyPr>
-            <a:normAutofit/>
-          </a:bodyPr>
-          <a:lstStyle/>
-          <a:p>
-            <a:r>
-              <a:rPr lang="fr-FR" dirty="0" err="1" smtClean="0"/>
-              <a:t>Smarty</a:t>
-            </a:r>
-            <a:r>
-              <a:rPr lang="fr-FR" dirty="0" smtClean="0"/>
-              <a:t> : Moteur de </a:t>
-            </a:r>
-            <a:r>
-              <a:rPr lang="fr-FR" dirty="0" err="1" smtClean="0"/>
-              <a:t>templates</a:t>
-            </a:r>
-            <a:r>
-              <a:rPr lang="fr-FR" dirty="0" smtClean="0"/>
-              <a:t> rapide et efficace.</a:t>
-            </a:r>
-          </a:p>
-          <a:p>
-            <a:endParaRPr lang="fr-FR" dirty="0" smtClean="0"/>
-          </a:p>
-          <a:p>
-            <a:r>
-              <a:rPr lang="fr-FR" dirty="0" smtClean="0"/>
-              <a:t>MySQL : Simple d’utilisation, langage maitrisé.</a:t>
-            </a:r>
-          </a:p>
-          <a:p>
-            <a:endParaRPr lang="fr-FR" dirty="0" smtClean="0"/>
-          </a:p>
-          <a:p>
-            <a:r>
-              <a:rPr lang="fr-FR" dirty="0" err="1" smtClean="0"/>
-              <a:t>Footable</a:t>
-            </a:r>
-            <a:r>
-              <a:rPr lang="fr-FR" dirty="0" smtClean="0"/>
-              <a:t>, </a:t>
-            </a:r>
-            <a:r>
-              <a:rPr lang="fr-FR" dirty="0" err="1" smtClean="0"/>
-              <a:t>Bootstrap</a:t>
-            </a:r>
-            <a:r>
-              <a:rPr lang="fr-FR" dirty="0" smtClean="0"/>
-              <a:t>, </a:t>
-            </a:r>
-            <a:r>
-              <a:rPr lang="fr-FR" dirty="0" err="1" smtClean="0"/>
-              <a:t>GoogleCharts</a:t>
-            </a:r>
-            <a:r>
-              <a:rPr lang="fr-FR" dirty="0" smtClean="0"/>
-              <a:t>, …</a:t>
-            </a:r>
-            <a:endParaRPr lang="fr-FR" dirty="0" smtClean="0"/>
-          </a:p>
-          <a:p>
-            <a:pPr marL="0" indent="0">
-              <a:buNone/>
-            </a:pPr>
-            <a:endParaRPr lang="fr-FR" dirty="0" smtClean="0"/>
+            <a:endParaRPr lang="fr-FR" sz="3600" dirty="0"/>
           </a:p>
         </p:txBody>
       </p:sp>
@@ -11676,6 +11684,91 @@
               <a:t>5</a:t>
             </a:fld>
             <a:endParaRPr lang="fr-FR"/>
+          </a:p>
+        </p:txBody>
+      </p:sp>
+      <p:sp>
+        <p:nvSpPr>
+          <p:cNvPr id="3" name="Espace réservé du contenu 2"/>
+          <p:cNvSpPr>
+            <a:spLocks noGrp="1"/>
+          </p:cNvSpPr>
+          <p:nvPr>
+            <p:ph sz="quarter" idx="1"/>
+          </p:nvPr>
+        </p:nvSpPr>
+        <p:spPr>
+          <a:xfrm>
+            <a:off x="323528" y="2204864"/>
+            <a:ext cx="8229600" cy="3923407"/>
+          </a:xfrm>
+        </p:spPr>
+        <p:txBody>
+          <a:bodyPr>
+            <a:normAutofit/>
+          </a:bodyPr>
+          <a:lstStyle/>
+          <a:p>
+            <a:r>
+              <a:rPr lang="fr-FR" dirty="0" err="1" smtClean="0"/>
+              <a:t>Smarty</a:t>
+            </a:r>
+            <a:r>
+              <a:rPr lang="fr-FR" dirty="0" smtClean="0"/>
+              <a:t> : Moteur de </a:t>
+            </a:r>
+            <a:r>
+              <a:rPr lang="fr-FR" dirty="0" err="1" smtClean="0"/>
+              <a:t>templates</a:t>
+            </a:r>
+            <a:r>
+              <a:rPr lang="fr-FR" dirty="0" smtClean="0"/>
+              <a:t> rapide et efficace.</a:t>
+            </a:r>
+          </a:p>
+          <a:p>
+            <a:endParaRPr lang="fr-FR" dirty="0" smtClean="0"/>
+          </a:p>
+          <a:p>
+            <a:r>
+              <a:rPr lang="fr-FR" dirty="0" smtClean="0"/>
+              <a:t>MySQL : Simple d’utilisation, langage maitrisé.</a:t>
+            </a:r>
+          </a:p>
+          <a:p>
+            <a:endParaRPr lang="fr-FR" dirty="0" smtClean="0"/>
+          </a:p>
+          <a:p>
+            <a:r>
+              <a:rPr lang="fr-FR" dirty="0" err="1" smtClean="0"/>
+              <a:t>Footable</a:t>
+            </a:r>
+            <a:r>
+              <a:rPr lang="fr-FR" dirty="0" smtClean="0"/>
+              <a:t>, </a:t>
+            </a:r>
+            <a:r>
+              <a:rPr lang="fr-FR" dirty="0" err="1" smtClean="0"/>
+              <a:t>Bootstrap</a:t>
+            </a:r>
+            <a:r>
+              <a:rPr lang="fr-FR" dirty="0" smtClean="0"/>
+              <a:t>, </a:t>
+            </a:r>
+            <a:r>
+              <a:rPr lang="fr-FR" dirty="0" err="1" smtClean="0"/>
+              <a:t>GoogleCharts</a:t>
+            </a:r>
+            <a:r>
+              <a:rPr lang="fr-FR" dirty="0" smtClean="0"/>
+              <a:t>, …</a:t>
+            </a:r>
+          </a:p>
+          <a:p>
+            <a:pPr marL="0" indent="0">
+              <a:buNone/>
+            </a:pPr>
+            <a:endParaRPr lang="fr-FR" dirty="0" smtClean="0"/>
           </a:p>
         </p:txBody>
       </p:sp>
@@ -11728,16 +11821,18 @@
         </p:nvSpPr>
         <p:spPr>
           <a:xfrm>
-            <a:off x="107504" y="0"/>
-            <a:ext cx="8928992" cy="1600200"/>
+            <a:off x="251520" y="764704"/>
+            <a:ext cx="8640960" cy="835496"/>
           </a:xfrm>
         </p:spPr>
         <p:txBody>
-          <a:bodyPr/>
+          <a:bodyPr>
+            <a:normAutofit/>
+          </a:bodyPr>
           <a:lstStyle/>
           <a:p>
             <a:r>
-              <a:rPr lang="en-GB" dirty="0" smtClean="0">
+              <a:rPr lang="en-GB" sz="3600" dirty="0" smtClean="0">
                 <a:solidFill>
                   <a:schemeClr val="tx1">
                     <a:lumMod val="65000"/>
@@ -11747,88 +11842,7 @@
               </a:rPr>
               <a:t>Conclusion</a:t>
             </a:r>
-            <a:endParaRPr lang="fr-FR" dirty="0"/>
-          </a:p>
-        </p:txBody>
-      </p:sp>
-      <p:sp>
-        <p:nvSpPr>
-          <p:cNvPr id="3" name="Espace réservé du contenu 2"/>
-          <p:cNvSpPr>
-            <a:spLocks noGrp="1"/>
-          </p:cNvSpPr>
-          <p:nvPr>
-            <p:ph idx="1"/>
-          </p:nvPr>
-        </p:nvSpPr>
-        <p:spPr>
-          <a:xfrm>
-            <a:off x="457200" y="1124744"/>
-            <a:ext cx="8229600" cy="5001419"/>
-          </a:xfrm>
-        </p:spPr>
-        <p:txBody>
-          <a:bodyPr>
-            <a:normAutofit/>
-          </a:bodyPr>
-          <a:lstStyle/>
-          <a:p>
-            <a:endParaRPr lang="fr-FR" dirty="0" smtClean="0"/>
-          </a:p>
-          <a:p>
-            <a:r>
-              <a:rPr lang="fr-FR" dirty="0" smtClean="0"/>
-              <a:t>Collaboration, écoute, organisation du travail de groupe. </a:t>
-            </a:r>
-          </a:p>
-          <a:p>
-            <a:endParaRPr lang="fr-FR" dirty="0" smtClean="0"/>
-          </a:p>
-          <a:p>
-            <a:r>
-              <a:rPr lang="fr-FR" dirty="0" smtClean="0"/>
-              <a:t> Des acquis techniques bénéfiques dans de futurs projets.</a:t>
-            </a:r>
-          </a:p>
-          <a:p>
-            <a:endParaRPr lang="fr-FR" dirty="0"/>
-          </a:p>
-          <a:p>
-            <a:r>
-              <a:rPr lang="fr-FR" dirty="0" smtClean="0"/>
-              <a:t>Motivation impliquée par la réalisation d’un projet avec une réelle finalité.</a:t>
-            </a:r>
-            <a:endParaRPr lang="fr-FR" dirty="0"/>
-          </a:p>
-          <a:p>
-            <a:endParaRPr lang="fr-FR" dirty="0" smtClean="0"/>
-          </a:p>
-          <a:p>
-            <a:endParaRPr lang="fr-FR" dirty="0"/>
-          </a:p>
-          <a:p>
-            <a:pPr marL="0" indent="0">
-              <a:buNone/>
-            </a:pPr>
-            <a:endParaRPr lang="fr-FR" dirty="0"/>
-          </a:p>
-          <a:p>
-            <a:endParaRPr lang="fr-FR" dirty="0" smtClean="0"/>
-          </a:p>
-          <a:p>
-            <a:endParaRPr lang="fr-FR" b="1" dirty="0"/>
-          </a:p>
-          <a:p>
-            <a:endParaRPr lang="fr-FR" b="1" dirty="0" smtClean="0"/>
-          </a:p>
-          <a:p>
-            <a:endParaRPr lang="fr-FR" b="1" dirty="0"/>
-          </a:p>
-          <a:p>
-            <a:endParaRPr lang="fr-FR" dirty="0"/>
-          </a:p>
-          <a:p>
-            <a:endParaRPr lang="fr-FR" dirty="0"/>
+            <a:endParaRPr lang="fr-FR" sz="3600" dirty="0"/>
           </a:p>
         </p:txBody>
       </p:sp>
@@ -11853,6 +11867,87 @@
               <a:t>6</a:t>
             </a:fld>
             <a:endParaRPr lang="fr-FR"/>
+          </a:p>
+        </p:txBody>
+      </p:sp>
+      <p:sp>
+        <p:nvSpPr>
+          <p:cNvPr id="3" name="Espace réservé du contenu 2"/>
+          <p:cNvSpPr>
+            <a:spLocks noGrp="1"/>
+          </p:cNvSpPr>
+          <p:nvPr>
+            <p:ph sz="quarter" idx="1"/>
+          </p:nvPr>
+        </p:nvSpPr>
+        <p:spPr>
+          <a:xfrm>
+            <a:off x="457200" y="1628800"/>
+            <a:ext cx="8229600" cy="4497363"/>
+          </a:xfrm>
+        </p:spPr>
+        <p:txBody>
+          <a:bodyPr>
+            <a:normAutofit/>
+          </a:bodyPr>
+          <a:lstStyle/>
+          <a:p>
+            <a:endParaRPr lang="fr-FR" dirty="0" smtClean="0"/>
+          </a:p>
+          <a:p>
+            <a:r>
+              <a:rPr lang="fr-FR" dirty="0" smtClean="0"/>
+              <a:t>Collaboration, écoute, organisation du travail de groupe. </a:t>
+            </a:r>
+          </a:p>
+          <a:p>
+            <a:endParaRPr lang="fr-FR" dirty="0" smtClean="0"/>
+          </a:p>
+          <a:p>
+            <a:r>
+              <a:rPr lang="fr-FR" dirty="0" smtClean="0"/>
+              <a:t> Des acquis techniques bénéfiques dans de futurs projets.</a:t>
+            </a:r>
+          </a:p>
+          <a:p>
+            <a:endParaRPr lang="fr-FR" dirty="0"/>
+          </a:p>
+          <a:p>
+            <a:r>
+              <a:rPr lang="fr-FR" dirty="0" smtClean="0"/>
+              <a:t>Motivation impliquée par la réalisation d’un projet avec une réelle finalité.</a:t>
+            </a:r>
+            <a:endParaRPr lang="fr-FR" dirty="0"/>
+          </a:p>
+          <a:p>
+            <a:endParaRPr lang="fr-FR" dirty="0" smtClean="0"/>
+          </a:p>
+          <a:p>
+            <a:endParaRPr lang="fr-FR" dirty="0"/>
+          </a:p>
+          <a:p>
+            <a:pPr marL="0" indent="0">
+              <a:buNone/>
+            </a:pPr>
+            <a:endParaRPr lang="fr-FR" dirty="0"/>
+          </a:p>
+          <a:p>
+            <a:endParaRPr lang="fr-FR" dirty="0" smtClean="0"/>
+          </a:p>
+          <a:p>
+            <a:endParaRPr lang="fr-FR" b="1" dirty="0"/>
+          </a:p>
+          <a:p>
+            <a:endParaRPr lang="fr-FR" b="1" dirty="0" smtClean="0"/>
+          </a:p>
+          <a:p>
+            <a:endParaRPr lang="fr-FR" b="1" dirty="0"/>
+          </a:p>
+          <a:p>
+            <a:endParaRPr lang="fr-FR" dirty="0"/>
+          </a:p>
+          <a:p>
+            <a:endParaRPr lang="fr-FR" dirty="0"/>
           </a:p>
         </p:txBody>
       </p:sp>
@@ -11911,13 +12006,21 @@
             <p:ph type="title"/>
           </p:nvPr>
         </p:nvSpPr>
-        <p:spPr/>
+        <p:spPr>
+          <a:xfrm>
+            <a:off x="179512" y="274638"/>
+            <a:ext cx="8784976" cy="1143000"/>
+          </a:xfrm>
+        </p:spPr>
         <p:txBody>
-          <a:bodyPr/>
+          <a:bodyPr>
+            <a:normAutofit/>
+          </a:bodyPr>
           <a:lstStyle/>
           <a:p>
-            <a:r>
-              <a:rPr lang="en-GB" dirty="0" smtClean="0">
+            <a:pPr algn="ctr"/>
+            <a:r>
+              <a:rPr lang="en-GB" sz="3600" dirty="0" smtClean="0">
                 <a:solidFill>
                   <a:schemeClr val="tx1">
                     <a:lumMod val="65000"/>
@@ -11927,60 +12030,7 @@
               </a:rPr>
               <a:t>III Demonstration</a:t>
             </a:r>
-            <a:endParaRPr lang="fr-FR" dirty="0"/>
-          </a:p>
-        </p:txBody>
-      </p:sp>
-      <p:sp>
-        <p:nvSpPr>
-          <p:cNvPr id="3" name="Espace réservé du contenu 2"/>
-          <p:cNvSpPr>
-            <a:spLocks noGrp="1"/>
-          </p:cNvSpPr>
-          <p:nvPr>
-            <p:ph idx="1"/>
-          </p:nvPr>
-        </p:nvSpPr>
-        <p:spPr/>
-        <p:txBody>
-          <a:bodyPr/>
-          <a:lstStyle/>
-          <a:p>
-            <a:r>
-              <a:rPr lang="fr-FR" dirty="0" smtClean="0"/>
-              <a:t>Accéder à la page web : </a:t>
-            </a:r>
-            <a:endParaRPr lang="fr-FR" dirty="0"/>
-          </a:p>
-          <a:p>
-            <a:pPr marL="0" indent="0" algn="ctr">
-              <a:buNone/>
-            </a:pPr>
-            <a:r>
-              <a:rPr lang="fr-FR" dirty="0" smtClean="0">
-                <a:hlinkClick r:id="rId3"/>
-              </a:rPr>
-              <a:t>http://localhost/Projet-R-D/Site/index.php</a:t>
-            </a:r>
-            <a:endParaRPr lang="fr-FR" dirty="0" smtClean="0"/>
-          </a:p>
-          <a:p>
-            <a:pPr marL="0" indent="0" algn="ctr">
-              <a:buNone/>
-            </a:pPr>
-            <a:endParaRPr lang="fr-FR" dirty="0" smtClean="0"/>
-          </a:p>
-          <a:p>
-            <a:pPr marL="0" indent="0" algn="ctr">
-              <a:buNone/>
-            </a:pPr>
-            <a:endParaRPr lang="fr-FR" dirty="0" smtClean="0"/>
-          </a:p>
-          <a:p>
-            <a:pPr marL="0" indent="0" algn="ctr">
-              <a:buNone/>
-            </a:pPr>
-            <a:endParaRPr lang="fr-FR" dirty="0"/>
+            <a:endParaRPr lang="fr-FR" sz="3600" dirty="0"/>
           </a:p>
         </p:txBody>
       </p:sp>
@@ -12005,6 +12055,59 @@
               <a:t>7</a:t>
             </a:fld>
             <a:endParaRPr lang="fr-FR"/>
+          </a:p>
+        </p:txBody>
+      </p:sp>
+      <p:sp>
+        <p:nvSpPr>
+          <p:cNvPr id="3" name="Espace réservé du contenu 2"/>
+          <p:cNvSpPr>
+            <a:spLocks noGrp="1"/>
+          </p:cNvSpPr>
+          <p:nvPr>
+            <p:ph sz="quarter" idx="1"/>
+          </p:nvPr>
+        </p:nvSpPr>
+        <p:spPr/>
+        <p:txBody>
+          <a:bodyPr/>
+          <a:lstStyle/>
+          <a:p>
+            <a:r>
+              <a:rPr lang="fr-FR" dirty="0" smtClean="0"/>
+              <a:t>Accéder à la page web : </a:t>
+            </a:r>
+            <a:endParaRPr lang="fr-FR" dirty="0"/>
+          </a:p>
+          <a:p>
+            <a:pPr marL="0" indent="0" algn="ctr">
+              <a:buNone/>
+            </a:pPr>
+            <a:r>
+              <a:rPr lang="fr-FR" dirty="0" smtClean="0">
+                <a:hlinkClick r:id="rId3"/>
+              </a:rPr>
+              <a:t>http://localhost/Projet-R-D/Site/index.php</a:t>
+            </a:r>
+            <a:endParaRPr lang="fr-FR" dirty="0" smtClean="0"/>
+          </a:p>
+          <a:p>
+            <a:pPr marL="0" indent="0" algn="ctr">
+              <a:buNone/>
+            </a:pPr>
+            <a:endParaRPr lang="fr-FR" dirty="0" smtClean="0"/>
+          </a:p>
+          <a:p>
+            <a:pPr marL="0" indent="0" algn="ctr">
+              <a:buNone/>
+            </a:pPr>
+            <a:endParaRPr lang="fr-FR" dirty="0" smtClean="0"/>
+          </a:p>
+          <a:p>
+            <a:pPr marL="0" indent="0" algn="ctr">
+              <a:buNone/>
+            </a:pPr>
+            <a:endParaRPr lang="fr-FR" dirty="0"/>
           </a:p>
         </p:txBody>
       </p:sp>
@@ -12029,9 +12132,9 @@
 </file>
 
 <file path=ppt/theme/theme1.xml><?xml version="1.0" encoding="utf-8"?>
-<a:theme xmlns:a="http://schemas.openxmlformats.org/drawingml/2006/main" name="Exécutif">
+<a:theme xmlns:a="http://schemas.openxmlformats.org/drawingml/2006/main" name="Capitaux">
   <a:themeElements>
-    <a:clrScheme name="Exécutif">
+    <a:clrScheme name="Capitaux">
       <a:dk1>
         <a:sysClr val="windowText" lastClr="000000"/>
       </a:dk1>
@@ -12039,48 +12142,50 @@
         <a:sysClr val="window" lastClr="FFFFFF"/>
       </a:lt1>
       <a:dk2>
-        <a:srgbClr val="2F5897"/>
+        <a:srgbClr val="696464"/>
       </a:dk2>
       <a:lt2>
-        <a:srgbClr val="E4E9EF"/>
+        <a:srgbClr val="E9E5DC"/>
       </a:lt2>
       <a:accent1>
-        <a:srgbClr val="6076B4"/>
+        <a:srgbClr val="D34817"/>
       </a:accent1>
       <a:accent2>
-        <a:srgbClr val="9C5252"/>
+        <a:srgbClr val="9B2D1F"/>
       </a:accent2>
       <a:accent3>
-        <a:srgbClr val="E68422"/>
+        <a:srgbClr val="A28E6A"/>
       </a:accent3>
       <a:accent4>
-        <a:srgbClr val="846648"/>
+        <a:srgbClr val="956251"/>
       </a:accent4>
       <a:accent5>
-        <a:srgbClr val="63891F"/>
+        <a:srgbClr val="918485"/>
       </a:accent5>
       <a:accent6>
-        <a:srgbClr val="758085"/>
+        <a:srgbClr val="855D5D"/>
       </a:accent6>
       <a:hlink>
-        <a:srgbClr val="3399FF"/>
+        <a:srgbClr val="CC9900"/>
       </a:hlink>
       <a:folHlink>
-        <a:srgbClr val="B2B2B2"/>
+        <a:srgbClr val="96A9A9"/>
       </a:folHlink>
     </a:clrScheme>
-    <a:fontScheme name="Exécutif">
+    <a:fontScheme name="Capitaux">
       <a:majorFont>
-        <a:latin typeface="Century Gothic"/>
+        <a:latin typeface="Franklin Gothic Book"/>
         <a:ea typeface=""/>
         <a:cs typeface=""/>
+        <a:font script="Grek" typeface="Calibri"/>
+        <a:font script="Cyrl" typeface="Calibri"/>
         <a:font script="Jpan" typeface="HGｺﾞｼｯｸM"/>
-        <a:font script="Hang" typeface="HY중고딕"/>
+        <a:font script="Hang" typeface="바탕"/>
         <a:font script="Hans" typeface="幼圆"/>
         <a:font script="Hant" typeface="微軟正黑體"/>
         <a:font script="Arab" typeface="Tahoma"/>
-        <a:font script="Hebr" typeface="Gisha"/>
-        <a:font script="Thai" typeface="DilleniaUPC"/>
+        <a:font script="Hebr" typeface="Aharoni"/>
+        <a:font script="Thai" typeface="LilyUPC"/>
         <a:font script="Ethi" typeface="Nyala"/>
         <a:font script="Beng" typeface="Vrinda"/>
         <a:font script="Gujr" typeface="Shruti"/>
@@ -12106,16 +12211,18 @@
         <a:font script="Geor" typeface="Sylfaen"/>
       </a:majorFont>
       <a:minorFont>
-        <a:latin typeface="Palatino Linotype"/>
+        <a:latin typeface="Perpetua"/>
         <a:ea typeface=""/>
         <a:cs typeface=""/>
-        <a:font script="Jpan" typeface="HGS明朝E"/>
+        <a:font script="Grek" typeface="Cambria"/>
+        <a:font script="Cyrl" typeface="Cambria"/>
+        <a:font script="Jpan" typeface="HG創英ﾌﾟﾚｾﾞﾝｽEB"/>
         <a:font script="Hang" typeface="맑은 고딕"/>
         <a:font script="Hans" typeface="宋体"/>
         <a:font script="Hant" typeface="新細明體"/>
         <a:font script="Arab" typeface="Times New Roman"/>
-        <a:font script="Hebr" typeface="Times New Roman"/>
-        <a:font script="Thai" typeface="Browallia New"/>
+        <a:font script="Hebr" typeface="Aharoni"/>
+        <a:font script="Thai" typeface="EucrosiaUPC"/>
         <a:font script="Ethi" typeface="Nyala"/>
         <a:font script="Beng" typeface="Vrinda"/>
         <a:font script="Gujr" typeface="Shruti"/>
@@ -12141,75 +12248,59 @@
         <a:font script="Geor" typeface="Sylfaen"/>
       </a:minorFont>
     </a:fontScheme>
-    <a:fmtScheme name="Exécutif">
+    <a:fmtScheme name="Capitaux">
       <a:fillStyleLst>
         <a:solidFill>
           <a:schemeClr val="phClr"/>
         </a:solidFill>
-        <a:gradFill rotWithShape="1">
-          <a:gsLst>
-            <a:gs pos="0">
+        <a:blipFill>
+          <a:blip xmlns:r="http://schemas.openxmlformats.org/officeDocument/2006/relationships" r:embed="rId1">
+            <a:duotone>
               <a:schemeClr val="phClr">
-                <a:tint val="50000"/>
+                <a:tint val="30000"/>
                 <a:satMod val="300000"/>
               </a:schemeClr>
-            </a:gs>
-            <a:gs pos="35000">
               <a:schemeClr val="phClr">
-                <a:tint val="37000"/>
-                <a:satMod val="300000"/>
+                <a:tint val="40000"/>
+                <a:satMod val="200000"/>
               </a:schemeClr>
-            </a:gs>
-            <a:gs pos="100000">
+            </a:duotone>
+          </a:blip>
+          <a:tile tx="0" ty="0" sx="70000" sy="70000" flip="none" algn="ctr"/>
+        </a:blipFill>
+        <a:blipFill>
+          <a:blip xmlns:r="http://schemas.openxmlformats.org/officeDocument/2006/relationships" r:embed="rId1">
+            <a:duotone>
               <a:schemeClr val="phClr">
-                <a:tint val="15000"/>
-                <a:satMod val="350000"/>
+                <a:shade val="22000"/>
+                <a:satMod val="160000"/>
               </a:schemeClr>
-            </a:gs>
-          </a:gsLst>
-          <a:lin ang="16200000" scaled="1"/>
-        </a:gradFill>
-        <a:gradFill rotWithShape="1">
-          <a:gsLst>
-            <a:gs pos="0">
               <a:schemeClr val="phClr">
-                <a:shade val="51000"/>
-                <a:satMod val="130000"/>
+                <a:shade val="45000"/>
+                <a:satMod val="100000"/>
               </a:schemeClr>
-            </a:gs>
-            <a:gs pos="80000">
-              <a:schemeClr val="phClr">
-                <a:shade val="93000"/>
-                <a:satMod val="130000"/>
-              </a:schemeClr>
-            </a:gs>
-            <a:gs pos="100000">
-              <a:schemeClr val="phClr">
-                <a:shade val="94000"/>
-                <a:satMod val="135000"/>
-              </a:schemeClr>
-            </a:gs>
-          </a:gsLst>
-          <a:lin ang="16200000" scaled="0"/>
-        </a:gradFill>
+            </a:duotone>
+          </a:blip>
+          <a:tile tx="0" ty="0" sx="65000" sy="65000" flip="none" algn="ctr"/>
+        </a:blipFill>
       </a:fillStyleLst>
       <a:lnStyleLst>
         <a:ln w="9525" cap="flat" cmpd="sng" algn="ctr">
           <a:solidFill>
             <a:schemeClr val="phClr">
-              <a:shade val="95000"/>
-              <a:satMod val="105000"/>
+              <a:shade val="60000"/>
+              <a:satMod val="110000"/>
             </a:schemeClr>
           </a:solidFill>
           <a:prstDash val="solid"/>
         </a:ln>
-        <a:ln w="28575" cap="flat" cmpd="sng" algn="ctr">
+        <a:ln w="12700" cap="flat" cmpd="sng" algn="ctr">
           <a:solidFill>
             <a:schemeClr val="phClr"/>
           </a:solidFill>
           <a:prstDash val="solid"/>
         </a:ln>
-        <a:ln w="50800" cap="flat" cmpd="sng" algn="ctr">
+        <a:ln w="38100" cap="flat" cmpd="sng" algn="ctr">
           <a:solidFill>
             <a:schemeClr val="phClr"/>
           </a:solidFill>
@@ -12219,40 +12310,46 @@
       <a:effectStyleLst>
         <a:effectStyle>
           <a:effectLst>
-            <a:outerShdw blurRad="40000" dist="20000" dir="5400000" rotWithShape="0">
+            <a:outerShdw blurRad="38100" dist="25400" dir="5400000" algn="t" rotWithShape="0">
               <a:srgbClr val="000000">
-                <a:alpha val="38000"/>
+                <a:alpha val="50000"/>
               </a:srgbClr>
             </a:outerShdw>
           </a:effectLst>
         </a:effectStyle>
         <a:effectStyle>
           <a:effectLst>
-            <a:outerShdw blurRad="40000" dist="23000" dir="5400000" rotWithShape="0">
+            <a:outerShdw blurRad="38100" dist="25400" dir="5400000" algn="t" rotWithShape="0">
               <a:srgbClr val="000000">
-                <a:alpha val="35000"/>
+                <a:alpha val="50000"/>
               </a:srgbClr>
             </a:outerShdw>
           </a:effectLst>
         </a:effectStyle>
         <a:effectStyle>
           <a:effectLst>
-            <a:outerShdw blurRad="40000" dist="23000" dir="5400000" rotWithShape="0">
+            <a:outerShdw blurRad="50800" dist="50800" dir="5400000" algn="t" rotWithShape="0">
               <a:srgbClr val="000000">
-                <a:alpha val="35000"/>
+                <a:alpha val="60000"/>
               </a:srgbClr>
             </a:outerShdw>
           </a:effectLst>
           <a:scene3d>
-            <a:camera prst="orthographicFront">
+            <a:camera prst="isometricBottomUp" fov="0">
               <a:rot lat="0" lon="0" rev="0"/>
             </a:camera>
-            <a:lightRig rig="threePt" dir="t">
-              <a:rot lat="0" lon="0" rev="1200000"/>
+            <a:lightRig rig="soft" dir="b">
+              <a:rot lat="0" lon="0" rev="9000000"/>
             </a:lightRig>
           </a:scene3d>
-          <a:sp3d>
-            <a:bevelT w="63500" h="25400"/>
+          <a:sp3d contourW="35000" prstMaterial="matte">
+            <a:bevelT w="45000" h="38100" prst="convex"/>
+            <a:contourClr>
+              <a:schemeClr val="phClr">
+                <a:tint val="10000"/>
+                <a:satMod val="130000"/>
+              </a:schemeClr>
+            </a:contourClr>
           </a:sp3d>
         </a:effectStyle>
       </a:effectStyleLst>
@@ -12262,43 +12359,41 @@
         </a:solidFill>
         <a:gradFill rotWithShape="1">
           <a:gsLst>
+            <a:gs pos="0">
+              <a:schemeClr val="phClr">
+                <a:shade val="40000"/>
+                <a:satMod val="165000"/>
+              </a:schemeClr>
+            </a:gs>
             <a:gs pos="50000">
               <a:schemeClr val="phClr">
-                <a:tint val="80000"/>
-                <a:satMod val="250000"/>
+                <a:shade val="80000"/>
+                <a:satMod val="155000"/>
               </a:schemeClr>
             </a:gs>
-            <a:gs pos="76000">
+            <a:gs pos="100000">
               <a:schemeClr val="phClr">
-                <a:tint val="90000"/>
-                <a:shade val="90000"/>
+                <a:tint val="95000"/>
                 <a:satMod val="200000"/>
               </a:schemeClr>
             </a:gs>
-            <a:gs pos="92000">
-              <a:schemeClr val="phClr">
-                <a:tint val="90000"/>
-                <a:shade val="70000"/>
-                <a:satMod val="250000"/>
-              </a:schemeClr>
-            </a:gs>
           </a:gsLst>
-          <a:path path="circle">
-            <a:fillToRect l="50000" t="50000" r="50000" b="50000"/>
-          </a:path>
+          <a:lin ang="16200000" scaled="1"/>
         </a:gradFill>
         <a:blipFill>
           <a:blip xmlns:r="http://schemas.openxmlformats.org/officeDocument/2006/relationships" r:embed="rId1">
             <a:duotone>
               <a:schemeClr val="phClr">
                 <a:tint val="95000"/>
+                <a:satMod val="200000"/>
               </a:schemeClr>
               <a:schemeClr val="phClr">
-                <a:shade val="90000"/>
+                <a:shade val="80000"/>
+                <a:satMod val="100000"/>
               </a:schemeClr>
             </a:duotone>
           </a:blip>
-          <a:tile tx="0" ty="0" sx="100000" sy="100000" flip="none" algn="tl"/>
+          <a:tile tx="0" ty="0" sx="55000" sy="55000" flip="none" algn="tl"/>
         </a:blipFill>
       </a:bgFillStyleLst>
     </a:fmtScheme>

--- a/Docs/Soutenance Projet.pptx
+++ b/Docs/Soutenance Projet.pptx
@@ -5,16 +5,15 @@
     <p:sldMasterId id="2147483756" r:id="rId1"/>
   </p:sldMasterIdLst>
   <p:notesMasterIdLst>
-    <p:notesMasterId r:id="rId9"/>
+    <p:notesMasterId r:id="rId8"/>
   </p:notesMasterIdLst>
   <p:sldIdLst>
     <p:sldId id="256" r:id="rId2"/>
     <p:sldId id="257" r:id="rId3"/>
-    <p:sldId id="269" r:id="rId4"/>
-    <p:sldId id="283" r:id="rId5"/>
-    <p:sldId id="282" r:id="rId6"/>
-    <p:sldId id="264" r:id="rId7"/>
-    <p:sldId id="287" r:id="rId8"/>
+    <p:sldId id="283" r:id="rId4"/>
+    <p:sldId id="282" r:id="rId5"/>
+    <p:sldId id="264" r:id="rId6"/>
+    <p:sldId id="287" r:id="rId7"/>
   </p:sldIdLst>
   <p:sldSz cx="9144000" cy="6858000" type="screen4x3"/>
   <p:notesSz cx="6858000" cy="9144000"/>
@@ -115,7 +114,7 @@
   </p:defaultTextStyle>
   <p:extLst>
     <p:ext uri="{EFAFB233-063F-42B5-8137-9DF3F51BA10A}">
-      <p15:sldGuideLst xmlns:p15="http://schemas.microsoft.com/office/powerpoint/2012/main" xmlns="">
+      <p15:sldGuideLst xmlns="" xmlns:p15="http://schemas.microsoft.com/office/powerpoint/2012/main">
         <p15:guide id="1" orient="horz" pos="2160">
           <p15:clr>
             <a:srgbClr val="A4A3A4"/>
@@ -5994,7 +5993,7 @@
           <a:p>
             <a:fld id="{6D22F626-CA3F-4489-8656-094F9D88488D}" type="datetimeFigureOut">
               <a:rPr lang="fr-FR" smtClean="0"/>
-              <a:t>17/11/2014</a:t>
+              <a:t>22/11/2014</a:t>
             </a:fld>
             <a:endParaRPr lang="fr-FR"/>
           </a:p>
@@ -6306,7 +6305,7 @@
           <a:bodyPr/>
           <a:lstStyle/>
           <a:p>
-            <a:endParaRPr lang="fr-FR"/>
+            <a:endParaRPr lang="fr-FR" dirty="0"/>
           </a:p>
         </p:txBody>
       </p:sp>
@@ -6327,91 +6326,7 @@
           <a:p>
             <a:fld id="{BF577B26-A8E1-4E17-A245-5A3862DA6E92}" type="slidenum">
               <a:rPr lang="fr-FR" smtClean="0"/>
-              <a:t>3</a:t>
-            </a:fld>
-            <a:endParaRPr lang="fr-FR"/>
-          </a:p>
-        </p:txBody>
-      </p:sp>
-    </p:spTree>
-    <p:extLst>
-      <p:ext uri="{BB962C8B-B14F-4D97-AF65-F5344CB8AC3E}">
-        <p14:creationId xmlns:p14="http://schemas.microsoft.com/office/powerpoint/2010/main" val="2792572483"/>
-      </p:ext>
-    </p:extLst>
-  </p:cSld>
-  <p:clrMapOvr>
-    <a:masterClrMapping/>
-  </p:clrMapOvr>
-</p:notes>
-</file>
-
-<file path=ppt/notesSlides/notesSlide2.xml><?xml version="1.0" encoding="utf-8"?>
-<p:notes xmlns:a="http://schemas.openxmlformats.org/drawingml/2006/main" xmlns:r="http://schemas.openxmlformats.org/officeDocument/2006/relationships" xmlns:p="http://schemas.openxmlformats.org/presentationml/2006/main">
-  <p:cSld>
-    <p:spTree>
-      <p:nvGrpSpPr>
-        <p:cNvPr id="1" name=""/>
-        <p:cNvGrpSpPr/>
-        <p:nvPr/>
-      </p:nvGrpSpPr>
-      <p:grpSpPr>
-        <a:xfrm>
-          <a:off x="0" y="0"/>
-          <a:ext cx="0" cy="0"/>
-          <a:chOff x="0" y="0"/>
-          <a:chExt cx="0" cy="0"/>
-        </a:xfrm>
-      </p:grpSpPr>
-      <p:sp>
-        <p:nvSpPr>
-          <p:cNvPr id="2" name="Espace réservé de l'image des diapositives 1"/>
-          <p:cNvSpPr>
-            <a:spLocks noGrp="1" noRot="1" noChangeAspect="1"/>
-          </p:cNvSpPr>
-          <p:nvPr>
-            <p:ph type="sldImg"/>
-          </p:nvPr>
-        </p:nvSpPr>
-        <p:spPr/>
-      </p:sp>
-      <p:sp>
-        <p:nvSpPr>
-          <p:cNvPr id="3" name="Espace réservé des commentaires 2"/>
-          <p:cNvSpPr>
-            <a:spLocks noGrp="1"/>
-          </p:cNvSpPr>
-          <p:nvPr>
-            <p:ph type="body" idx="1"/>
-          </p:nvPr>
-        </p:nvSpPr>
-        <p:spPr/>
-        <p:txBody>
-          <a:bodyPr/>
-          <a:lstStyle/>
-          <a:p>
-            <a:endParaRPr lang="fr-FR" dirty="0"/>
-          </a:p>
-        </p:txBody>
-      </p:sp>
-      <p:sp>
-        <p:nvSpPr>
-          <p:cNvPr id="4" name="Espace réservé du numéro de diapositive 3"/>
-          <p:cNvSpPr>
-            <a:spLocks noGrp="1"/>
-          </p:cNvSpPr>
-          <p:nvPr>
-            <p:ph type="sldNum" sz="quarter" idx="10"/>
-          </p:nvPr>
-        </p:nvSpPr>
-        <p:spPr/>
-        <p:txBody>
-          <a:bodyPr/>
-          <a:lstStyle/>
-          <a:p>
-            <a:fld id="{BF577B26-A8E1-4E17-A245-5A3862DA6E92}" type="slidenum">
-              <a:rPr lang="fr-FR" smtClean="0"/>
-              <a:t>7</a:t>
+              <a:t>6</a:t>
             </a:fld>
             <a:endParaRPr lang="fr-FR"/>
           </a:p>
@@ -6624,7 +6539,7 @@
           <a:p>
             <a:fld id="{F6ED821C-3065-4F4D-B16E-1BFEE8A77605}" type="datetime1">
               <a:rPr lang="fr-FR" smtClean="0"/>
-              <a:t>17/11/2014</a:t>
+              <a:t>22/11/2014</a:t>
             </a:fld>
             <a:endParaRPr lang="fr-FR"/>
           </a:p>
@@ -6978,7 +6893,7 @@
           <a:p>
             <a:fld id="{22A5C57C-3584-43B6-A3E2-08F245098A9D}" type="datetime1">
               <a:rPr lang="fr-FR" smtClean="0"/>
-              <a:t>17/11/2014</a:t>
+              <a:t>22/11/2014</a:t>
             </a:fld>
             <a:endParaRPr lang="fr-FR"/>
           </a:p>
@@ -7154,7 +7069,7 @@
           <a:p>
             <a:fld id="{4EE43607-FA03-4550-8145-20691F15E831}" type="datetime1">
               <a:rPr lang="fr-FR" smtClean="0"/>
-              <a:t>17/11/2014</a:t>
+              <a:t>22/11/2014</a:t>
             </a:fld>
             <a:endParaRPr lang="fr-FR"/>
           </a:p>
@@ -7268,7 +7183,7 @@
           <a:p>
             <a:fld id="{FA3BB2BD-9988-42C2-B189-1BD153E9EB2A}" type="datetime1">
               <a:rPr lang="fr-FR" smtClean="0"/>
-              <a:t>17/11/2014</a:t>
+              <a:t>22/11/2014</a:t>
             </a:fld>
             <a:endParaRPr lang="fr-FR"/>
           </a:p>
@@ -7627,7 +7542,7 @@
           <a:p>
             <a:fld id="{5626FA85-4640-4B84-940B-84733AD45A67}" type="datetime1">
               <a:rPr lang="fr-FR" smtClean="0"/>
-              <a:t>17/11/2014</a:t>
+              <a:t>22/11/2014</a:t>
             </a:fld>
             <a:endParaRPr lang="fr-FR"/>
           </a:p>
@@ -7893,7 +7808,7 @@
           <a:p>
             <a:fld id="{E6AEA758-39C2-4EAC-A504-1F705BDACDC2}" type="datetime1">
               <a:rPr lang="fr-FR" smtClean="0"/>
-              <a:t>17/11/2014</a:t>
+              <a:t>22/11/2014</a:t>
             </a:fld>
             <a:endParaRPr lang="fr-FR"/>
           </a:p>
@@ -8256,7 +8171,7 @@
           <a:p>
             <a:fld id="{F53D1889-12E2-4B2F-A007-C79FC00FDFD8}" type="datetime1">
               <a:rPr lang="fr-FR" smtClean="0"/>
-              <a:t>17/11/2014</a:t>
+              <a:t>22/11/2014</a:t>
             </a:fld>
             <a:endParaRPr lang="fr-FR"/>
           </a:p>
@@ -8484,7 +8399,7 @@
           <a:p>
             <a:fld id="{507A5206-0619-42FB-96E5-3137984AC47A}" type="datetime1">
               <a:rPr lang="fr-FR" smtClean="0"/>
-              <a:t>17/11/2014</a:t>
+              <a:t>22/11/2014</a:t>
             </a:fld>
             <a:endParaRPr lang="fr-FR"/>
           </a:p>
@@ -8575,7 +8490,7 @@
           <a:p>
             <a:fld id="{0D3734FC-6126-40DE-9F53-ADBD9695A324}" type="datetime1">
               <a:rPr lang="fr-FR" smtClean="0"/>
-              <a:t>17/11/2014</a:t>
+              <a:t>22/11/2014</a:t>
             </a:fld>
             <a:endParaRPr lang="fr-FR"/>
           </a:p>
@@ -8843,7 +8758,7 @@
           <a:p>
             <a:fld id="{6D0C46B6-5E63-4B0A-9BFD-796CBFA660A4}" type="datetime1">
               <a:rPr lang="fr-FR" smtClean="0"/>
-              <a:t>17/11/2014</a:t>
+              <a:t>22/11/2014</a:t>
             </a:fld>
             <a:endParaRPr lang="fr-FR"/>
           </a:p>
@@ -9072,7 +8987,7 @@
           <a:p>
             <a:fld id="{66E1D7F5-4BAC-4334-B519-C5B55C061427}" type="datetime1">
               <a:rPr lang="fr-FR" smtClean="0"/>
-              <a:t>17/11/2014</a:t>
+              <a:t>22/11/2014</a:t>
             </a:fld>
             <a:endParaRPr lang="fr-FR"/>
           </a:p>
@@ -9572,7 +9487,7 @@
           <a:p>
             <a:fld id="{FA5025D5-0E1A-4A88-8E59-EA73C3D56A74}" type="datetime1">
               <a:rPr lang="fr-FR" smtClean="0"/>
-              <a:t>17/11/2014</a:t>
+              <a:t>22/11/2014</a:t>
             </a:fld>
             <a:endParaRPr lang="fr-FR"/>
           </a:p>
@@ -10029,7 +9944,23 @@
                   <a:schemeClr val="bg1"/>
                 </a:solidFill>
               </a:rPr>
-              <a:t>Réalisé par BRAGA, S’NADANE et MOREAU</a:t>
+              <a:t>Réalisé par BRAGA, </a:t>
+            </a:r>
+            <a:r>
+              <a:rPr lang="fr-FR" sz="9600" dirty="0" smtClean="0">
+                <a:solidFill>
+                  <a:schemeClr val="bg1"/>
+                </a:solidFill>
+              </a:rPr>
+              <a:t>S.NADANE </a:t>
+            </a:r>
+            <a:r>
+              <a:rPr lang="fr-FR" sz="9600" dirty="0" smtClean="0">
+                <a:solidFill>
+                  <a:schemeClr val="bg1"/>
+                </a:solidFill>
+              </a:rPr>
+              <a:t>et MOREAU</a:t>
             </a:r>
             <a:endParaRPr lang="fr-FR" sz="9600" dirty="0">
               <a:solidFill>
@@ -10291,11 +10222,7 @@
             </a:pPr>
             <a:r>
               <a:rPr lang="fr-FR" dirty="0" smtClean="0"/>
-              <a:t>Analyse, conception et développement d’une mise à jour du site </a:t>
-            </a:r>
-            <a:r>
-              <a:rPr lang="fr-FR" dirty="0" smtClean="0"/>
-              <a:t>« </a:t>
+              <a:t>Analyse, conception et développement d’une mise à jour du site « </a:t>
             </a:r>
             <a:r>
               <a:rPr lang="fr-FR" dirty="0" err="1" smtClean="0"/>
@@ -10303,11 +10230,7 @@
             </a:r>
             <a:r>
               <a:rPr lang="fr-FR" dirty="0" smtClean="0"/>
-              <a:t> consultation » afin </a:t>
-            </a:r>
-            <a:r>
-              <a:rPr lang="fr-FR" dirty="0" smtClean="0"/>
-              <a:t>de le rendre responsive</a:t>
+              <a:t> consultation » afin de le rendre responsive</a:t>
             </a:r>
           </a:p>
           <a:p>
@@ -10327,11 +10250,7 @@
             </a:pPr>
             <a:r>
               <a:rPr lang="fr-FR" dirty="0" smtClean="0"/>
-              <a:t>Volonté d’une expérience la plus réelle possible</a:t>
-            </a:r>
-            <a:r>
-              <a:rPr lang="fr-FR" dirty="0" smtClean="0"/>
-              <a:t>.</a:t>
+              <a:t>Volonté d’une expérience la plus réelle possible.</a:t>
             </a:r>
           </a:p>
           <a:p>
@@ -10347,11 +10266,6 @@
               </a:rPr>
               <a:t>Recherche et Développement</a:t>
             </a:r>
-            <a:endParaRPr lang="fr-FR" dirty="0" smtClean="0">
-              <a:solidFill>
-                <a:srgbClr val="FFC000"/>
-              </a:solidFill>
-            </a:endParaRPr>
           </a:p>
           <a:p>
             <a:pPr>
@@ -10389,13 +10303,8 @@
             </a:r>
             <a:r>
               <a:rPr lang="fr-FR" dirty="0" smtClean="0"/>
-              <a:t> : 4 </a:t>
+              <a:t> : 4 mois</a:t>
             </a:r>
-            <a:r>
-              <a:rPr lang="fr-FR" dirty="0" smtClean="0"/>
-              <a:t>mois</a:t>
-            </a:r>
-            <a:endParaRPr lang="fr-FR" dirty="0" smtClean="0"/>
           </a:p>
         </p:txBody>
       </p:sp>
@@ -10456,1019 +10365,6 @@
         </p:nvSpPr>
         <p:spPr>
           <a:xfrm>
-            <a:off x="179512" y="274638"/>
-            <a:ext cx="8507288" cy="1143000"/>
-          </a:xfrm>
-        </p:spPr>
-        <p:txBody>
-          <a:bodyPr>
-            <a:normAutofit/>
-          </a:bodyPr>
-          <a:lstStyle/>
-          <a:p>
-            <a:r>
-              <a:rPr lang="fr-FR" sz="3600" dirty="0" smtClean="0"/>
-              <a:t>Table des matières</a:t>
-            </a:r>
-            <a:endParaRPr lang="fr-FR" sz="3600" dirty="0"/>
-          </a:p>
-        </p:txBody>
-      </p:sp>
-      <p:sp>
-        <p:nvSpPr>
-          <p:cNvPr id="11" name="Espace réservé du numéro de diapositive 10"/>
-          <p:cNvSpPr>
-            <a:spLocks noGrp="1"/>
-          </p:cNvSpPr>
-          <p:nvPr>
-            <p:ph type="sldNum" sz="quarter" idx="12"/>
-          </p:nvPr>
-        </p:nvSpPr>
-        <p:spPr/>
-        <p:txBody>
-          <a:bodyPr/>
-          <a:lstStyle/>
-          <a:p>
-            <a:fld id="{C7CDC3F6-687D-4FBA-B21C-72B0B0E094F4}" type="slidenum">
-              <a:rPr lang="fr-FR" smtClean="0"/>
-              <a:pPr/>
-              <a:t>3</a:t>
-            </a:fld>
-            <a:r>
-              <a:rPr lang="fr-FR" dirty="0" smtClean="0"/>
-              <a:t>/</a:t>
-            </a:r>
-            <a:endParaRPr lang="fr-FR" dirty="0"/>
-          </a:p>
-        </p:txBody>
-      </p:sp>
-      <p:sp>
-        <p:nvSpPr>
-          <p:cNvPr id="3" name="Espace réservé du contenu 2"/>
-          <p:cNvSpPr>
-            <a:spLocks noGrp="1"/>
-          </p:cNvSpPr>
-          <p:nvPr>
-            <p:ph sz="quarter" idx="1"/>
-          </p:nvPr>
-        </p:nvSpPr>
-        <p:spPr/>
-        <p:txBody>
-          <a:bodyPr/>
-          <a:lstStyle/>
-          <a:p>
-            <a:pPr marL="0" indent="0">
-              <a:buNone/>
-            </a:pPr>
-            <a:r>
-              <a:rPr lang="fr-FR" dirty="0" smtClean="0"/>
-              <a:t> </a:t>
-            </a:r>
-            <a:endParaRPr lang="fr-FR" dirty="0"/>
-          </a:p>
-        </p:txBody>
-      </p:sp>
-      <p:sp>
-        <p:nvSpPr>
-          <p:cNvPr id="4" name="Rectangle 48"/>
-          <p:cNvSpPr>
-            <a:spLocks noChangeArrowheads="1"/>
-          </p:cNvSpPr>
-          <p:nvPr/>
-        </p:nvSpPr>
-        <p:spPr bwMode="auto">
-          <a:xfrm>
-            <a:off x="3129809" y="1685950"/>
-            <a:ext cx="361950" cy="361950"/>
-          </a:xfrm>
-          <a:prstGeom prst="rect">
-            <a:avLst/>
-          </a:prstGeom>
-          <a:solidFill>
-            <a:schemeClr val="tx1">
-              <a:lumMod val="65000"/>
-              <a:lumOff val="35000"/>
-            </a:schemeClr>
-          </a:solidFill>
-          <a:ln w="9525">
-            <a:noFill/>
-            <a:miter lim="800000"/>
-            <a:headEnd/>
-            <a:tailEnd/>
-          </a:ln>
-        </p:spPr>
-        <p:txBody>
-          <a:bodyPr wrap="none" anchor="ctr"/>
-          <a:lstStyle/>
-          <a:p>
-            <a:pPr algn="r" fontAlgn="auto">
-              <a:lnSpc>
-                <a:spcPct val="90000"/>
-              </a:lnSpc>
-              <a:spcBef>
-                <a:spcPct val="50000"/>
-              </a:spcBef>
-              <a:spcAft>
-                <a:spcPts val="0"/>
-              </a:spcAft>
-              <a:buSzPct val="100000"/>
-            </a:pPr>
-            <a:endParaRPr lang="en-US" sz="1800" dirty="0">
-              <a:solidFill>
-                <a:srgbClr val="FFFFFF"/>
-              </a:solidFill>
-              <a:latin typeface="+mn-lt"/>
-              <a:cs typeface="+mn-cs"/>
-            </a:endParaRPr>
-          </a:p>
-        </p:txBody>
-      </p:sp>
-      <p:sp>
-        <p:nvSpPr>
-          <p:cNvPr id="5" name="Rectangle 49"/>
-          <p:cNvSpPr>
-            <a:spLocks noChangeArrowheads="1"/>
-          </p:cNvSpPr>
-          <p:nvPr/>
-        </p:nvSpPr>
-        <p:spPr bwMode="auto">
-          <a:xfrm>
-            <a:off x="3053609" y="1628800"/>
-            <a:ext cx="361950" cy="361950"/>
-          </a:xfrm>
-          <a:prstGeom prst="rect">
-            <a:avLst/>
-          </a:prstGeom>
-          <a:solidFill>
-            <a:schemeClr val="accent6"/>
-          </a:solidFill>
-          <a:ln w="9525">
-            <a:noFill/>
-            <a:miter lim="800000"/>
-            <a:headEnd/>
-            <a:tailEnd/>
-          </a:ln>
-        </p:spPr>
-        <p:txBody>
-          <a:bodyPr wrap="none" anchor="ctr"/>
-          <a:lstStyle/>
-          <a:p>
-            <a:pPr algn="ctr" fontAlgn="auto">
-              <a:lnSpc>
-                <a:spcPct val="90000"/>
-              </a:lnSpc>
-              <a:spcBef>
-                <a:spcPct val="50000"/>
-              </a:spcBef>
-              <a:spcAft>
-                <a:spcPts val="0"/>
-              </a:spcAft>
-              <a:buSzPct val="100000"/>
-            </a:pPr>
-            <a:r>
-              <a:rPr lang="en-GB" sz="1800" b="1" dirty="0">
-                <a:solidFill>
-                  <a:srgbClr val="FFFFFF"/>
-                </a:solidFill>
-                <a:latin typeface="+mn-lt"/>
-                <a:cs typeface="+mn-cs"/>
-              </a:rPr>
-              <a:t>1</a:t>
-            </a:r>
-          </a:p>
-        </p:txBody>
-      </p:sp>
-      <p:sp>
-        <p:nvSpPr>
-          <p:cNvPr id="6" name="Rectangle 48"/>
-          <p:cNvSpPr>
-            <a:spLocks noChangeArrowheads="1"/>
-          </p:cNvSpPr>
-          <p:nvPr/>
-        </p:nvSpPr>
-        <p:spPr bwMode="auto">
-          <a:xfrm>
-            <a:off x="3129809" y="3393615"/>
-            <a:ext cx="361950" cy="361950"/>
-          </a:xfrm>
-          <a:prstGeom prst="rect">
-            <a:avLst/>
-          </a:prstGeom>
-          <a:solidFill>
-            <a:schemeClr val="tx1">
-              <a:lumMod val="65000"/>
-              <a:lumOff val="35000"/>
-            </a:schemeClr>
-          </a:solidFill>
-          <a:ln w="9525">
-            <a:noFill/>
-            <a:miter lim="800000"/>
-            <a:headEnd/>
-            <a:tailEnd/>
-          </a:ln>
-        </p:spPr>
-        <p:txBody>
-          <a:bodyPr wrap="none" anchor="ctr"/>
-          <a:lstStyle/>
-          <a:p>
-            <a:pPr algn="r" fontAlgn="auto">
-              <a:lnSpc>
-                <a:spcPct val="90000"/>
-              </a:lnSpc>
-              <a:spcBef>
-                <a:spcPct val="50000"/>
-              </a:spcBef>
-              <a:spcAft>
-                <a:spcPts val="0"/>
-              </a:spcAft>
-              <a:buSzPct val="100000"/>
-            </a:pPr>
-            <a:endParaRPr lang="en-US" sz="1800" dirty="0">
-              <a:solidFill>
-                <a:srgbClr val="FFFFFF"/>
-              </a:solidFill>
-              <a:latin typeface="+mn-lt"/>
-              <a:cs typeface="+mn-cs"/>
-            </a:endParaRPr>
-          </a:p>
-        </p:txBody>
-      </p:sp>
-      <p:sp>
-        <p:nvSpPr>
-          <p:cNvPr id="7" name="Rectangle 49"/>
-          <p:cNvSpPr>
-            <a:spLocks noChangeArrowheads="1"/>
-          </p:cNvSpPr>
-          <p:nvPr/>
-        </p:nvSpPr>
-        <p:spPr bwMode="auto">
-          <a:xfrm>
-            <a:off x="3053609" y="3336465"/>
-            <a:ext cx="361950" cy="361950"/>
-          </a:xfrm>
-          <a:prstGeom prst="rect">
-            <a:avLst/>
-          </a:prstGeom>
-          <a:solidFill>
-            <a:schemeClr val="accent6"/>
-          </a:solidFill>
-          <a:ln w="9525">
-            <a:noFill/>
-            <a:miter lim="800000"/>
-            <a:headEnd/>
-            <a:tailEnd/>
-          </a:ln>
-        </p:spPr>
-        <p:txBody>
-          <a:bodyPr wrap="none" anchor="ctr"/>
-          <a:lstStyle/>
-          <a:p>
-            <a:pPr algn="ctr" fontAlgn="auto">
-              <a:lnSpc>
-                <a:spcPct val="90000"/>
-              </a:lnSpc>
-              <a:spcBef>
-                <a:spcPct val="50000"/>
-              </a:spcBef>
-              <a:spcAft>
-                <a:spcPts val="0"/>
-              </a:spcAft>
-              <a:buSzPct val="100000"/>
-            </a:pPr>
-            <a:r>
-              <a:rPr lang="en-GB" b="1" dirty="0">
-                <a:solidFill>
-                  <a:srgbClr val="FFFFFF"/>
-                </a:solidFill>
-              </a:rPr>
-              <a:t>2</a:t>
-            </a:r>
-            <a:endParaRPr lang="en-GB" sz="1800" b="1" dirty="0">
-              <a:solidFill>
-                <a:srgbClr val="FFFFFF"/>
-              </a:solidFill>
-              <a:latin typeface="+mn-lt"/>
-              <a:cs typeface="+mn-cs"/>
-            </a:endParaRPr>
-          </a:p>
-        </p:txBody>
-      </p:sp>
-      <p:pic>
-        <p:nvPicPr>
-          <p:cNvPr id="8" name="Picture 8" descr="j0309641"/>
-          <p:cNvPicPr>
-            <a:picLocks noChangeAspect="1" noChangeArrowheads="1"/>
-          </p:cNvPicPr>
-          <p:nvPr/>
-        </p:nvPicPr>
-        <p:blipFill>
-          <a:blip r:embed="rId3" cstate="print"/>
-          <a:srcRect/>
-          <a:stretch>
-            <a:fillRect/>
-          </a:stretch>
-        </p:blipFill>
-        <p:spPr bwMode="auto">
-          <a:xfrm>
-            <a:off x="395536" y="1628800"/>
-            <a:ext cx="2163763" cy="4419600"/>
-          </a:xfrm>
-          <a:prstGeom prst="rect">
-            <a:avLst/>
-          </a:prstGeom>
-          <a:ln>
-            <a:noFill/>
-          </a:ln>
-          <a:effectLst>
-            <a:outerShdw blurRad="292100" dist="139700" dir="2700000" algn="tl" rotWithShape="0">
-              <a:srgbClr val="333333">
-                <a:alpha val="65000"/>
-              </a:srgbClr>
-            </a:outerShdw>
-          </a:effectLst>
-        </p:spPr>
-      </p:pic>
-      <p:sp>
-        <p:nvSpPr>
-          <p:cNvPr id="9" name="Text Box 76">
-            <a:hlinkHover r:id="" action="ppaction://noaction" highlightClick="1"/>
-          </p:cNvPr>
-          <p:cNvSpPr txBox="1">
-            <a:spLocks noChangeArrowheads="1"/>
-          </p:cNvSpPr>
-          <p:nvPr/>
-        </p:nvSpPr>
-        <p:spPr bwMode="auto">
-          <a:xfrm>
-            <a:off x="3624819" y="1628800"/>
-            <a:ext cx="5207000" cy="1505027"/>
-          </a:xfrm>
-          <a:prstGeom prst="rect">
-            <a:avLst/>
-          </a:prstGeom>
-          <a:noFill/>
-          <a:ln w="9525">
-            <a:solidFill>
-              <a:schemeClr val="tx1">
-                <a:lumMod val="95000"/>
-                <a:lumOff val="5000"/>
-              </a:schemeClr>
-            </a:solidFill>
-            <a:miter lim="800000"/>
-            <a:headEnd/>
-            <a:tailEnd/>
-          </a:ln>
-          <a:effectLst>
-            <a:outerShdw blurRad="50800" dist="38100" dir="2700000" algn="tl" rotWithShape="0">
-              <a:prstClr val="black">
-                <a:alpha val="40000"/>
-              </a:prstClr>
-            </a:outerShdw>
-          </a:effectLst>
-        </p:spPr>
-        <p:txBody>
-          <a:bodyPr>
-            <a:spAutoFit/>
-          </a:bodyPr>
-          <a:lstStyle/>
-          <a:p>
-            <a:pPr>
-              <a:lnSpc>
-                <a:spcPct val="90000"/>
-              </a:lnSpc>
-              <a:spcBef>
-                <a:spcPct val="50000"/>
-              </a:spcBef>
-              <a:buClr>
-                <a:srgbClr val="000000"/>
-              </a:buClr>
-              <a:buSzPct val="110000"/>
-            </a:pPr>
-            <a:r>
-              <a:rPr lang="fr-FR" dirty="0" smtClean="0">
-                <a:solidFill>
-                  <a:schemeClr val="tx1">
-                    <a:lumMod val="65000"/>
-                    <a:lumOff val="35000"/>
-                  </a:schemeClr>
-                </a:solidFill>
-              </a:rPr>
-              <a:t>Travaux réalisés</a:t>
-            </a:r>
-            <a:endParaRPr lang="fr-FR" dirty="0" smtClean="0">
-              <a:solidFill>
-                <a:schemeClr val="tx1">
-                  <a:lumMod val="65000"/>
-                  <a:lumOff val="35000"/>
-                </a:schemeClr>
-              </a:solidFill>
-            </a:endParaRPr>
-          </a:p>
-          <a:p>
-            <a:pPr marL="285750" indent="-285750">
-              <a:lnSpc>
-                <a:spcPct val="90000"/>
-              </a:lnSpc>
-              <a:spcBef>
-                <a:spcPct val="50000"/>
-              </a:spcBef>
-              <a:buClr>
-                <a:srgbClr val="000000"/>
-              </a:buClr>
-              <a:buSzPct val="110000"/>
-              <a:buFont typeface="Arial" pitchFamily="34" charset="0"/>
-              <a:buChar char="•"/>
-            </a:pPr>
-            <a:r>
-              <a:rPr lang="fr-FR" dirty="0" smtClean="0">
-                <a:solidFill>
-                  <a:schemeClr val="tx1">
-                    <a:lumMod val="65000"/>
-                    <a:lumOff val="35000"/>
-                  </a:schemeClr>
-                </a:solidFill>
-              </a:rPr>
-              <a:t>Architecture du projet</a:t>
-            </a:r>
-          </a:p>
-          <a:p>
-            <a:pPr marL="285750" indent="-285750">
-              <a:lnSpc>
-                <a:spcPct val="90000"/>
-              </a:lnSpc>
-              <a:spcBef>
-                <a:spcPct val="50000"/>
-              </a:spcBef>
-              <a:buClr>
-                <a:srgbClr val="000000"/>
-              </a:buClr>
-              <a:buSzPct val="110000"/>
-              <a:buFont typeface="Arial" pitchFamily="34" charset="0"/>
-              <a:buChar char="•"/>
-            </a:pPr>
-            <a:r>
-              <a:rPr lang="fr-FR" dirty="0" smtClean="0">
-                <a:solidFill>
-                  <a:schemeClr val="tx1">
-                    <a:lumMod val="65000"/>
-                    <a:lumOff val="35000"/>
-                  </a:schemeClr>
-                </a:solidFill>
-              </a:rPr>
-              <a:t>Choix de programmation</a:t>
-            </a:r>
-          </a:p>
-          <a:p>
-            <a:pPr marL="285750" indent="-285750">
-              <a:lnSpc>
-                <a:spcPct val="90000"/>
-              </a:lnSpc>
-              <a:spcBef>
-                <a:spcPct val="50000"/>
-              </a:spcBef>
-              <a:buClr>
-                <a:srgbClr val="000000"/>
-              </a:buClr>
-              <a:buSzPct val="110000"/>
-              <a:buFont typeface="Arial" pitchFamily="34" charset="0"/>
-              <a:buChar char="•"/>
-            </a:pPr>
-            <a:r>
-              <a:rPr lang="fr-FR" dirty="0" smtClean="0">
-                <a:solidFill>
-                  <a:schemeClr val="tx1">
-                    <a:lumMod val="65000"/>
-                    <a:lumOff val="35000"/>
-                  </a:schemeClr>
-                </a:solidFill>
-              </a:rPr>
-              <a:t>Développements des pages </a:t>
-            </a:r>
-          </a:p>
-        </p:txBody>
-      </p:sp>
-      <p:sp>
-        <p:nvSpPr>
-          <p:cNvPr id="10" name="Text Box 76">
-            <a:hlinkHover r:id="" action="ppaction://noaction" highlightClick="1"/>
-          </p:cNvPr>
-          <p:cNvSpPr txBox="1">
-            <a:spLocks noChangeArrowheads="1"/>
-          </p:cNvSpPr>
-          <p:nvPr/>
-        </p:nvSpPr>
-        <p:spPr bwMode="auto">
-          <a:xfrm>
-            <a:off x="3624819" y="3336464"/>
-            <a:ext cx="5207000" cy="1505027"/>
-          </a:xfrm>
-          <a:prstGeom prst="rect">
-            <a:avLst/>
-          </a:prstGeom>
-          <a:noFill/>
-          <a:ln w="9525">
-            <a:solidFill>
-              <a:schemeClr val="tx1">
-                <a:lumMod val="95000"/>
-                <a:lumOff val="5000"/>
-              </a:schemeClr>
-            </a:solidFill>
-            <a:miter lim="800000"/>
-            <a:headEnd/>
-            <a:tailEnd/>
-          </a:ln>
-          <a:effectLst>
-            <a:outerShdw blurRad="50800" dist="38100" dir="2700000" algn="tl" rotWithShape="0">
-              <a:prstClr val="black">
-                <a:alpha val="40000"/>
-              </a:prstClr>
-            </a:outerShdw>
-          </a:effectLst>
-        </p:spPr>
-        <p:txBody>
-          <a:bodyPr>
-            <a:spAutoFit/>
-          </a:bodyPr>
-          <a:lstStyle/>
-          <a:p>
-            <a:pPr>
-              <a:lnSpc>
-                <a:spcPct val="90000"/>
-              </a:lnSpc>
-              <a:spcBef>
-                <a:spcPct val="50000"/>
-              </a:spcBef>
-              <a:buClr>
-                <a:srgbClr val="000000"/>
-              </a:buClr>
-              <a:buSzPct val="110000"/>
-            </a:pPr>
-            <a:r>
-              <a:rPr lang="en-GB" dirty="0" err="1" smtClean="0">
-                <a:solidFill>
-                  <a:schemeClr val="tx1">
-                    <a:lumMod val="65000"/>
-                    <a:lumOff val="35000"/>
-                  </a:schemeClr>
-                </a:solidFill>
-              </a:rPr>
-              <a:t>Travaux</a:t>
-            </a:r>
-            <a:r>
-              <a:rPr lang="en-GB" dirty="0" smtClean="0">
-                <a:solidFill>
-                  <a:schemeClr val="tx1">
-                    <a:lumMod val="65000"/>
-                    <a:lumOff val="35000"/>
-                  </a:schemeClr>
-                </a:solidFill>
-              </a:rPr>
-              <a:t> </a:t>
-            </a:r>
-            <a:r>
-              <a:rPr lang="en-GB" dirty="0" err="1" smtClean="0">
-                <a:solidFill>
-                  <a:schemeClr val="tx1">
-                    <a:lumMod val="65000"/>
-                    <a:lumOff val="35000"/>
-                  </a:schemeClr>
-                </a:solidFill>
-              </a:rPr>
-              <a:t>en</a:t>
-            </a:r>
-            <a:r>
-              <a:rPr lang="en-GB" dirty="0" smtClean="0">
-                <a:solidFill>
-                  <a:schemeClr val="tx1">
-                    <a:lumMod val="65000"/>
-                    <a:lumOff val="35000"/>
-                  </a:schemeClr>
-                </a:solidFill>
-              </a:rPr>
-              <a:t> </a:t>
-            </a:r>
-            <a:r>
-              <a:rPr lang="en-GB" dirty="0" err="1" smtClean="0">
-                <a:solidFill>
-                  <a:schemeClr val="tx1">
-                    <a:lumMod val="65000"/>
-                    <a:lumOff val="35000"/>
-                  </a:schemeClr>
-                </a:solidFill>
-              </a:rPr>
-              <a:t>cours</a:t>
-            </a:r>
-            <a:r>
-              <a:rPr lang="en-GB" dirty="0" smtClean="0">
-                <a:solidFill>
-                  <a:schemeClr val="tx1">
-                    <a:lumMod val="65000"/>
-                    <a:lumOff val="35000"/>
-                  </a:schemeClr>
-                </a:solidFill>
-              </a:rPr>
-              <a:t> de </a:t>
-            </a:r>
-            <a:r>
-              <a:rPr lang="en-GB" dirty="0" err="1" smtClean="0">
-                <a:solidFill>
-                  <a:schemeClr val="tx1">
-                    <a:lumMod val="65000"/>
-                    <a:lumOff val="35000"/>
-                  </a:schemeClr>
-                </a:solidFill>
-              </a:rPr>
-              <a:t>développement</a:t>
-            </a:r>
-            <a:endParaRPr lang="en-GB" dirty="0" smtClean="0">
-              <a:solidFill>
-                <a:schemeClr val="tx1">
-                  <a:lumMod val="65000"/>
-                  <a:lumOff val="35000"/>
-                </a:schemeClr>
-              </a:solidFill>
-            </a:endParaRPr>
-          </a:p>
-          <a:p>
-            <a:pPr marL="285750" indent="-285750">
-              <a:lnSpc>
-                <a:spcPct val="90000"/>
-              </a:lnSpc>
-              <a:spcBef>
-                <a:spcPct val="50000"/>
-              </a:spcBef>
-              <a:buClr>
-                <a:srgbClr val="000000"/>
-              </a:buClr>
-              <a:buSzPct val="110000"/>
-              <a:buFont typeface="Arial" pitchFamily="34" charset="0"/>
-              <a:buChar char="•"/>
-            </a:pPr>
-            <a:r>
-              <a:rPr lang="en-GB" dirty="0" smtClean="0">
-                <a:solidFill>
-                  <a:schemeClr val="tx1">
-                    <a:lumMod val="65000"/>
-                    <a:lumOff val="35000"/>
-                  </a:schemeClr>
-                </a:solidFill>
-              </a:rPr>
-              <a:t>Modification de la base</a:t>
-            </a:r>
-          </a:p>
-          <a:p>
-            <a:pPr marL="285750" indent="-285750">
-              <a:lnSpc>
-                <a:spcPct val="90000"/>
-              </a:lnSpc>
-              <a:spcBef>
-                <a:spcPct val="50000"/>
-              </a:spcBef>
-              <a:buClr>
-                <a:srgbClr val="000000"/>
-              </a:buClr>
-              <a:buSzPct val="110000"/>
-              <a:buFont typeface="Arial" pitchFamily="34" charset="0"/>
-              <a:buChar char="•"/>
-            </a:pPr>
-            <a:r>
-              <a:rPr lang="en-GB" dirty="0" smtClean="0">
-                <a:solidFill>
-                  <a:schemeClr val="tx1">
-                    <a:lumMod val="65000"/>
-                    <a:lumOff val="35000"/>
-                  </a:schemeClr>
-                </a:solidFill>
-              </a:rPr>
-              <a:t>Script </a:t>
-            </a:r>
-            <a:r>
-              <a:rPr lang="en-GB" dirty="0" err="1" smtClean="0">
-                <a:solidFill>
-                  <a:schemeClr val="tx1">
-                    <a:lumMod val="65000"/>
-                    <a:lumOff val="35000"/>
-                  </a:schemeClr>
-                </a:solidFill>
-              </a:rPr>
-              <a:t>d’export</a:t>
-            </a:r>
-            <a:r>
-              <a:rPr lang="en-GB" dirty="0" smtClean="0">
-                <a:solidFill>
-                  <a:schemeClr val="tx1">
-                    <a:lumMod val="65000"/>
-                    <a:lumOff val="35000"/>
-                  </a:schemeClr>
-                </a:solidFill>
-              </a:rPr>
-              <a:t> PDF et Giseh</a:t>
-            </a:r>
-          </a:p>
-          <a:p>
-            <a:pPr marL="285750" indent="-285750">
-              <a:lnSpc>
-                <a:spcPct val="90000"/>
-              </a:lnSpc>
-              <a:spcBef>
-                <a:spcPct val="50000"/>
-              </a:spcBef>
-              <a:buClr>
-                <a:srgbClr val="000000"/>
-              </a:buClr>
-              <a:buSzPct val="110000"/>
-              <a:buFont typeface="Arial" pitchFamily="34" charset="0"/>
-              <a:buChar char="•"/>
-            </a:pPr>
-            <a:r>
-              <a:rPr lang="en-GB" dirty="0" err="1" smtClean="0">
-                <a:solidFill>
-                  <a:schemeClr val="tx1">
-                    <a:lumMod val="65000"/>
-                    <a:lumOff val="35000"/>
-                  </a:schemeClr>
-                </a:solidFill>
-              </a:rPr>
-              <a:t>Contraintes</a:t>
-            </a:r>
-            <a:r>
-              <a:rPr lang="en-GB" dirty="0" smtClean="0">
-                <a:solidFill>
-                  <a:schemeClr val="tx1">
-                    <a:lumMod val="65000"/>
-                    <a:lumOff val="35000"/>
-                  </a:schemeClr>
-                </a:solidFill>
-              </a:rPr>
-              <a:t> de </a:t>
-            </a:r>
-            <a:r>
-              <a:rPr lang="en-GB" dirty="0" err="1" smtClean="0">
-                <a:solidFill>
-                  <a:schemeClr val="tx1">
-                    <a:lumMod val="65000"/>
-                    <a:lumOff val="35000"/>
-                  </a:schemeClr>
-                </a:solidFill>
-              </a:rPr>
-              <a:t>sécurité</a:t>
-            </a:r>
-            <a:endParaRPr lang="en-GB" dirty="0" smtClean="0">
-              <a:solidFill>
-                <a:schemeClr val="tx1">
-                  <a:lumMod val="65000"/>
-                  <a:lumOff val="35000"/>
-                </a:schemeClr>
-              </a:solidFill>
-            </a:endParaRPr>
-          </a:p>
-        </p:txBody>
-      </p:sp>
-      <p:sp>
-        <p:nvSpPr>
-          <p:cNvPr id="14" name="Text Box 76">
-            <a:hlinkHover r:id="" action="ppaction://noaction" highlightClick="1"/>
-          </p:cNvPr>
-          <p:cNvSpPr txBox="1">
-            <a:spLocks noChangeArrowheads="1"/>
-          </p:cNvSpPr>
-          <p:nvPr/>
-        </p:nvSpPr>
-        <p:spPr bwMode="auto">
-          <a:xfrm>
-            <a:off x="3624819" y="5515513"/>
-            <a:ext cx="5207000" cy="341632"/>
-          </a:xfrm>
-          <a:prstGeom prst="rect">
-            <a:avLst/>
-          </a:prstGeom>
-          <a:noFill/>
-          <a:ln w="9525">
-            <a:solidFill>
-              <a:schemeClr val="tx1">
-                <a:lumMod val="95000"/>
-                <a:lumOff val="5000"/>
-              </a:schemeClr>
-            </a:solidFill>
-            <a:miter lim="800000"/>
-            <a:headEnd/>
-            <a:tailEnd/>
-          </a:ln>
-          <a:effectLst>
-            <a:outerShdw blurRad="50800" dist="38100" dir="2700000" algn="tl" rotWithShape="0">
-              <a:prstClr val="black">
-                <a:alpha val="40000"/>
-              </a:prstClr>
-            </a:outerShdw>
-          </a:effectLst>
-        </p:spPr>
-        <p:txBody>
-          <a:bodyPr>
-            <a:spAutoFit/>
-          </a:bodyPr>
-          <a:lstStyle/>
-          <a:p>
-            <a:pPr>
-              <a:lnSpc>
-                <a:spcPct val="90000"/>
-              </a:lnSpc>
-              <a:spcBef>
-                <a:spcPct val="50000"/>
-              </a:spcBef>
-              <a:buClr>
-                <a:srgbClr val="000000"/>
-              </a:buClr>
-              <a:buSzPct val="110000"/>
-            </a:pPr>
-            <a:r>
-              <a:rPr lang="en-GB" dirty="0" err="1" smtClean="0">
-                <a:solidFill>
-                  <a:schemeClr val="tx1">
-                    <a:lumMod val="65000"/>
-                    <a:lumOff val="35000"/>
-                  </a:schemeClr>
-                </a:solidFill>
-              </a:rPr>
-              <a:t>Démonstration</a:t>
-            </a:r>
-            <a:r>
-              <a:rPr lang="en-GB" dirty="0" smtClean="0">
-                <a:solidFill>
-                  <a:schemeClr val="tx1">
-                    <a:lumMod val="65000"/>
-                    <a:lumOff val="35000"/>
-                  </a:schemeClr>
-                </a:solidFill>
-              </a:rPr>
-              <a:t> </a:t>
-            </a:r>
-          </a:p>
-        </p:txBody>
-      </p:sp>
-      <p:sp>
-        <p:nvSpPr>
-          <p:cNvPr id="19" name="Rectangle 48"/>
-          <p:cNvSpPr>
-            <a:spLocks noChangeArrowheads="1"/>
-          </p:cNvSpPr>
-          <p:nvPr/>
-        </p:nvSpPr>
-        <p:spPr bwMode="auto">
-          <a:xfrm>
-            <a:off x="3177434" y="5572663"/>
-            <a:ext cx="361950" cy="361950"/>
-          </a:xfrm>
-          <a:prstGeom prst="rect">
-            <a:avLst/>
-          </a:prstGeom>
-          <a:solidFill>
-            <a:schemeClr val="tx1">
-              <a:lumMod val="65000"/>
-              <a:lumOff val="35000"/>
-            </a:schemeClr>
-          </a:solidFill>
-          <a:ln w="9525">
-            <a:noFill/>
-            <a:miter lim="800000"/>
-            <a:headEnd/>
-            <a:tailEnd/>
-          </a:ln>
-        </p:spPr>
-        <p:txBody>
-          <a:bodyPr wrap="none" anchor="ctr"/>
-          <a:lstStyle/>
-          <a:p>
-            <a:pPr algn="r" fontAlgn="auto">
-              <a:lnSpc>
-                <a:spcPct val="90000"/>
-              </a:lnSpc>
-              <a:spcBef>
-                <a:spcPct val="50000"/>
-              </a:spcBef>
-              <a:spcAft>
-                <a:spcPts val="0"/>
-              </a:spcAft>
-              <a:buSzPct val="100000"/>
-            </a:pPr>
-            <a:endParaRPr lang="en-US" sz="1800" dirty="0">
-              <a:solidFill>
-                <a:srgbClr val="FFFFFF"/>
-              </a:solidFill>
-              <a:latin typeface="+mn-lt"/>
-              <a:cs typeface="+mn-cs"/>
-            </a:endParaRPr>
-          </a:p>
-        </p:txBody>
-      </p:sp>
-      <p:sp>
-        <p:nvSpPr>
-          <p:cNvPr id="20" name="Rectangle 49"/>
-          <p:cNvSpPr>
-            <a:spLocks noChangeArrowheads="1"/>
-          </p:cNvSpPr>
-          <p:nvPr/>
-        </p:nvSpPr>
-        <p:spPr bwMode="auto">
-          <a:xfrm>
-            <a:off x="3101234" y="5515513"/>
-            <a:ext cx="361950" cy="361950"/>
-          </a:xfrm>
-          <a:prstGeom prst="rect">
-            <a:avLst/>
-          </a:prstGeom>
-          <a:solidFill>
-            <a:schemeClr val="accent6"/>
-          </a:solidFill>
-          <a:ln w="9525">
-            <a:noFill/>
-            <a:miter lim="800000"/>
-            <a:headEnd/>
-            <a:tailEnd/>
-          </a:ln>
-        </p:spPr>
-        <p:txBody>
-          <a:bodyPr wrap="none" anchor="ctr"/>
-          <a:lstStyle/>
-          <a:p>
-            <a:pPr algn="ctr" fontAlgn="auto">
-              <a:lnSpc>
-                <a:spcPct val="90000"/>
-              </a:lnSpc>
-              <a:spcBef>
-                <a:spcPct val="50000"/>
-              </a:spcBef>
-              <a:spcAft>
-                <a:spcPts val="0"/>
-              </a:spcAft>
-              <a:buSzPct val="100000"/>
-            </a:pPr>
-            <a:r>
-              <a:rPr lang="en-GB" b="1" dirty="0">
-                <a:solidFill>
-                  <a:srgbClr val="FFFFFF"/>
-                </a:solidFill>
-              </a:rPr>
-              <a:t>3</a:t>
-            </a:r>
-            <a:endParaRPr lang="en-GB" sz="1800" b="1" dirty="0">
-              <a:solidFill>
-                <a:srgbClr val="FFFFFF"/>
-              </a:solidFill>
-              <a:latin typeface="+mn-lt"/>
-              <a:cs typeface="+mn-cs"/>
-            </a:endParaRPr>
-          </a:p>
-        </p:txBody>
-      </p:sp>
-    </p:spTree>
-    <p:extLst>
-      <p:ext uri="{BB962C8B-B14F-4D97-AF65-F5344CB8AC3E}">
-        <p14:creationId xmlns:p14="http://schemas.microsoft.com/office/powerpoint/2010/main" val="736111358"/>
-      </p:ext>
-    </p:extLst>
-  </p:cSld>
-  <p:clrMapOvr>
-    <a:masterClrMapping/>
-  </p:clrMapOvr>
-  <p:timing>
-    <p:tnLst>
-      <p:par>
-        <p:cTn id="1" dur="indefinite" restart="never" nodeType="tmRoot"/>
-      </p:par>
-    </p:tnLst>
-  </p:timing>
-</p:sld>
-</file>
-
-<file path=ppt/slides/slide4.xml><?xml version="1.0" encoding="utf-8"?>
-<p:sld xmlns:a="http://schemas.openxmlformats.org/drawingml/2006/main" xmlns:r="http://schemas.openxmlformats.org/officeDocument/2006/relationships" xmlns:p="http://schemas.openxmlformats.org/presentationml/2006/main">
-  <p:cSld>
-    <p:spTree>
-      <p:nvGrpSpPr>
-        <p:cNvPr id="1" name=""/>
-        <p:cNvGrpSpPr/>
-        <p:nvPr/>
-      </p:nvGrpSpPr>
-      <p:grpSpPr>
-        <a:xfrm>
-          <a:off x="0" y="0"/>
-          <a:ext cx="0" cy="0"/>
-          <a:chOff x="0" y="0"/>
-          <a:chExt cx="0" cy="0"/>
-        </a:xfrm>
-      </p:grpSpPr>
-      <p:sp>
-        <p:nvSpPr>
-          <p:cNvPr id="2" name="Titre 1"/>
-          <p:cNvSpPr>
-            <a:spLocks noGrp="1"/>
-          </p:cNvSpPr>
-          <p:nvPr>
-            <p:ph type="title"/>
-          </p:nvPr>
-        </p:nvSpPr>
-        <p:spPr>
-          <a:xfrm>
             <a:off x="179512" y="620688"/>
             <a:ext cx="8784976" cy="648072"/>
           </a:xfrm>
@@ -11496,7 +10392,18 @@
                   </a:schemeClr>
                 </a:solidFill>
               </a:rPr>
-              <a:t>I.1 Architecture du projet</a:t>
+              <a:t>Architecture </a:t>
+            </a:r>
+            <a:r>
+              <a:rPr lang="en-GB" dirty="0" smtClean="0">
+                <a:solidFill>
+                  <a:schemeClr val="tx1">
+                    <a:lumMod val="65000"/>
+                    <a:lumOff val="35000"/>
+                  </a:schemeClr>
+                </a:solidFill>
+              </a:rPr>
+              <a:t>du projet</a:t>
             </a:r>
             <a:endParaRPr lang="en-GB" sz="1200" dirty="0">
               <a:solidFill>
@@ -11524,7 +10431,7 @@
             <a:fld id="{C7CDC3F6-687D-4FBA-B21C-72B0B0E094F4}" type="slidenum">
               <a:rPr lang="fr-FR" smtClean="0"/>
               <a:pPr/>
-              <a:t>4</a:t>
+              <a:t>3</a:t>
             </a:fld>
             <a:endParaRPr lang="fr-FR"/>
           </a:p>
@@ -11575,7 +10482,7 @@
 </p:sld>
 </file>
 
-<file path=ppt/slides/slide5.xml><?xml version="1.0" encoding="utf-8"?>
+<file path=ppt/slides/slide4.xml><?xml version="1.0" encoding="utf-8"?>
 <p:sld xmlns:a="http://schemas.openxmlformats.org/drawingml/2006/main" xmlns:r="http://schemas.openxmlformats.org/officeDocument/2006/relationships" xmlns:p="http://schemas.openxmlformats.org/presentationml/2006/main">
   <p:cSld>
     <p:spTree>
@@ -11616,17 +10523,6 @@
           <a:p>
             <a:pPr algn="ctr"/>
             <a:r>
-              <a:rPr lang="en-GB" sz="3600" dirty="0" smtClean="0">
-                <a:solidFill>
-                  <a:schemeClr val="tx1">
-                    <a:lumMod val="65000"/>
-                    <a:lumOff val="35000"/>
-                  </a:schemeClr>
-                </a:solidFill>
-              </a:rPr>
-              <a:t>I.2 </a:t>
-            </a:r>
-            <a:r>
               <a:rPr lang="en-GB" sz="3600" dirty="0" err="1" smtClean="0">
                 <a:solidFill>
                   <a:schemeClr val="tx1">
@@ -11646,7 +10542,18 @@
                   </a:schemeClr>
                 </a:solidFill>
               </a:rPr>
-              <a:t> de </a:t>
+              <a:t> </a:t>
+            </a:r>
+            <a:r>
+              <a:rPr lang="en-GB" sz="3600" dirty="0" smtClean="0">
+                <a:solidFill>
+                  <a:schemeClr val="tx1">
+                    <a:lumMod val="65000"/>
+                    <a:lumOff val="35000"/>
+                  </a:schemeClr>
+                </a:solidFill>
+              </a:rPr>
+              <a:t>de </a:t>
             </a:r>
             <a:r>
               <a:rPr lang="en-GB" sz="3600" dirty="0" err="1" smtClean="0">
@@ -11681,7 +10588,7 @@
             <a:fld id="{C7CDC3F6-687D-4FBA-B21C-72B0B0E094F4}" type="slidenum">
               <a:rPr lang="fr-FR" smtClean="0"/>
               <a:pPr/>
-              <a:t>5</a:t>
+              <a:t>4</a:t>
             </a:fld>
             <a:endParaRPr lang="fr-FR"/>
           </a:p>
@@ -11699,8 +10606,8 @@
         </p:nvSpPr>
         <p:spPr>
           <a:xfrm>
-            <a:off x="323528" y="2204864"/>
-            <a:ext cx="8229600" cy="3923407"/>
+            <a:off x="323528" y="1844824"/>
+            <a:ext cx="8229600" cy="4283447"/>
           </a:xfrm>
         </p:spPr>
         <p:txBody>
@@ -11710,12 +10617,8 @@
           <a:lstStyle/>
           <a:p>
             <a:r>
-              <a:rPr lang="fr-FR" dirty="0" err="1" smtClean="0"/>
-              <a:t>Smarty</a:t>
-            </a:r>
-            <a:r>
               <a:rPr lang="fr-FR" dirty="0" smtClean="0"/>
-              <a:t> : Moteur de </a:t>
+              <a:t>Smarty : Moteur de </a:t>
             </a:r>
             <a:r>
               <a:rPr lang="fr-FR" dirty="0" err="1" smtClean="0"/>
@@ -11723,46 +10626,85 @@
             </a:r>
             <a:r>
               <a:rPr lang="fr-FR" dirty="0" smtClean="0"/>
-              <a:t> rapide et efficace.</a:t>
+              <a:t> rapide et </a:t>
             </a:r>
-          </a:p>
-          <a:p>
-            <a:endParaRPr lang="fr-FR" dirty="0" smtClean="0"/>
-          </a:p>
-          <a:p>
             <a:r>
               <a:rPr lang="fr-FR" dirty="0" smtClean="0"/>
-              <a:t>MySQL : Simple d’utilisation, langage maitrisé.</a:t>
+              <a:t>efficace.</a:t>
             </a:r>
           </a:p>
           <a:p>
-            <a:endParaRPr lang="fr-FR" dirty="0" smtClean="0"/>
+            <a:r>
+              <a:rPr lang="fr-FR" dirty="0" err="1" smtClean="0"/>
+              <a:t>Jquery</a:t>
+            </a:r>
+            <a:endParaRPr lang="fr-FR" dirty="0"/>
           </a:p>
           <a:p>
             <a:r>
               <a:rPr lang="fr-FR" dirty="0" err="1" smtClean="0"/>
               <a:t>Footable</a:t>
             </a:r>
-            <a:r>
-              <a:rPr lang="fr-FR" dirty="0" smtClean="0"/>
-              <a:t>, </a:t>
-            </a:r>
+            <a:endParaRPr lang="fr-FR" dirty="0" smtClean="0"/>
+          </a:p>
+          <a:p>
             <a:r>
               <a:rPr lang="fr-FR" dirty="0" err="1" smtClean="0"/>
               <a:t>Bootstrap</a:t>
             </a:r>
             <a:r>
               <a:rPr lang="fr-FR" dirty="0" smtClean="0"/>
-              <a:t>, </a:t>
+              <a:t> et </a:t>
             </a:r>
+            <a:r>
+              <a:rPr lang="fr-FR" dirty="0" err="1" smtClean="0"/>
+              <a:t>Boostrap</a:t>
+            </a:r>
+            <a:r>
+              <a:rPr lang="fr-FR" dirty="0" smtClean="0"/>
+              <a:t> </a:t>
+            </a:r>
+            <a:r>
+              <a:rPr lang="fr-FR" dirty="0" err="1" smtClean="0"/>
+              <a:t>Calendar</a:t>
+            </a:r>
+            <a:endParaRPr lang="fr-FR" dirty="0" smtClean="0"/>
+          </a:p>
+          <a:p>
             <a:r>
               <a:rPr lang="fr-FR" dirty="0" err="1" smtClean="0"/>
               <a:t>GoogleCharts</a:t>
             </a:r>
+            <a:endParaRPr lang="fr-FR" dirty="0" smtClean="0"/>
+          </a:p>
+          <a:p>
+            <a:r>
+              <a:rPr lang="fr-FR" dirty="0" err="1" smtClean="0"/>
+              <a:t>Hammer,js</a:t>
+            </a:r>
             <a:r>
               <a:rPr lang="fr-FR" dirty="0" smtClean="0"/>
-              <a:t>, …</a:t>
+              <a:t> &amp; </a:t>
             </a:r>
+            <a:r>
+              <a:rPr lang="fr-FR" dirty="0" err="1" smtClean="0"/>
+              <a:t>Zepto,js</a:t>
+            </a:r>
+            <a:endParaRPr lang="fr-FR" dirty="0" smtClean="0"/>
+          </a:p>
+          <a:p>
+            <a:r>
+              <a:rPr lang="fr-FR" dirty="0" err="1" smtClean="0"/>
+              <a:t>Jspdf</a:t>
+            </a:r>
+            <a:endParaRPr lang="fr-FR" dirty="0" smtClean="0"/>
+          </a:p>
+          <a:p>
+            <a:r>
+              <a:rPr lang="fr-FR" dirty="0" err="1" smtClean="0"/>
+              <a:t>tableExport</a:t>
+            </a:r>
+            <a:endParaRPr lang="fr-FR" dirty="0" smtClean="0"/>
           </a:p>
           <a:p>
             <a:pPr marL="0" indent="0">
@@ -11782,6 +10724,193 @@
   <p:clrMapOvr>
     <a:masterClrMapping/>
   </p:clrMapOvr>
+  <p:timing>
+    <p:tnLst>
+      <p:par>
+        <p:cTn id="1" dur="indefinite" restart="never" nodeType="tmRoot"/>
+      </p:par>
+    </p:tnLst>
+  </p:timing>
+</p:sld>
+</file>
+
+<file path=ppt/slides/slide5.xml><?xml version="1.0" encoding="utf-8"?>
+<p:sld xmlns:a="http://schemas.openxmlformats.org/drawingml/2006/main" xmlns:r="http://schemas.openxmlformats.org/officeDocument/2006/relationships" xmlns:p="http://schemas.openxmlformats.org/presentationml/2006/main">
+  <p:cSld>
+    <p:spTree>
+      <p:nvGrpSpPr>
+        <p:cNvPr id="1" name=""/>
+        <p:cNvGrpSpPr/>
+        <p:nvPr/>
+      </p:nvGrpSpPr>
+      <p:grpSpPr>
+        <a:xfrm>
+          <a:off x="0" y="0"/>
+          <a:ext cx="0" cy="0"/>
+          <a:chOff x="0" y="0"/>
+          <a:chExt cx="0" cy="0"/>
+        </a:xfrm>
+      </p:grpSpPr>
+      <p:sp>
+        <p:nvSpPr>
+          <p:cNvPr id="2" name="Titre 1"/>
+          <p:cNvSpPr>
+            <a:spLocks noGrp="1"/>
+          </p:cNvSpPr>
+          <p:nvPr>
+            <p:ph type="title"/>
+          </p:nvPr>
+        </p:nvSpPr>
+        <p:spPr>
+          <a:xfrm>
+            <a:off x="251520" y="764704"/>
+            <a:ext cx="8640960" cy="835496"/>
+          </a:xfrm>
+        </p:spPr>
+        <p:txBody>
+          <a:bodyPr>
+            <a:normAutofit/>
+          </a:bodyPr>
+          <a:lstStyle/>
+          <a:p>
+            <a:r>
+              <a:rPr lang="en-GB" sz="3600" dirty="0" smtClean="0">
+                <a:solidFill>
+                  <a:schemeClr val="tx1">
+                    <a:lumMod val="65000"/>
+                    <a:lumOff val="35000"/>
+                  </a:schemeClr>
+                </a:solidFill>
+              </a:rPr>
+              <a:t>Conclusion</a:t>
+            </a:r>
+            <a:endParaRPr lang="fr-FR" sz="3600" dirty="0"/>
+          </a:p>
+        </p:txBody>
+      </p:sp>
+      <p:sp>
+        <p:nvSpPr>
+          <p:cNvPr id="4" name="Espace réservé du numéro de diapositive 3"/>
+          <p:cNvSpPr>
+            <a:spLocks noGrp="1"/>
+          </p:cNvSpPr>
+          <p:nvPr>
+            <p:ph type="sldNum" sz="quarter" idx="12"/>
+          </p:nvPr>
+        </p:nvSpPr>
+        <p:spPr/>
+        <p:txBody>
+          <a:bodyPr/>
+          <a:lstStyle/>
+          <a:p>
+            <a:fld id="{C7CDC3F6-687D-4FBA-B21C-72B0B0E094F4}" type="slidenum">
+              <a:rPr lang="fr-FR" smtClean="0"/>
+              <a:pPr/>
+              <a:t>5</a:t>
+            </a:fld>
+            <a:endParaRPr lang="fr-FR"/>
+          </a:p>
+        </p:txBody>
+      </p:sp>
+      <p:sp>
+        <p:nvSpPr>
+          <p:cNvPr id="3" name="Espace réservé du contenu 2"/>
+          <p:cNvSpPr>
+            <a:spLocks noGrp="1"/>
+          </p:cNvSpPr>
+          <p:nvPr>
+            <p:ph sz="quarter" idx="1"/>
+          </p:nvPr>
+        </p:nvSpPr>
+        <p:spPr>
+          <a:xfrm>
+            <a:off x="457200" y="1628800"/>
+            <a:ext cx="8229600" cy="4497363"/>
+          </a:xfrm>
+        </p:spPr>
+        <p:txBody>
+          <a:bodyPr>
+            <a:normAutofit/>
+          </a:bodyPr>
+          <a:lstStyle/>
+          <a:p>
+            <a:endParaRPr lang="fr-FR" dirty="0" smtClean="0"/>
+          </a:p>
+          <a:p>
+            <a:r>
+              <a:rPr lang="fr-FR" dirty="0" smtClean="0"/>
+              <a:t>Collaboration, écoute, organisation du travail de groupe. </a:t>
+            </a:r>
+          </a:p>
+          <a:p>
+            <a:endParaRPr lang="fr-FR" dirty="0" smtClean="0"/>
+          </a:p>
+          <a:p>
+            <a:r>
+              <a:rPr lang="fr-FR" dirty="0" smtClean="0"/>
+              <a:t> Des acquis techniques bénéfiques dans de futurs projets.</a:t>
+            </a:r>
+          </a:p>
+          <a:p>
+            <a:endParaRPr lang="fr-FR" dirty="0"/>
+          </a:p>
+          <a:p>
+            <a:r>
+              <a:rPr lang="fr-FR" dirty="0" smtClean="0"/>
+              <a:t>Motivation impliquée par la réalisation d’un projet avec une réelle finalité.</a:t>
+            </a:r>
+            <a:endParaRPr lang="fr-FR" dirty="0"/>
+          </a:p>
+          <a:p>
+            <a:endParaRPr lang="fr-FR" dirty="0" smtClean="0"/>
+          </a:p>
+          <a:p>
+            <a:endParaRPr lang="fr-FR" dirty="0"/>
+          </a:p>
+          <a:p>
+            <a:pPr marL="0" indent="0">
+              <a:buNone/>
+            </a:pPr>
+            <a:endParaRPr lang="fr-FR" dirty="0"/>
+          </a:p>
+          <a:p>
+            <a:endParaRPr lang="fr-FR" dirty="0" smtClean="0"/>
+          </a:p>
+          <a:p>
+            <a:endParaRPr lang="fr-FR" b="1" dirty="0"/>
+          </a:p>
+          <a:p>
+            <a:endParaRPr lang="fr-FR" b="1" dirty="0" smtClean="0"/>
+          </a:p>
+          <a:p>
+            <a:endParaRPr lang="fr-FR" b="1" dirty="0"/>
+          </a:p>
+          <a:p>
+            <a:endParaRPr lang="fr-FR" dirty="0"/>
+          </a:p>
+          <a:p>
+            <a:endParaRPr lang="fr-FR" dirty="0"/>
+          </a:p>
+        </p:txBody>
+      </p:sp>
+    </p:spTree>
+    <p:extLst>
+      <p:ext uri="{BB962C8B-B14F-4D97-AF65-F5344CB8AC3E}">
+        <p14:creationId xmlns:p14="http://schemas.microsoft.com/office/powerpoint/2010/main" val="2303483038"/>
+      </p:ext>
+    </p:extLst>
+  </p:cSld>
+  <p:clrMapOvr>
+    <a:masterClrMapping/>
+  </p:clrMapOvr>
+  <mc:AlternateContent xmlns:mc="http://schemas.openxmlformats.org/markup-compatibility/2006" xmlns:p14="http://schemas.microsoft.com/office/powerpoint/2010/main">
+    <mc:Choice Requires="p14">
+      <p:transition p14:dur="0"/>
+    </mc:Choice>
+    <mc:Fallback xmlns="">
+      <p:transition/>
+    </mc:Fallback>
+  </mc:AlternateContent>
   <p:timing>
     <p:tnLst>
       <p:par>
@@ -11821,8 +10950,8 @@
         </p:nvSpPr>
         <p:spPr>
           <a:xfrm>
-            <a:off x="251520" y="764704"/>
-            <a:ext cx="8640960" cy="835496"/>
+            <a:off x="179512" y="274638"/>
+            <a:ext cx="8784976" cy="1143000"/>
           </a:xfrm>
         </p:spPr>
         <p:txBody>
@@ -11831,6 +10960,7 @@
           </a:bodyPr>
           <a:lstStyle/>
           <a:p>
+            <a:pPr algn="ctr"/>
             <a:r>
               <a:rPr lang="en-GB" sz="3600" dirty="0" smtClean="0">
                 <a:solidFill>
@@ -11840,7 +10970,7 @@
                   </a:schemeClr>
                 </a:solidFill>
               </a:rPr>
-              <a:t>Conclusion</a:t>
+              <a:t>III Demonstration</a:t>
             </a:r>
             <a:endParaRPr lang="fr-FR" sz="3600" dirty="0"/>
           </a:p>
@@ -11865,194 +10995,6 @@
               <a:rPr lang="fr-FR" smtClean="0"/>
               <a:pPr/>
               <a:t>6</a:t>
-            </a:fld>
-            <a:endParaRPr lang="fr-FR"/>
-          </a:p>
-        </p:txBody>
-      </p:sp>
-      <p:sp>
-        <p:nvSpPr>
-          <p:cNvPr id="3" name="Espace réservé du contenu 2"/>
-          <p:cNvSpPr>
-            <a:spLocks noGrp="1"/>
-          </p:cNvSpPr>
-          <p:nvPr>
-            <p:ph sz="quarter" idx="1"/>
-          </p:nvPr>
-        </p:nvSpPr>
-        <p:spPr>
-          <a:xfrm>
-            <a:off x="457200" y="1628800"/>
-            <a:ext cx="8229600" cy="4497363"/>
-          </a:xfrm>
-        </p:spPr>
-        <p:txBody>
-          <a:bodyPr>
-            <a:normAutofit/>
-          </a:bodyPr>
-          <a:lstStyle/>
-          <a:p>
-            <a:endParaRPr lang="fr-FR" dirty="0" smtClean="0"/>
-          </a:p>
-          <a:p>
-            <a:r>
-              <a:rPr lang="fr-FR" dirty="0" smtClean="0"/>
-              <a:t>Collaboration, écoute, organisation du travail de groupe. </a:t>
-            </a:r>
-          </a:p>
-          <a:p>
-            <a:endParaRPr lang="fr-FR" dirty="0" smtClean="0"/>
-          </a:p>
-          <a:p>
-            <a:r>
-              <a:rPr lang="fr-FR" dirty="0" smtClean="0"/>
-              <a:t> Des acquis techniques bénéfiques dans de futurs projets.</a:t>
-            </a:r>
-          </a:p>
-          <a:p>
-            <a:endParaRPr lang="fr-FR" dirty="0"/>
-          </a:p>
-          <a:p>
-            <a:r>
-              <a:rPr lang="fr-FR" dirty="0" smtClean="0"/>
-              <a:t>Motivation impliquée par la réalisation d’un projet avec une réelle finalité.</a:t>
-            </a:r>
-            <a:endParaRPr lang="fr-FR" dirty="0"/>
-          </a:p>
-          <a:p>
-            <a:endParaRPr lang="fr-FR" dirty="0" smtClean="0"/>
-          </a:p>
-          <a:p>
-            <a:endParaRPr lang="fr-FR" dirty="0"/>
-          </a:p>
-          <a:p>
-            <a:pPr marL="0" indent="0">
-              <a:buNone/>
-            </a:pPr>
-            <a:endParaRPr lang="fr-FR" dirty="0"/>
-          </a:p>
-          <a:p>
-            <a:endParaRPr lang="fr-FR" dirty="0" smtClean="0"/>
-          </a:p>
-          <a:p>
-            <a:endParaRPr lang="fr-FR" b="1" dirty="0"/>
-          </a:p>
-          <a:p>
-            <a:endParaRPr lang="fr-FR" b="1" dirty="0" smtClean="0"/>
-          </a:p>
-          <a:p>
-            <a:endParaRPr lang="fr-FR" b="1" dirty="0"/>
-          </a:p>
-          <a:p>
-            <a:endParaRPr lang="fr-FR" dirty="0"/>
-          </a:p>
-          <a:p>
-            <a:endParaRPr lang="fr-FR" dirty="0"/>
-          </a:p>
-        </p:txBody>
-      </p:sp>
-    </p:spTree>
-    <p:extLst>
-      <p:ext uri="{BB962C8B-B14F-4D97-AF65-F5344CB8AC3E}">
-        <p14:creationId xmlns:p14="http://schemas.microsoft.com/office/powerpoint/2010/main" val="2303483038"/>
-      </p:ext>
-    </p:extLst>
-  </p:cSld>
-  <p:clrMapOvr>
-    <a:masterClrMapping/>
-  </p:clrMapOvr>
-  <mc:AlternateContent xmlns:mc="http://schemas.openxmlformats.org/markup-compatibility/2006" xmlns:p14="http://schemas.microsoft.com/office/powerpoint/2010/main">
-    <mc:Choice Requires="p14">
-      <p:transition p14:dur="0"/>
-    </mc:Choice>
-    <mc:Fallback xmlns="">
-      <p:transition/>
-    </mc:Fallback>
-  </mc:AlternateContent>
-  <p:timing>
-    <p:tnLst>
-      <p:par>
-        <p:cTn id="1" dur="indefinite" restart="never" nodeType="tmRoot"/>
-      </p:par>
-    </p:tnLst>
-  </p:timing>
-</p:sld>
-</file>
-
-<file path=ppt/slides/slide7.xml><?xml version="1.0" encoding="utf-8"?>
-<p:sld xmlns:a="http://schemas.openxmlformats.org/drawingml/2006/main" xmlns:r="http://schemas.openxmlformats.org/officeDocument/2006/relationships" xmlns:p="http://schemas.openxmlformats.org/presentationml/2006/main">
-  <p:cSld>
-    <p:spTree>
-      <p:nvGrpSpPr>
-        <p:cNvPr id="1" name=""/>
-        <p:cNvGrpSpPr/>
-        <p:nvPr/>
-      </p:nvGrpSpPr>
-      <p:grpSpPr>
-        <a:xfrm>
-          <a:off x="0" y="0"/>
-          <a:ext cx="0" cy="0"/>
-          <a:chOff x="0" y="0"/>
-          <a:chExt cx="0" cy="0"/>
-        </a:xfrm>
-      </p:grpSpPr>
-      <p:sp>
-        <p:nvSpPr>
-          <p:cNvPr id="2" name="Titre 1"/>
-          <p:cNvSpPr>
-            <a:spLocks noGrp="1"/>
-          </p:cNvSpPr>
-          <p:nvPr>
-            <p:ph type="title"/>
-          </p:nvPr>
-        </p:nvSpPr>
-        <p:spPr>
-          <a:xfrm>
-            <a:off x="179512" y="274638"/>
-            <a:ext cx="8784976" cy="1143000"/>
-          </a:xfrm>
-        </p:spPr>
-        <p:txBody>
-          <a:bodyPr>
-            <a:normAutofit/>
-          </a:bodyPr>
-          <a:lstStyle/>
-          <a:p>
-            <a:pPr algn="ctr"/>
-            <a:r>
-              <a:rPr lang="en-GB" sz="3600" dirty="0" smtClean="0">
-                <a:solidFill>
-                  <a:schemeClr val="tx1">
-                    <a:lumMod val="65000"/>
-                    <a:lumOff val="35000"/>
-                  </a:schemeClr>
-                </a:solidFill>
-              </a:rPr>
-              <a:t>III Demonstration</a:t>
-            </a:r>
-            <a:endParaRPr lang="fr-FR" sz="3600" dirty="0"/>
-          </a:p>
-        </p:txBody>
-      </p:sp>
-      <p:sp>
-        <p:nvSpPr>
-          <p:cNvPr id="4" name="Espace réservé du numéro de diapositive 3"/>
-          <p:cNvSpPr>
-            <a:spLocks noGrp="1"/>
-          </p:cNvSpPr>
-          <p:nvPr>
-            <p:ph type="sldNum" sz="quarter" idx="12"/>
-          </p:nvPr>
-        </p:nvSpPr>
-        <p:spPr/>
-        <p:txBody>
-          <a:bodyPr/>
-          <a:lstStyle/>
-          <a:p>
-            <a:fld id="{C7CDC3F6-687D-4FBA-B21C-72B0B0E094F4}" type="slidenum">
-              <a:rPr lang="fr-FR" smtClean="0"/>
-              <a:pPr/>
-              <a:t>7</a:t>
             </a:fld>
             <a:endParaRPr lang="fr-FR"/>
           </a:p>

--- a/Docs/Soutenance Projet.pptx
+++ b/Docs/Soutenance Projet.pptx
@@ -114,7 +114,7 @@
   </p:defaultTextStyle>
   <p:extLst>
     <p:ext uri="{EFAFB233-063F-42B5-8137-9DF3F51BA10A}">
-      <p15:sldGuideLst xmlns="" xmlns:p15="http://schemas.microsoft.com/office/powerpoint/2012/main">
+      <p15:sldGuideLst xmlns:p15="http://schemas.microsoft.com/office/powerpoint/2012/main" xmlns="">
         <p15:guide id="1" orient="horz" pos="2160">
           <p15:clr>
             <a:srgbClr val="A4A3A4"/>
@@ -5993,7 +5993,7 @@
           <a:p>
             <a:fld id="{6D22F626-CA3F-4489-8656-094F9D88488D}" type="datetimeFigureOut">
               <a:rPr lang="fr-FR" smtClean="0"/>
-              <a:t>22/11/2014</a:t>
+              <a:t>17/01/2015</a:t>
             </a:fld>
             <a:endParaRPr lang="fr-FR"/>
           </a:p>
@@ -6539,7 +6539,7 @@
           <a:p>
             <a:fld id="{F6ED821C-3065-4F4D-B16E-1BFEE8A77605}" type="datetime1">
               <a:rPr lang="fr-FR" smtClean="0"/>
-              <a:t>22/11/2014</a:t>
+              <a:t>17/01/2015</a:t>
             </a:fld>
             <a:endParaRPr lang="fr-FR"/>
           </a:p>
@@ -6893,7 +6893,7 @@
           <a:p>
             <a:fld id="{22A5C57C-3584-43B6-A3E2-08F245098A9D}" type="datetime1">
               <a:rPr lang="fr-FR" smtClean="0"/>
-              <a:t>22/11/2014</a:t>
+              <a:t>17/01/2015</a:t>
             </a:fld>
             <a:endParaRPr lang="fr-FR"/>
           </a:p>
@@ -7069,7 +7069,7 @@
           <a:p>
             <a:fld id="{4EE43607-FA03-4550-8145-20691F15E831}" type="datetime1">
               <a:rPr lang="fr-FR" smtClean="0"/>
-              <a:t>22/11/2014</a:t>
+              <a:t>17/01/2015</a:t>
             </a:fld>
             <a:endParaRPr lang="fr-FR"/>
           </a:p>
@@ -7183,7 +7183,7 @@
           <a:p>
             <a:fld id="{FA3BB2BD-9988-42C2-B189-1BD153E9EB2A}" type="datetime1">
               <a:rPr lang="fr-FR" smtClean="0"/>
-              <a:t>22/11/2014</a:t>
+              <a:t>17/01/2015</a:t>
             </a:fld>
             <a:endParaRPr lang="fr-FR"/>
           </a:p>
@@ -7542,7 +7542,7 @@
           <a:p>
             <a:fld id="{5626FA85-4640-4B84-940B-84733AD45A67}" type="datetime1">
               <a:rPr lang="fr-FR" smtClean="0"/>
-              <a:t>22/11/2014</a:t>
+              <a:t>17/01/2015</a:t>
             </a:fld>
             <a:endParaRPr lang="fr-FR"/>
           </a:p>
@@ -7808,7 +7808,7 @@
           <a:p>
             <a:fld id="{E6AEA758-39C2-4EAC-A504-1F705BDACDC2}" type="datetime1">
               <a:rPr lang="fr-FR" smtClean="0"/>
-              <a:t>22/11/2014</a:t>
+              <a:t>17/01/2015</a:t>
             </a:fld>
             <a:endParaRPr lang="fr-FR"/>
           </a:p>
@@ -8171,7 +8171,7 @@
           <a:p>
             <a:fld id="{F53D1889-12E2-4B2F-A007-C79FC00FDFD8}" type="datetime1">
               <a:rPr lang="fr-FR" smtClean="0"/>
-              <a:t>22/11/2014</a:t>
+              <a:t>17/01/2015</a:t>
             </a:fld>
             <a:endParaRPr lang="fr-FR"/>
           </a:p>
@@ -8399,7 +8399,7 @@
           <a:p>
             <a:fld id="{507A5206-0619-42FB-96E5-3137984AC47A}" type="datetime1">
               <a:rPr lang="fr-FR" smtClean="0"/>
-              <a:t>22/11/2014</a:t>
+              <a:t>17/01/2015</a:t>
             </a:fld>
             <a:endParaRPr lang="fr-FR"/>
           </a:p>
@@ -8490,7 +8490,7 @@
           <a:p>
             <a:fld id="{0D3734FC-6126-40DE-9F53-ADBD9695A324}" type="datetime1">
               <a:rPr lang="fr-FR" smtClean="0"/>
-              <a:t>22/11/2014</a:t>
+              <a:t>17/01/2015</a:t>
             </a:fld>
             <a:endParaRPr lang="fr-FR"/>
           </a:p>
@@ -8758,7 +8758,7 @@
           <a:p>
             <a:fld id="{6D0C46B6-5E63-4B0A-9BFD-796CBFA660A4}" type="datetime1">
               <a:rPr lang="fr-FR" smtClean="0"/>
-              <a:t>22/11/2014</a:t>
+              <a:t>17/01/2015</a:t>
             </a:fld>
             <a:endParaRPr lang="fr-FR"/>
           </a:p>
@@ -8987,7 +8987,7 @@
           <a:p>
             <a:fld id="{66E1D7F5-4BAC-4334-B519-C5B55C061427}" type="datetime1">
               <a:rPr lang="fr-FR" smtClean="0"/>
-              <a:t>22/11/2014</a:t>
+              <a:t>17/01/2015</a:t>
             </a:fld>
             <a:endParaRPr lang="fr-FR"/>
           </a:p>
@@ -9487,7 +9487,7 @@
           <a:p>
             <a:fld id="{FA5025D5-0E1A-4A88-8E59-EA73C3D56A74}" type="datetime1">
               <a:rPr lang="fr-FR" smtClean="0"/>
-              <a:t>22/11/2014</a:t>
+              <a:t>17/01/2015</a:t>
             </a:fld>
             <a:endParaRPr lang="fr-FR"/>
           </a:p>
@@ -9944,23 +9944,7 @@
                   <a:schemeClr val="bg1"/>
                 </a:solidFill>
               </a:rPr>
-              <a:t>Réalisé par BRAGA, </a:t>
-            </a:r>
-            <a:r>
-              <a:rPr lang="fr-FR" sz="9600" dirty="0" smtClean="0">
-                <a:solidFill>
-                  <a:schemeClr val="bg1"/>
-                </a:solidFill>
-              </a:rPr>
-              <a:t>S.NADANE </a:t>
-            </a:r>
-            <a:r>
-              <a:rPr lang="fr-FR" sz="9600" dirty="0" smtClean="0">
-                <a:solidFill>
-                  <a:schemeClr val="bg1"/>
-                </a:solidFill>
-              </a:rPr>
-              <a:t>et MOREAU</a:t>
+              <a:t>Réalisé par BRAGA, S.NADANE et MOREAU</a:t>
             </a:r>
             <a:endParaRPr lang="fr-FR" sz="9600" dirty="0">
               <a:solidFill>
@@ -10392,18 +10376,7 @@
                   </a:schemeClr>
                 </a:solidFill>
               </a:rPr>
-              <a:t>Architecture </a:t>
-            </a:r>
-            <a:r>
-              <a:rPr lang="en-GB" dirty="0" smtClean="0">
-                <a:solidFill>
-                  <a:schemeClr val="tx1">
-                    <a:lumMod val="65000"/>
-                    <a:lumOff val="35000"/>
-                  </a:schemeClr>
-                </a:solidFill>
-              </a:rPr>
-              <a:t>du projet</a:t>
+              <a:t>Architecture du projet</a:t>
             </a:r>
             <a:endParaRPr lang="en-GB" sz="1200" dirty="0">
               <a:solidFill>
@@ -10542,18 +10515,7 @@
                   </a:schemeClr>
                 </a:solidFill>
               </a:rPr>
-              <a:t> </a:t>
-            </a:r>
-            <a:r>
-              <a:rPr lang="en-GB" sz="3600" dirty="0" smtClean="0">
-                <a:solidFill>
-                  <a:schemeClr val="tx1">
-                    <a:lumMod val="65000"/>
-                    <a:lumOff val="35000"/>
-                  </a:schemeClr>
-                </a:solidFill>
-              </a:rPr>
-              <a:t>de </a:t>
+              <a:t> de </a:t>
             </a:r>
             <a:r>
               <a:rPr lang="en-GB" sz="3600" dirty="0" err="1" smtClean="0">
@@ -10626,11 +10588,7 @@
             </a:r>
             <a:r>
               <a:rPr lang="fr-FR" dirty="0" smtClean="0"/>
-              <a:t> rapide et </a:t>
-            </a:r>
-            <a:r>
-              <a:rPr lang="fr-FR" dirty="0" smtClean="0"/>
-              <a:t>efficace.</a:t>
+              <a:t> rapide et efficace.</a:t>
             </a:r>
           </a:p>
           <a:p>
@@ -10684,13 +10642,9 @@
             </a:r>
             <a:r>
               <a:rPr lang="fr-FR" dirty="0" smtClean="0"/>
-              <a:t> &amp; </a:t>
+              <a:t> </a:t>
             </a:r>
-            <a:r>
-              <a:rPr lang="fr-FR" dirty="0" err="1" smtClean="0"/>
-              <a:t>Zepto,js</a:t>
-            </a:r>
-            <a:endParaRPr lang="fr-FR" dirty="0" smtClean="0"/>
+            <a:endParaRPr lang="fr-FR" dirty="0"/>
           </a:p>
           <a:p>
             <a:r>

--- a/Docs/Soutenance Projet.pptx
+++ b/Docs/Soutenance Projet.pptx
@@ -5,7 +5,7 @@
     <p:sldMasterId id="2147483756" r:id="rId1"/>
   </p:sldMasterIdLst>
   <p:notesMasterIdLst>
-    <p:notesMasterId r:id="rId8"/>
+    <p:notesMasterId r:id="rId9"/>
   </p:notesMasterIdLst>
   <p:sldIdLst>
     <p:sldId id="256" r:id="rId2"/>
@@ -14,6 +14,7 @@
     <p:sldId id="282" r:id="rId5"/>
     <p:sldId id="264" r:id="rId6"/>
     <p:sldId id="287" r:id="rId7"/>
+    <p:sldId id="289" r:id="rId8"/>
   </p:sldIdLst>
   <p:sldSz cx="9144000" cy="6858000" type="screen4x3"/>
   <p:notesSz cx="6858000" cy="9144000"/>
@@ -5993,7 +5994,7 @@
           <a:p>
             <a:fld id="{6D22F626-CA3F-4489-8656-094F9D88488D}" type="datetimeFigureOut">
               <a:rPr lang="fr-FR" smtClean="0"/>
-              <a:t>17/01/2015</a:t>
+              <a:t>19/01/2015</a:t>
             </a:fld>
             <a:endParaRPr lang="fr-FR"/>
           </a:p>
@@ -6345,6 +6346,90 @@
 </p:notes>
 </file>
 
+<file path=ppt/notesSlides/notesSlide2.xml><?xml version="1.0" encoding="utf-8"?>
+<p:notes xmlns:a="http://schemas.openxmlformats.org/drawingml/2006/main" xmlns:r="http://schemas.openxmlformats.org/officeDocument/2006/relationships" xmlns:p="http://schemas.openxmlformats.org/presentationml/2006/main">
+  <p:cSld>
+    <p:spTree>
+      <p:nvGrpSpPr>
+        <p:cNvPr id="1" name=""/>
+        <p:cNvGrpSpPr/>
+        <p:nvPr/>
+      </p:nvGrpSpPr>
+      <p:grpSpPr>
+        <a:xfrm>
+          <a:off x="0" y="0"/>
+          <a:ext cx="0" cy="0"/>
+          <a:chOff x="0" y="0"/>
+          <a:chExt cx="0" cy="0"/>
+        </a:xfrm>
+      </p:grpSpPr>
+      <p:sp>
+        <p:nvSpPr>
+          <p:cNvPr id="2" name="Espace réservé de l'image des diapositives 1"/>
+          <p:cNvSpPr>
+            <a:spLocks noGrp="1" noRot="1" noChangeAspect="1"/>
+          </p:cNvSpPr>
+          <p:nvPr>
+            <p:ph type="sldImg"/>
+          </p:nvPr>
+        </p:nvSpPr>
+        <p:spPr/>
+      </p:sp>
+      <p:sp>
+        <p:nvSpPr>
+          <p:cNvPr id="3" name="Espace réservé des commentaires 2"/>
+          <p:cNvSpPr>
+            <a:spLocks noGrp="1"/>
+          </p:cNvSpPr>
+          <p:nvPr>
+            <p:ph type="body" idx="1"/>
+          </p:nvPr>
+        </p:nvSpPr>
+        <p:spPr/>
+        <p:txBody>
+          <a:bodyPr/>
+          <a:lstStyle/>
+          <a:p>
+            <a:endParaRPr lang="fr-FR" dirty="0"/>
+          </a:p>
+        </p:txBody>
+      </p:sp>
+      <p:sp>
+        <p:nvSpPr>
+          <p:cNvPr id="4" name="Espace réservé du numéro de diapositive 3"/>
+          <p:cNvSpPr>
+            <a:spLocks noGrp="1"/>
+          </p:cNvSpPr>
+          <p:nvPr>
+            <p:ph type="sldNum" sz="quarter" idx="10"/>
+          </p:nvPr>
+        </p:nvSpPr>
+        <p:spPr/>
+        <p:txBody>
+          <a:bodyPr/>
+          <a:lstStyle/>
+          <a:p>
+            <a:fld id="{BF577B26-A8E1-4E17-A245-5A3862DA6E92}" type="slidenum">
+              <a:rPr lang="fr-FR" smtClean="0"/>
+              <a:t>7</a:t>
+            </a:fld>
+            <a:endParaRPr lang="fr-FR"/>
+          </a:p>
+        </p:txBody>
+      </p:sp>
+    </p:spTree>
+    <p:extLst>
+      <p:ext uri="{BB962C8B-B14F-4D97-AF65-F5344CB8AC3E}">
+        <p14:creationId xmlns:p14="http://schemas.microsoft.com/office/powerpoint/2010/main" val="3597575720"/>
+      </p:ext>
+    </p:extLst>
+  </p:cSld>
+  <p:clrMapOvr>
+    <a:masterClrMapping/>
+  </p:clrMapOvr>
+</p:notes>
+</file>
+
 <file path=ppt/slideLayouts/slideLayout1.xml><?xml version="1.0" encoding="utf-8"?>
 <p:sldLayout xmlns:a="http://schemas.openxmlformats.org/drawingml/2006/main" xmlns:r="http://schemas.openxmlformats.org/officeDocument/2006/relationships" xmlns:p="http://schemas.openxmlformats.org/presentationml/2006/main" showMasterSp="0" type="title" preserve="1">
   <p:cSld name="Diapositive de titre">
@@ -6539,7 +6624,7 @@
           <a:p>
             <a:fld id="{F6ED821C-3065-4F4D-B16E-1BFEE8A77605}" type="datetime1">
               <a:rPr lang="fr-FR" smtClean="0"/>
-              <a:t>17/01/2015</a:t>
+              <a:t>19/01/2015</a:t>
             </a:fld>
             <a:endParaRPr lang="fr-FR"/>
           </a:p>
@@ -6893,7 +6978,7 @@
           <a:p>
             <a:fld id="{22A5C57C-3584-43B6-A3E2-08F245098A9D}" type="datetime1">
               <a:rPr lang="fr-FR" smtClean="0"/>
-              <a:t>17/01/2015</a:t>
+              <a:t>19/01/2015</a:t>
             </a:fld>
             <a:endParaRPr lang="fr-FR"/>
           </a:p>
@@ -7069,7 +7154,7 @@
           <a:p>
             <a:fld id="{4EE43607-FA03-4550-8145-20691F15E831}" type="datetime1">
               <a:rPr lang="fr-FR" smtClean="0"/>
-              <a:t>17/01/2015</a:t>
+              <a:t>19/01/2015</a:t>
             </a:fld>
             <a:endParaRPr lang="fr-FR"/>
           </a:p>
@@ -7183,7 +7268,7 @@
           <a:p>
             <a:fld id="{FA3BB2BD-9988-42C2-B189-1BD153E9EB2A}" type="datetime1">
               <a:rPr lang="fr-FR" smtClean="0"/>
-              <a:t>17/01/2015</a:t>
+              <a:t>19/01/2015</a:t>
             </a:fld>
             <a:endParaRPr lang="fr-FR"/>
           </a:p>
@@ -7542,7 +7627,7 @@
           <a:p>
             <a:fld id="{5626FA85-4640-4B84-940B-84733AD45A67}" type="datetime1">
               <a:rPr lang="fr-FR" smtClean="0"/>
-              <a:t>17/01/2015</a:t>
+              <a:t>19/01/2015</a:t>
             </a:fld>
             <a:endParaRPr lang="fr-FR"/>
           </a:p>
@@ -7808,7 +7893,7 @@
           <a:p>
             <a:fld id="{E6AEA758-39C2-4EAC-A504-1F705BDACDC2}" type="datetime1">
               <a:rPr lang="fr-FR" smtClean="0"/>
-              <a:t>17/01/2015</a:t>
+              <a:t>19/01/2015</a:t>
             </a:fld>
             <a:endParaRPr lang="fr-FR"/>
           </a:p>
@@ -8171,7 +8256,7 @@
           <a:p>
             <a:fld id="{F53D1889-12E2-4B2F-A007-C79FC00FDFD8}" type="datetime1">
               <a:rPr lang="fr-FR" smtClean="0"/>
-              <a:t>17/01/2015</a:t>
+              <a:t>19/01/2015</a:t>
             </a:fld>
             <a:endParaRPr lang="fr-FR"/>
           </a:p>
@@ -8399,7 +8484,7 @@
           <a:p>
             <a:fld id="{507A5206-0619-42FB-96E5-3137984AC47A}" type="datetime1">
               <a:rPr lang="fr-FR" smtClean="0"/>
-              <a:t>17/01/2015</a:t>
+              <a:t>19/01/2015</a:t>
             </a:fld>
             <a:endParaRPr lang="fr-FR"/>
           </a:p>
@@ -8490,7 +8575,7 @@
           <a:p>
             <a:fld id="{0D3734FC-6126-40DE-9F53-ADBD9695A324}" type="datetime1">
               <a:rPr lang="fr-FR" smtClean="0"/>
-              <a:t>17/01/2015</a:t>
+              <a:t>19/01/2015</a:t>
             </a:fld>
             <a:endParaRPr lang="fr-FR"/>
           </a:p>
@@ -8758,7 +8843,7 @@
           <a:p>
             <a:fld id="{6D0C46B6-5E63-4B0A-9BFD-796CBFA660A4}" type="datetime1">
               <a:rPr lang="fr-FR" smtClean="0"/>
-              <a:t>17/01/2015</a:t>
+              <a:t>19/01/2015</a:t>
             </a:fld>
             <a:endParaRPr lang="fr-FR"/>
           </a:p>
@@ -8987,7 +9072,7 @@
           <a:p>
             <a:fld id="{66E1D7F5-4BAC-4334-B519-C5B55C061427}" type="datetime1">
               <a:rPr lang="fr-FR" smtClean="0"/>
-              <a:t>17/01/2015</a:t>
+              <a:t>19/01/2015</a:t>
             </a:fld>
             <a:endParaRPr lang="fr-FR"/>
           </a:p>
@@ -9487,7 +9572,7 @@
           <a:p>
             <a:fld id="{FA5025D5-0E1A-4A88-8E59-EA73C3D56A74}" type="datetime1">
               <a:rPr lang="fr-FR" smtClean="0"/>
-              <a:t>17/01/2015</a:t>
+              <a:t>19/01/2015</a:t>
             </a:fld>
             <a:endParaRPr lang="fr-FR"/>
           </a:p>
@@ -10159,7 +10244,7 @@
             </a:fld>
             <a:r>
               <a:rPr lang="fr-FR" dirty="0" smtClean="0"/>
-              <a:t>/</a:t>
+              <a:t>/7</a:t>
             </a:r>
             <a:endParaRPr lang="fr-FR" dirty="0"/>
           </a:p>
@@ -10302,14 +10387,9 @@
   <p:clrMapOvr>
     <a:masterClrMapping/>
   </p:clrMapOvr>
-  <mc:AlternateContent xmlns:mc="http://schemas.openxmlformats.org/markup-compatibility/2006" xmlns:p14="http://schemas.microsoft.com/office/powerpoint/2010/main">
-    <mc:Choice Requires="p14">
-      <p:transition p14:dur="0"/>
-    </mc:Choice>
-    <mc:Fallback xmlns="">
-      <p:transition/>
-    </mc:Fallback>
-  </mc:AlternateContent>
+  <p:transition spd="slow">
+    <p:push dir="u"/>
+  </p:transition>
   <p:timing>
     <p:tnLst>
       <p:par>
@@ -10406,7 +10486,11 @@
               <a:pPr/>
               <a:t>3</a:t>
             </a:fld>
-            <a:endParaRPr lang="fr-FR"/>
+            <a:r>
+              <a:rPr lang="fr-FR" dirty="0" smtClean="0"/>
+              <a:t>/7</a:t>
+            </a:r>
+            <a:endParaRPr lang="fr-FR" dirty="0"/>
           </a:p>
         </p:txBody>
       </p:sp>
@@ -10445,6 +10529,9 @@
   <p:clrMapOvr>
     <a:masterClrMapping/>
   </p:clrMapOvr>
+  <p:transition spd="slow">
+    <p:push dir="u"/>
+  </p:transition>
   <p:timing>
     <p:tnLst>
       <p:par>
@@ -10552,7 +10639,11 @@
               <a:pPr/>
               <a:t>4</a:t>
             </a:fld>
-            <a:endParaRPr lang="fr-FR"/>
+            <a:r>
+              <a:rPr lang="fr-FR" dirty="0" smtClean="0"/>
+              <a:t>/7</a:t>
+            </a:r>
+            <a:endParaRPr lang="fr-FR" dirty="0"/>
           </a:p>
         </p:txBody>
       </p:sp>
@@ -10678,6 +10769,9 @@
   <p:clrMapOvr>
     <a:masterClrMapping/>
   </p:clrMapOvr>
+  <p:transition spd="slow">
+    <p:push dir="u"/>
+  </p:transition>
   <p:timing>
     <p:tnLst>
       <p:par>
@@ -10762,7 +10856,11 @@
               <a:pPr/>
               <a:t>5</a:t>
             </a:fld>
-            <a:endParaRPr lang="fr-FR"/>
+            <a:r>
+              <a:rPr lang="fr-FR" dirty="0" smtClean="0"/>
+              <a:t>/7</a:t>
+            </a:r>
+            <a:endParaRPr lang="fr-FR" dirty="0"/>
           </a:p>
         </p:txBody>
       </p:sp>
@@ -10857,14 +10955,9 @@
   <p:clrMapOvr>
     <a:masterClrMapping/>
   </p:clrMapOvr>
-  <mc:AlternateContent xmlns:mc="http://schemas.openxmlformats.org/markup-compatibility/2006" xmlns:p14="http://schemas.microsoft.com/office/powerpoint/2010/main">
-    <mc:Choice Requires="p14">
-      <p:transition p14:dur="0"/>
-    </mc:Choice>
-    <mc:Fallback xmlns="">
-      <p:transition/>
-    </mc:Fallback>
-  </mc:AlternateContent>
+  <p:transition spd="slow">
+    <p:push dir="u"/>
+  </p:transition>
   <p:timing>
     <p:tnLst>
       <p:par>
@@ -10950,7 +11043,11 @@
               <a:pPr/>
               <a:t>6</a:t>
             </a:fld>
-            <a:endParaRPr lang="fr-FR"/>
+            <a:r>
+              <a:rPr lang="fr-FR" dirty="0" smtClean="0"/>
+              <a:t>/7</a:t>
+            </a:r>
+            <a:endParaRPr lang="fr-FR" dirty="0"/>
           </a:p>
         </p:txBody>
       </p:sp>
@@ -10969,11 +11066,19 @@
           <a:bodyPr/>
           <a:lstStyle/>
           <a:p>
+            <a:pPr>
+              <a:buFont typeface="Arial" charset="0"/>
+              <a:buChar char="•"/>
+            </a:pPr>
             <a:r>
               <a:rPr lang="fr-FR" dirty="0" smtClean="0"/>
-              <a:t>Accéder à la page web : </a:t>
-            </a:r>
-            <a:endParaRPr lang="fr-FR" dirty="0"/>
+              <a:t>Accéder </a:t>
+            </a:r>
+            <a:r>
+              <a:rPr lang="fr-FR" dirty="0" smtClean="0"/>
+              <a:t>à la page web : </a:t>
+            </a:r>
+            <a:endParaRPr lang="fr-FR" dirty="0" smtClean="0"/>
           </a:p>
           <a:p>
             <a:pPr marL="0" indent="0" algn="ctr">
@@ -10983,7 +11088,19 @@
               <a:rPr lang="fr-FR" dirty="0" smtClean="0">
                 <a:hlinkClick r:id="rId3"/>
               </a:rPr>
-              <a:t>http://localhost/Projet-R-D/Site/index.php</a:t>
+              <a:t>http</a:t>
+            </a:r>
+            <a:r>
+              <a:rPr lang="fr-FR" dirty="0" smtClean="0">
+                <a:hlinkClick r:id="rId3"/>
+              </a:rPr>
+              <a:t>://</a:t>
+            </a:r>
+            <a:r>
+              <a:rPr lang="fr-FR" dirty="0" smtClean="0">
+                <a:hlinkClick r:id="rId3"/>
+              </a:rPr>
+              <a:t>localhost/Projet-R-D/Site/index.php</a:t>
             </a:r>
             <a:endParaRPr lang="fr-FR" dirty="0" smtClean="0"/>
           </a:p>
@@ -11017,6 +11134,187 @@
   <p:clrMapOvr>
     <a:masterClrMapping/>
   </p:clrMapOvr>
+  <p:transition spd="slow">
+    <p:push dir="u"/>
+  </p:transition>
+  <p:timing>
+    <p:tnLst>
+      <p:par>
+        <p:cTn id="1" dur="indefinite" restart="never" nodeType="tmRoot"/>
+      </p:par>
+    </p:tnLst>
+  </p:timing>
+</p:sld>
+</file>
+
+<file path=ppt/slides/slide7.xml><?xml version="1.0" encoding="utf-8"?>
+<p:sld xmlns:a="http://schemas.openxmlformats.org/drawingml/2006/main" xmlns:r="http://schemas.openxmlformats.org/officeDocument/2006/relationships" xmlns:p="http://schemas.openxmlformats.org/presentationml/2006/main">
+  <p:cSld>
+    <p:spTree>
+      <p:nvGrpSpPr>
+        <p:cNvPr id="1" name=""/>
+        <p:cNvGrpSpPr/>
+        <p:nvPr/>
+      </p:nvGrpSpPr>
+      <p:grpSpPr>
+        <a:xfrm>
+          <a:off x="0" y="0"/>
+          <a:ext cx="0" cy="0"/>
+          <a:chOff x="0" y="0"/>
+          <a:chExt cx="0" cy="0"/>
+        </a:xfrm>
+      </p:grpSpPr>
+      <p:sp>
+        <p:nvSpPr>
+          <p:cNvPr id="2" name="Titre 1"/>
+          <p:cNvSpPr>
+            <a:spLocks noGrp="1"/>
+          </p:cNvSpPr>
+          <p:nvPr>
+            <p:ph type="title"/>
+          </p:nvPr>
+        </p:nvSpPr>
+        <p:spPr>
+          <a:xfrm>
+            <a:off x="179512" y="274638"/>
+            <a:ext cx="8784976" cy="1143000"/>
+          </a:xfrm>
+        </p:spPr>
+        <p:txBody>
+          <a:bodyPr>
+            <a:normAutofit/>
+          </a:bodyPr>
+          <a:lstStyle/>
+          <a:p>
+            <a:pPr algn="ctr"/>
+            <a:r>
+              <a:rPr lang="en-GB" sz="3600" dirty="0" err="1" smtClean="0">
+                <a:solidFill>
+                  <a:schemeClr val="tx1">
+                    <a:lumMod val="65000"/>
+                    <a:lumOff val="35000"/>
+                  </a:schemeClr>
+                </a:solidFill>
+              </a:rPr>
+              <a:t>Accès</a:t>
+            </a:r>
+            <a:r>
+              <a:rPr lang="en-GB" sz="3600" dirty="0" smtClean="0">
+                <a:solidFill>
+                  <a:schemeClr val="tx1">
+                    <a:lumMod val="65000"/>
+                    <a:lumOff val="35000"/>
+                  </a:schemeClr>
+                </a:solidFill>
+              </a:rPr>
+              <a:t> à distance</a:t>
+            </a:r>
+            <a:endParaRPr lang="fr-FR" sz="3600" dirty="0"/>
+          </a:p>
+        </p:txBody>
+      </p:sp>
+      <p:sp>
+        <p:nvSpPr>
+          <p:cNvPr id="4" name="Espace réservé du numéro de diapositive 3"/>
+          <p:cNvSpPr>
+            <a:spLocks noGrp="1"/>
+          </p:cNvSpPr>
+          <p:nvPr>
+            <p:ph type="sldNum" sz="quarter" idx="12"/>
+          </p:nvPr>
+        </p:nvSpPr>
+        <p:spPr/>
+        <p:txBody>
+          <a:bodyPr/>
+          <a:lstStyle/>
+          <a:p>
+            <a:fld id="{C7CDC3F6-687D-4FBA-B21C-72B0B0E094F4}" type="slidenum">
+              <a:rPr lang="fr-FR" smtClean="0"/>
+              <a:pPr/>
+              <a:t>7</a:t>
+            </a:fld>
+            <a:r>
+              <a:rPr lang="fr-FR" dirty="0" smtClean="0"/>
+              <a:t>/7</a:t>
+            </a:r>
+            <a:endParaRPr lang="fr-FR" dirty="0"/>
+          </a:p>
+        </p:txBody>
+      </p:sp>
+      <p:sp>
+        <p:nvSpPr>
+          <p:cNvPr id="3" name="Espace réservé du contenu 2"/>
+          <p:cNvSpPr>
+            <a:spLocks noGrp="1"/>
+          </p:cNvSpPr>
+          <p:nvPr>
+            <p:ph sz="quarter" idx="1"/>
+          </p:nvPr>
+        </p:nvSpPr>
+        <p:spPr/>
+        <p:txBody>
+          <a:bodyPr/>
+          <a:lstStyle/>
+          <a:p>
+            <a:pPr>
+              <a:buFont typeface="Arial" charset="0"/>
+              <a:buChar char="•"/>
+            </a:pPr>
+            <a:r>
+              <a:rPr lang="fr-FR" dirty="0" smtClean="0"/>
+              <a:t>Accéder </a:t>
+            </a:r>
+            <a:r>
+              <a:rPr lang="fr-FR" dirty="0" smtClean="0"/>
+              <a:t>à la page web : </a:t>
+            </a:r>
+            <a:endParaRPr lang="fr-FR" dirty="0" smtClean="0"/>
+          </a:p>
+          <a:p>
+            <a:pPr marL="0" indent="0" algn="ctr">
+              <a:buNone/>
+            </a:pPr>
+            <a:r>
+              <a:rPr lang="fr-FR" dirty="0" smtClean="0">
+                <a:hlinkClick r:id="rId3"/>
+              </a:rPr>
+              <a:t>http://rbcc.northrain.org/projet-rd</a:t>
+            </a:r>
+            <a:endParaRPr lang="fr-FR" dirty="0" smtClean="0"/>
+          </a:p>
+          <a:p>
+            <a:pPr marL="0" indent="0" algn="ctr">
+              <a:buNone/>
+            </a:pPr>
+            <a:endParaRPr lang="fr-FR" dirty="0" smtClean="0"/>
+          </a:p>
+          <a:p>
+            <a:pPr marL="0" indent="0" algn="ctr">
+              <a:buNone/>
+            </a:pPr>
+            <a:endParaRPr lang="fr-FR" dirty="0" smtClean="0"/>
+          </a:p>
+          <a:p>
+            <a:pPr marL="0" indent="0" algn="ctr">
+              <a:buNone/>
+            </a:pPr>
+            <a:endParaRPr lang="fr-FR" dirty="0"/>
+          </a:p>
+        </p:txBody>
+      </p:sp>
+    </p:spTree>
+    <p:extLst>
+      <p:ext uri="{BB962C8B-B14F-4D97-AF65-F5344CB8AC3E}">
+        <p14:creationId xmlns:p14="http://schemas.microsoft.com/office/powerpoint/2010/main" val="3573934456"/>
+      </p:ext>
+    </p:extLst>
+  </p:cSld>
+  <p:clrMapOvr>
+    <a:masterClrMapping/>
+  </p:clrMapOvr>
+  <p:transition spd="slow">
+    <p:push dir="u"/>
+  </p:transition>
   <p:timing>
     <p:tnLst>
       <p:par>
